--- a/Lecture Slides/Lab01-Eagle-Intro.pptx
+++ b/Lecture Slides/Lab01-Eagle-Intro.pptx
@@ -236,7 +236,7 @@
           <a:p>
             <a:fld id="{BC745CAF-6697-EB43-8D33-148B2A11868D}" type="datetimeFigureOut">
               <a:rPr lang="en-US" smtClean="0"/>
-              <a:t>3/25/17</a:t>
+              <a:t>4/2/17</a:t>
             </a:fld>
             <a:endParaRPr lang="en-US"/>
           </a:p>
@@ -769,7 +769,7 @@
           <a:p>
             <a:fld id="{0675A308-8787-9B42-956E-CA40C2F0F6AE}" type="datetimeFigureOut">
               <a:rPr lang="en-US" smtClean="0"/>
-              <a:t>3/25/17</a:t>
+              <a:t>4/2/17</a:t>
             </a:fld>
             <a:endParaRPr lang="en-US"/>
           </a:p>
@@ -939,7 +939,7 @@
           <a:p>
             <a:fld id="{0675A308-8787-9B42-956E-CA40C2F0F6AE}" type="datetimeFigureOut">
               <a:rPr lang="en-US" smtClean="0"/>
-              <a:t>3/25/17</a:t>
+              <a:t>4/2/17</a:t>
             </a:fld>
             <a:endParaRPr lang="en-US"/>
           </a:p>
@@ -1119,7 +1119,7 @@
           <a:p>
             <a:fld id="{0675A308-8787-9B42-956E-CA40C2F0F6AE}" type="datetimeFigureOut">
               <a:rPr lang="en-US" smtClean="0"/>
-              <a:t>3/25/17</a:t>
+              <a:t>4/2/17</a:t>
             </a:fld>
             <a:endParaRPr lang="en-US"/>
           </a:p>
@@ -1289,7 +1289,7 @@
           <a:p>
             <a:fld id="{0675A308-8787-9B42-956E-CA40C2F0F6AE}" type="datetimeFigureOut">
               <a:rPr lang="en-US" smtClean="0"/>
-              <a:t>3/25/17</a:t>
+              <a:t>4/2/17</a:t>
             </a:fld>
             <a:endParaRPr lang="en-US"/>
           </a:p>
@@ -1535,7 +1535,7 @@
           <a:p>
             <a:fld id="{0675A308-8787-9B42-956E-CA40C2F0F6AE}" type="datetimeFigureOut">
               <a:rPr lang="en-US" smtClean="0"/>
-              <a:t>3/25/17</a:t>
+              <a:t>4/2/17</a:t>
             </a:fld>
             <a:endParaRPr lang="en-US"/>
           </a:p>
@@ -1823,7 +1823,7 @@
           <a:p>
             <a:fld id="{0675A308-8787-9B42-956E-CA40C2F0F6AE}" type="datetimeFigureOut">
               <a:rPr lang="en-US" smtClean="0"/>
-              <a:t>3/25/17</a:t>
+              <a:t>4/2/17</a:t>
             </a:fld>
             <a:endParaRPr lang="en-US"/>
           </a:p>
@@ -2245,7 +2245,7 @@
           <a:p>
             <a:fld id="{0675A308-8787-9B42-956E-CA40C2F0F6AE}" type="datetimeFigureOut">
               <a:rPr lang="en-US" smtClean="0"/>
-              <a:t>3/25/17</a:t>
+              <a:t>4/2/17</a:t>
             </a:fld>
             <a:endParaRPr lang="en-US"/>
           </a:p>
@@ -2363,7 +2363,7 @@
           <a:p>
             <a:fld id="{0675A308-8787-9B42-956E-CA40C2F0F6AE}" type="datetimeFigureOut">
               <a:rPr lang="en-US" smtClean="0"/>
-              <a:t>3/25/17</a:t>
+              <a:t>4/2/17</a:t>
             </a:fld>
             <a:endParaRPr lang="en-US"/>
           </a:p>
@@ -2458,7 +2458,7 @@
           <a:p>
             <a:fld id="{0675A308-8787-9B42-956E-CA40C2F0F6AE}" type="datetimeFigureOut">
               <a:rPr lang="en-US" smtClean="0"/>
-              <a:t>3/25/17</a:t>
+              <a:t>4/2/17</a:t>
             </a:fld>
             <a:endParaRPr lang="en-US"/>
           </a:p>
@@ -2735,7 +2735,7 @@
           <a:p>
             <a:fld id="{0675A308-8787-9B42-956E-CA40C2F0F6AE}" type="datetimeFigureOut">
               <a:rPr lang="en-US" smtClean="0"/>
-              <a:t>3/25/17</a:t>
+              <a:t>4/2/17</a:t>
             </a:fld>
             <a:endParaRPr lang="en-US"/>
           </a:p>
@@ -2988,7 +2988,7 @@
           <a:p>
             <a:fld id="{0675A308-8787-9B42-956E-CA40C2F0F6AE}" type="datetimeFigureOut">
               <a:rPr lang="en-US" smtClean="0"/>
-              <a:t>3/25/17</a:t>
+              <a:t>4/2/17</a:t>
             </a:fld>
             <a:endParaRPr lang="en-US"/>
           </a:p>
@@ -3201,7 +3201,7 @@
           <a:p>
             <a:fld id="{0675A308-8787-9B42-956E-CA40C2F0F6AE}" type="datetimeFigureOut">
               <a:rPr lang="en-US" smtClean="0"/>
-              <a:t>3/25/17</a:t>
+              <a:t>4/2/17</a:t>
             </a:fld>
             <a:endParaRPr lang="en-US"/>
           </a:p>
@@ -3593,15 +3593,7 @@
           <a:p>
             <a:r>
               <a:rPr lang="en-US" dirty="0" smtClean="0"/>
-              <a:t>Lab 1: Printed </a:t>
-            </a:r>
-            <a:r>
-              <a:rPr lang="en-US" dirty="0" smtClean="0"/>
-              <a:t>Circuit </a:t>
-            </a:r>
-            <a:r>
-              <a:rPr lang="en-US" dirty="0" smtClean="0"/>
-              <a:t>Boards: Layers, Layers, Layers</a:t>
+              <a:t>Lab 1: Printed Circuit Boards: Layers, Layers, Layers</a:t>
             </a:r>
             <a:endParaRPr lang="en-US" dirty="0"/>
           </a:p>
@@ -4153,7 +4145,15 @@
             <a:pPr lvl="1"/>
             <a:r>
               <a:rPr lang="en-US" dirty="0" smtClean="0"/>
-              <a:t>This one is very good and really thorough, but it’s too long to watch in class.</a:t>
+              <a:t>This one is very good and </a:t>
+            </a:r>
+            <a:r>
+              <a:rPr lang="en-US" dirty="0" smtClean="0"/>
+              <a:t>really </a:t>
+            </a:r>
+            <a:r>
+              <a:rPr lang="en-US" dirty="0" smtClean="0"/>
+              <a:t>thorough, but it’s too long to watch in class.</a:t>
             </a:r>
           </a:p>
           <a:p>
@@ -4540,7 +4540,7 @@
             <p:ph idx="1"/>
             <p:extLst>
               <p:ext uri="{D42A27DB-BD31-4B8C-83A1-F6EECF244321}">
-                <p14:modId xmlns:p14="http://schemas.microsoft.com/office/powerpoint/2010/main" val="325245849"/>
+                <p14:modId xmlns:p14="http://schemas.microsoft.com/office/powerpoint/2010/main" val="2440241572"/>
               </p:ext>
             </p:extLst>
           </p:nvPr>
@@ -6323,7 +6323,7 @@
                     <a:p>
                       <a:pPr algn="l" fontAlgn="b"/>
                       <a:r>
-                        <a:rPr lang="en-US" sz="1200" b="0" i="0" u="none" strike="noStrike">
+                        <a:rPr lang="en-US" sz="1200" b="0" i="0" u="none" strike="noStrike" dirty="0">
                           <a:solidFill>
                             <a:srgbClr val="000000"/>
                           </a:solidFill>
@@ -6348,7 +6348,10 @@
                       <a:noFill/>
                     </a:lnB>
                     <a:solidFill>
-                      <a:srgbClr val="CCC0DA"/>
+                      <a:schemeClr val="accent3">
+                        <a:lumMod val="20000"/>
+                        <a:lumOff val="80000"/>
+                      </a:schemeClr>
                     </a:solidFill>
                   </a:tcPr>
                 </a:tc>
@@ -6359,7 +6362,7 @@
                     <a:p>
                       <a:pPr algn="l" fontAlgn="b"/>
                       <a:r>
-                        <a:rPr lang="en-US" sz="1200" b="0" i="0" u="none" strike="noStrike">
+                        <a:rPr lang="en-US" sz="1200" b="0" i="0" u="none" strike="noStrike" dirty="0" err="1">
                           <a:solidFill>
                             <a:srgbClr val="000000"/>
                           </a:solidFill>
@@ -6368,6 +6371,13 @@
                         </a:rPr>
                         <a:t>tFinish</a:t>
                       </a:r>
+                      <a:endParaRPr lang="en-US" sz="1200" b="0" i="0" u="none" strike="noStrike" dirty="0">
+                        <a:solidFill>
+                          <a:srgbClr val="000000"/>
+                        </a:solidFill>
+                        <a:effectLst/>
+                        <a:latin typeface="Calibri"/>
+                      </a:endParaRPr>
                     </a:p>
                   </a:txBody>
                   <a:tcPr marL="8030" marR="8030" marT="8030" marB="0" anchor="b">
@@ -6384,7 +6394,10 @@
                       <a:noFill/>
                     </a:lnB>
                     <a:solidFill>
-                      <a:srgbClr val="CCC0DA"/>
+                      <a:schemeClr val="accent3">
+                        <a:lumMod val="20000"/>
+                        <a:lumOff val="80000"/>
+                      </a:schemeClr>
                     </a:solidFill>
                   </a:tcPr>
                 </a:tc>
@@ -6420,7 +6433,10 @@
                       <a:noFill/>
                     </a:lnB>
                     <a:solidFill>
-                      <a:srgbClr val="CCC0DA"/>
+                      <a:schemeClr val="accent3">
+                        <a:lumMod val="20000"/>
+                        <a:lumOff val="80000"/>
+                      </a:schemeClr>
                     </a:solidFill>
                   </a:tcPr>
                 </a:tc>
@@ -6620,7 +6636,10 @@
                       <a:noFill/>
                     </a:lnB>
                     <a:solidFill>
-                      <a:srgbClr val="CCC0DA"/>
+                      <a:schemeClr val="accent3">
+                        <a:lumMod val="20000"/>
+                        <a:lumOff val="80000"/>
+                      </a:schemeClr>
                     </a:solidFill>
                   </a:tcPr>
                 </a:tc>
@@ -6656,7 +6675,10 @@
                       <a:noFill/>
                     </a:lnB>
                     <a:solidFill>
-                      <a:srgbClr val="CCC0DA"/>
+                      <a:schemeClr val="accent3">
+                        <a:lumMod val="20000"/>
+                        <a:lumOff val="80000"/>
+                      </a:schemeClr>
                     </a:solidFill>
                   </a:tcPr>
                 </a:tc>
@@ -6667,7 +6689,7 @@
                     <a:p>
                       <a:pPr algn="l" fontAlgn="b"/>
                       <a:r>
-                        <a:rPr lang="en-US" sz="1200" b="0" i="0" u="none" strike="noStrike">
+                        <a:rPr lang="en-US" sz="1200" b="0" i="0" u="none" strike="noStrike" dirty="0">
                           <a:solidFill>
                             <a:srgbClr val="000000"/>
                           </a:solidFill>
@@ -6692,7 +6714,10 @@
                       <a:noFill/>
                     </a:lnB>
                     <a:solidFill>
-                      <a:srgbClr val="CCC0DA"/>
+                      <a:schemeClr val="accent3">
+                        <a:lumMod val="20000"/>
+                        <a:lumOff val="80000"/>
+                      </a:schemeClr>
                     </a:solidFill>
                   </a:tcPr>
                 </a:tc>
@@ -6892,7 +6917,10 @@
                       <a:noFill/>
                     </a:lnB>
                     <a:solidFill>
-                      <a:srgbClr val="CCC0DA"/>
+                      <a:schemeClr val="accent3">
+                        <a:lumMod val="20000"/>
+                        <a:lumOff val="80000"/>
+                      </a:schemeClr>
                     </a:solidFill>
                   </a:tcPr>
                 </a:tc>
@@ -6928,7 +6956,10 @@
                       <a:noFill/>
                     </a:lnB>
                     <a:solidFill>
-                      <a:srgbClr val="CCC0DA"/>
+                      <a:schemeClr val="accent3">
+                        <a:lumMod val="20000"/>
+                        <a:lumOff val="80000"/>
+                      </a:schemeClr>
                     </a:solidFill>
                   </a:tcPr>
                 </a:tc>
@@ -6939,7 +6970,7 @@
                     <a:p>
                       <a:pPr algn="l" fontAlgn="b"/>
                       <a:r>
-                        <a:rPr lang="en-US" sz="1200" b="0" i="0" u="none" strike="noStrike">
+                        <a:rPr lang="en-US" sz="1200" b="0" i="0" u="none" strike="noStrike" dirty="0">
                           <a:solidFill>
                             <a:srgbClr val="000000"/>
                           </a:solidFill>
@@ -6964,7 +6995,10 @@
                       <a:noFill/>
                     </a:lnB>
                     <a:solidFill>
-                      <a:srgbClr val="CCC0DA"/>
+                      <a:schemeClr val="accent3">
+                        <a:lumMod val="20000"/>
+                        <a:lumOff val="80000"/>
+                      </a:schemeClr>
                     </a:solidFill>
                   </a:tcPr>
                 </a:tc>
@@ -7164,7 +7198,10 @@
                       <a:noFill/>
                     </a:lnB>
                     <a:solidFill>
-                      <a:srgbClr val="CCC0DA"/>
+                      <a:schemeClr val="accent3">
+                        <a:lumMod val="20000"/>
+                        <a:lumOff val="80000"/>
+                      </a:schemeClr>
                     </a:solidFill>
                   </a:tcPr>
                 </a:tc>
@@ -7200,7 +7237,10 @@
                       <a:noFill/>
                     </a:lnB>
                     <a:solidFill>
-                      <a:srgbClr val="CCC0DA"/>
+                      <a:schemeClr val="accent3">
+                        <a:lumMod val="20000"/>
+                        <a:lumOff val="80000"/>
+                      </a:schemeClr>
                     </a:solidFill>
                   </a:tcPr>
                 </a:tc>
@@ -7211,7 +7251,7 @@
                     <a:p>
                       <a:pPr algn="l" fontAlgn="b"/>
                       <a:r>
-                        <a:rPr lang="en-US" sz="1200" b="0" i="0" u="none" strike="noStrike">
+                        <a:rPr lang="en-US" sz="1200" b="0" i="0" u="none" strike="noStrike" dirty="0">
                           <a:solidFill>
                             <a:srgbClr val="000000"/>
                           </a:solidFill>
@@ -7236,7 +7276,10 @@
                       <a:noFill/>
                     </a:lnB>
                     <a:solidFill>
-                      <a:srgbClr val="CCC0DA"/>
+                      <a:schemeClr val="accent3">
+                        <a:lumMod val="20000"/>
+                        <a:lumOff val="80000"/>
+                      </a:schemeClr>
                     </a:solidFill>
                   </a:tcPr>
                 </a:tc>
@@ -7345,7 +7388,7 @@
                     <a:p>
                       <a:pPr algn="l" fontAlgn="b"/>
                       <a:r>
-                        <a:rPr lang="en-US" sz="1200" b="0" i="0" u="none" strike="noStrike">
+                        <a:rPr lang="en-US" sz="1200" b="0" i="0" u="none" strike="noStrike" dirty="0">
                           <a:solidFill>
                             <a:srgbClr val="000000"/>
                           </a:solidFill>
@@ -7436,7 +7479,10 @@
                       <a:noFill/>
                     </a:lnB>
                     <a:solidFill>
-                      <a:srgbClr val="CCC0DA"/>
+                      <a:schemeClr val="accent3">
+                        <a:lumMod val="20000"/>
+                        <a:lumOff val="80000"/>
+                      </a:schemeClr>
                     </a:solidFill>
                   </a:tcPr>
                 </a:tc>
@@ -7472,7 +7518,10 @@
                       <a:noFill/>
                     </a:lnB>
                     <a:solidFill>
-                      <a:srgbClr val="CCC0DA"/>
+                      <a:schemeClr val="accent3">
+                        <a:lumMod val="20000"/>
+                        <a:lumOff val="80000"/>
+                      </a:schemeClr>
                     </a:solidFill>
                   </a:tcPr>
                 </a:tc>
@@ -7483,7 +7532,7 @@
                     <a:p>
                       <a:pPr algn="l" fontAlgn="b"/>
                       <a:r>
-                        <a:rPr lang="en-US" sz="1200" b="0" i="0" u="none" strike="noStrike">
+                        <a:rPr lang="en-US" sz="1200" b="0" i="0" u="none" strike="noStrike" dirty="0">
                           <a:solidFill>
                             <a:srgbClr val="000000"/>
                           </a:solidFill>
@@ -7508,7 +7557,10 @@
                       <a:noFill/>
                     </a:lnB>
                     <a:solidFill>
-                      <a:srgbClr val="CCC0DA"/>
+                      <a:schemeClr val="accent3">
+                        <a:lumMod val="20000"/>
+                        <a:lumOff val="80000"/>
+                      </a:schemeClr>
                     </a:solidFill>
                   </a:tcPr>
                 </a:tc>
@@ -7708,7 +7760,10 @@
                       <a:noFill/>
                     </a:lnB>
                     <a:solidFill>
-                      <a:srgbClr val="CCC0DA"/>
+                      <a:schemeClr val="accent3">
+                        <a:lumMod val="20000"/>
+                        <a:lumOff val="80000"/>
+                      </a:schemeClr>
                     </a:solidFill>
                   </a:tcPr>
                 </a:tc>
@@ -7744,7 +7799,10 @@
                       <a:noFill/>
                     </a:lnB>
                     <a:solidFill>
-                      <a:srgbClr val="CCC0DA"/>
+                      <a:schemeClr val="accent3">
+                        <a:lumMod val="20000"/>
+                        <a:lumOff val="80000"/>
+                      </a:schemeClr>
                     </a:solidFill>
                   </a:tcPr>
                 </a:tc>
@@ -7755,7 +7813,7 @@
                     <a:p>
                       <a:pPr algn="l" fontAlgn="b"/>
                       <a:r>
-                        <a:rPr lang="en-US" sz="1200" b="0" i="0" u="none" strike="noStrike">
+                        <a:rPr lang="en-US" sz="1200" b="0" i="0" u="none" strike="noStrike" dirty="0">
                           <a:solidFill>
                             <a:srgbClr val="000000"/>
                           </a:solidFill>
@@ -7780,7 +7838,10 @@
                       <a:noFill/>
                     </a:lnB>
                     <a:solidFill>
-                      <a:srgbClr val="CCC0DA"/>
+                      <a:schemeClr val="accent3">
+                        <a:lumMod val="20000"/>
+                        <a:lumOff val="80000"/>
+                      </a:schemeClr>
                     </a:solidFill>
                   </a:tcPr>
                 </a:tc>
@@ -7820,7 +7881,7 @@
                     <a:lstStyle/>
                     <a:p>
                       <a:pPr algn="l" fontAlgn="b"/>
-                      <a:endParaRPr lang="en-US" sz="1200" b="0" i="0" u="none" strike="noStrike">
+                      <a:endParaRPr lang="en-US" sz="1200" b="0" i="0" u="none" strike="noStrike" dirty="0">
                         <a:solidFill>
                           <a:srgbClr val="000000"/>
                         </a:solidFill>
@@ -11829,6 +11890,37 @@
           <a:bodyPr/>
           <a:lstStyle/>
           <a:p>
+            <a:r>
+              <a:rPr lang="en-US" dirty="0" smtClean="0"/>
+              <a:t>The “Red board”</a:t>
+            </a:r>
+            <a:endParaRPr lang="en-US" dirty="0"/>
+          </a:p>
+          <a:p>
+            <a:r>
+              <a:rPr lang="en-US" dirty="0"/>
+              <a:t>open /Users/</a:t>
+            </a:r>
+            <a:r>
+              <a:rPr lang="en-US" dirty="0" err="1"/>
+              <a:t>swanson</a:t>
+            </a:r>
+            <a:r>
+              <a:rPr lang="en-US" dirty="0"/>
+              <a:t>/UCSD/Teaching/17sp-190/</a:t>
+            </a:r>
+            <a:r>
+              <a:rPr lang="en-US" dirty="0" err="1"/>
+              <a:t>QuadClass</a:t>
+            </a:r>
+            <a:r>
+              <a:rPr lang="en-US" dirty="0"/>
+              <a:t>-Resources/Lecture\ Slides/Examples/ATmega128RFA1-DevBoard/ATmega128RFA1-</a:t>
+            </a:r>
+            <a:r>
+              <a:rPr lang="en-US" dirty="0" smtClean="0"/>
+              <a:t>DevBoard.brd</a:t>
+            </a:r>
             <a:endParaRPr lang="en-US" dirty="0"/>
           </a:p>
         </p:txBody>
@@ -12280,8 +12372,17 @@
           <a:p>
             <a:r>
               <a:rPr lang="en-US" dirty="0" smtClean="0"/>
-              <a:t>Two connections </a:t>
-            </a:r>
+              <a:t>Two </a:t>
+            </a:r>
+            <a:r>
+              <a:rPr lang="en-US" dirty="0" smtClean="0"/>
+              <a:t>‘pins’</a:t>
+            </a:r>
+            <a:r>
+              <a:rPr lang="en-US" dirty="0" smtClean="0"/>
+              <a:t> </a:t>
+            </a:r>
+            <a:endParaRPr lang="en-US" dirty="0" smtClean="0"/>
           </a:p>
           <a:p>
             <a:pPr lvl="1"/>
@@ -12450,7 +12551,15 @@
           <a:p>
             <a:r>
               <a:rPr lang="en-US" dirty="0" smtClean="0"/>
-              <a:t>Two pads (through holes)</a:t>
+              <a:t>Two </a:t>
+            </a:r>
+            <a:r>
+              <a:rPr lang="en-US" dirty="0" smtClean="0"/>
+              <a:t>“pads” </a:t>
+            </a:r>
+            <a:r>
+              <a:rPr lang="en-US" dirty="0" smtClean="0"/>
+              <a:t>(through holes)</a:t>
             </a:r>
           </a:p>
           <a:p>
@@ -12811,28 +12920,45 @@
           <a:p>
             <a:r>
               <a:rPr lang="en-US" dirty="0" smtClean="0"/>
-              <a:t>Packages have layers too, but not all of them</a:t>
+              <a:t>Packages have </a:t>
+            </a:r>
+            <a:r>
+              <a:rPr lang="en-US" dirty="0" smtClean="0"/>
+              <a:t>the same layers as boards.</a:t>
             </a:r>
             <a:endParaRPr lang="en-US" dirty="0"/>
           </a:p>
           <a:p>
-            <a:pPr lvl="1"/>
-            <a:r>
-              <a:rPr lang="en-US" dirty="0" smtClean="0"/>
-              <a:t>E.g. no inner metal layers</a:t>
-            </a:r>
-          </a:p>
-          <a:p>
-            <a:r>
-              <a:rPr lang="en-US" dirty="0" smtClean="0"/>
-              <a:t>For packages “t” means device side, “b” means opposite side.</a:t>
+            <a:r>
+              <a:rPr lang="en-US" dirty="0" smtClean="0"/>
+              <a:t>For </a:t>
+            </a:r>
+            <a:r>
+              <a:rPr lang="en-US" dirty="0" smtClean="0"/>
+              <a:t>packages “t” means device side, “b” means opposite side.</a:t>
             </a:r>
             <a:endParaRPr lang="en-US" dirty="0"/>
           </a:p>
           <a:p>
             <a:r>
               <a:rPr lang="en-US" dirty="0" smtClean="0"/>
-              <a:t>If you put the devices on the back side of the board, “t” and “b” will swap.</a:t>
+              <a:t>If you put the devices on the back side of the </a:t>
+            </a:r>
+            <a:r>
+              <a:rPr lang="en-US" dirty="0" smtClean="0"/>
+              <a:t>board (i.e</a:t>
+            </a:r>
+            <a:r>
+              <a:rPr lang="en-US" dirty="0" smtClean="0"/>
+              <a:t>., “mirror” them)</a:t>
+            </a:r>
+            <a:r>
+              <a:rPr lang="en-US" dirty="0" smtClean="0"/>
+              <a:t>, </a:t>
+            </a:r>
+            <a:r>
+              <a:rPr lang="en-US" dirty="0" smtClean="0"/>
+              <a:t>“t” and “b” will swap.</a:t>
             </a:r>
             <a:endParaRPr lang="en-US" dirty="0"/>
           </a:p>
@@ -13041,13 +13167,11 @@
           <a:p>
             <a:r>
               <a:rPr lang="en-US" dirty="0" smtClean="0"/>
-              <a:t>Make it pretty – you want a nice looking board </a:t>
-            </a:r>
-            <a:r>
-              <a:rPr lang="en-US" dirty="0" smtClean="0">
-                <a:sym typeface="Wingdings"/>
-              </a:rPr>
-              <a:t></a:t>
+              <a:t>Make it pretty – you want a nice looking </a:t>
+            </a:r>
+            <a:r>
+              <a:rPr lang="en-US" dirty="0" smtClean="0"/>
+              <a:t>board</a:t>
             </a:r>
             <a:endParaRPr lang="en-US" dirty="0">
               <a:sym typeface="Wingdings"/>
@@ -13258,6 +13382,30 @@
           <a:bodyPr/>
           <a:lstStyle/>
           <a:p>
+            <a:r>
+              <a:rPr lang="en-US" dirty="0"/>
+              <a:t>open /Users/</a:t>
+            </a:r>
+            <a:r>
+              <a:rPr lang="en-US" dirty="0" err="1"/>
+              <a:t>swanson</a:t>
+            </a:r>
+            <a:r>
+              <a:rPr lang="en-US" dirty="0"/>
+              <a:t>/UCSD/Teaching/17sp-190/</a:t>
+            </a:r>
+            <a:r>
+              <a:rPr lang="en-US" dirty="0" err="1"/>
+              <a:t>QuadClass</a:t>
+            </a:r>
+            <a:r>
+              <a:rPr lang="en-US" dirty="0"/>
+              <a:t>-Resources/Lecture\ Slides/Examples/</a:t>
+            </a:r>
+            <a:r>
+              <a:rPr lang="en-US"/>
+              <a:t>Myduino.sch</a:t>
+            </a:r>
             <a:endParaRPr lang="en-US"/>
           </a:p>
         </p:txBody>

--- a/Lecture Slides/Lab01-Eagle-Intro.pptx
+++ b/Lecture Slides/Lab01-Eagle-Intro.pptx
@@ -44,8 +44,8 @@
     <p:sldId id="273" r:id="rId35"/>
     <p:sldId id="274" r:id="rId36"/>
     <p:sldId id="275" r:id="rId37"/>
-    <p:sldId id="276" r:id="rId38"/>
-    <p:sldId id="277" r:id="rId39"/>
+    <p:sldId id="277" r:id="rId38"/>
+    <p:sldId id="276" r:id="rId39"/>
     <p:sldId id="281" r:id="rId40"/>
     <p:sldId id="289" r:id="rId41"/>
     <p:sldId id="290" r:id="rId42"/>
@@ -14411,7 +14411,7 @@
           <a:p>
             <a:r>
               <a:rPr lang="en-US" dirty="0" smtClean="0"/>
-              <a:t>Auto Routing Demo</a:t>
+              <a:t>Follow Me Router Demo</a:t>
             </a:r>
             <a:endParaRPr lang="en-US" dirty="0"/>
           </a:p>
@@ -14432,14 +14432,14 @@
           <a:bodyPr/>
           <a:lstStyle/>
           <a:p>
-            <a:endParaRPr lang="en-US"/>
+            <a:endParaRPr lang="en-US" dirty="0"/>
           </a:p>
         </p:txBody>
       </p:sp>
     </p:spTree>
     <p:extLst>
       <p:ext uri="{BB962C8B-B14F-4D97-AF65-F5344CB8AC3E}">
-        <p14:creationId xmlns:p14="http://schemas.microsoft.com/office/powerpoint/2010/main" val="561162856"/>
+        <p14:creationId xmlns:p14="http://schemas.microsoft.com/office/powerpoint/2010/main" val="4292009301"/>
       </p:ext>
     </p:extLst>
   </p:cSld>
@@ -14483,7 +14483,7 @@
           <a:p>
             <a:r>
               <a:rPr lang="en-US" dirty="0" smtClean="0"/>
-              <a:t>Follow Me Router Demo</a:t>
+              <a:t>Auto Routing Demo</a:t>
             </a:r>
             <a:endParaRPr lang="en-US" dirty="0"/>
           </a:p>
@@ -14504,14 +14504,14 @@
           <a:bodyPr/>
           <a:lstStyle/>
           <a:p>
-            <a:endParaRPr lang="en-US" dirty="0"/>
+            <a:endParaRPr lang="en-US"/>
           </a:p>
         </p:txBody>
       </p:sp>
     </p:spTree>
     <p:extLst>
       <p:ext uri="{BB962C8B-B14F-4D97-AF65-F5344CB8AC3E}">
-        <p14:creationId xmlns:p14="http://schemas.microsoft.com/office/powerpoint/2010/main" val="4292009301"/>
+        <p14:creationId xmlns:p14="http://schemas.microsoft.com/office/powerpoint/2010/main" val="561162856"/>
       </p:ext>
     </p:extLst>
   </p:cSld>

--- a/Lecture Slides/Lab01-Eagle-Intro.pptx
+++ b/Lecture Slides/Lab01-Eagle-Intro.pptx
@@ -5,7 +5,7 @@
     <p:sldMasterId id="2147483648" r:id="rId1"/>
   </p:sldMasterIdLst>
   <p:notesMasterIdLst>
-    <p:notesMasterId r:id="rId52"/>
+    <p:notesMasterId r:id="rId55"/>
   </p:notesMasterIdLst>
   <p:sldIdLst>
     <p:sldId id="292" r:id="rId2"/>
@@ -58,6 +58,9 @@
     <p:sldId id="266" r:id="rId49"/>
     <p:sldId id="267" r:id="rId50"/>
     <p:sldId id="305" r:id="rId51"/>
+    <p:sldId id="311" r:id="rId52"/>
+    <p:sldId id="313" r:id="rId53"/>
+    <p:sldId id="312" r:id="rId54"/>
   </p:sldIdLst>
   <p:sldSz cx="9144000" cy="6858000" type="screen4x3"/>
   <p:notesSz cx="6858000" cy="9144000"/>
@@ -156,6 +159,22 @@
       </a:defRPr>
     </a:lvl9pPr>
   </p:defaultTextStyle>
+  <p:extLst>
+    <p:ext uri="{EFAFB233-063F-42B5-8137-9DF3F51BA10A}">
+      <p15:sldGuideLst xmlns:p15="http://schemas.microsoft.com/office/powerpoint/2012/main">
+        <p15:guide id="1" orient="horz" pos="2160">
+          <p15:clr>
+            <a:srgbClr val="A4A3A4"/>
+          </p15:clr>
+        </p15:guide>
+        <p15:guide id="2" pos="2880">
+          <p15:clr>
+            <a:srgbClr val="A4A3A4"/>
+          </p15:clr>
+        </p15:guide>
+      </p15:sldGuideLst>
+    </p:ext>
+  </p:extLst>
 </p:presentation>
 </file>
 
@@ -241,7 +260,7 @@
           <a:p>
             <a:fld id="{BC745CAF-6697-EB43-8D33-148B2A11868D}" type="datetimeFigureOut">
               <a:rPr lang="en-US" smtClean="0"/>
-              <a:t>4/2/17</a:t>
+              <a:t>4/3/18</a:t>
             </a:fld>
             <a:endParaRPr lang="en-US"/>
           </a:p>
@@ -305,35 +324,35 @@
           <a:p>
             <a:pPr lvl="0"/>
             <a:r>
-              <a:rPr lang="x-none" smtClean="0"/>
+              <a:rPr lang="x-none"/>
               <a:t>Click to edit Master text styles</a:t>
             </a:r>
           </a:p>
           <a:p>
             <a:pPr lvl="1"/>
             <a:r>
-              <a:rPr lang="x-none" smtClean="0"/>
+              <a:rPr lang="x-none"/>
               <a:t>Second level</a:t>
             </a:r>
           </a:p>
           <a:p>
             <a:pPr lvl="2"/>
             <a:r>
-              <a:rPr lang="x-none" smtClean="0"/>
+              <a:rPr lang="x-none"/>
               <a:t>Third level</a:t>
             </a:r>
           </a:p>
           <a:p>
             <a:pPr lvl="3"/>
             <a:r>
-              <a:rPr lang="x-none" smtClean="0"/>
+              <a:rPr lang="x-none"/>
               <a:t>Fourth level</a:t>
             </a:r>
           </a:p>
           <a:p>
             <a:pPr lvl="4"/>
             <a:r>
-              <a:rPr lang="x-none" smtClean="0"/>
+              <a:rPr lang="x-none"/>
               <a:t>Fifth level</a:t>
             </a:r>
             <a:endParaRPr lang="en-US"/>
@@ -631,7 +650,7 @@
           <a:lstStyle/>
           <a:p>
             <a:r>
-              <a:rPr lang="x-none" smtClean="0"/>
+              <a:rPr lang="x-none"/>
               <a:t>Click to edit Master title style</a:t>
             </a:r>
             <a:endParaRPr lang="en-US"/>
@@ -750,7 +769,7 @@
           </a:lstStyle>
           <a:p>
             <a:r>
-              <a:rPr lang="x-none" smtClean="0"/>
+              <a:rPr lang="x-none"/>
               <a:t>Click to edit Master subtitle style</a:t>
             </a:r>
             <a:endParaRPr lang="en-US"/>
@@ -774,7 +793,7 @@
           <a:p>
             <a:fld id="{0675A308-8787-9B42-956E-CA40C2F0F6AE}" type="datetimeFigureOut">
               <a:rPr lang="en-US" smtClean="0"/>
-              <a:t>4/2/17</a:t>
+              <a:t>4/3/18</a:t>
             </a:fld>
             <a:endParaRPr lang="en-US"/>
           </a:p>
@@ -868,7 +887,7 @@
           <a:lstStyle/>
           <a:p>
             <a:r>
-              <a:rPr lang="x-none" smtClean="0"/>
+              <a:rPr lang="x-none"/>
               <a:t>Click to edit Master title style</a:t>
             </a:r>
             <a:endParaRPr lang="en-US"/>
@@ -892,35 +911,35 @@
           <a:p>
             <a:pPr lvl="0"/>
             <a:r>
-              <a:rPr lang="x-none" smtClean="0"/>
+              <a:rPr lang="x-none"/>
               <a:t>Click to edit Master text styles</a:t>
             </a:r>
           </a:p>
           <a:p>
             <a:pPr lvl="1"/>
             <a:r>
-              <a:rPr lang="x-none" smtClean="0"/>
+              <a:rPr lang="x-none"/>
               <a:t>Second level</a:t>
             </a:r>
           </a:p>
           <a:p>
             <a:pPr lvl="2"/>
             <a:r>
-              <a:rPr lang="x-none" smtClean="0"/>
+              <a:rPr lang="x-none"/>
               <a:t>Third level</a:t>
             </a:r>
           </a:p>
           <a:p>
             <a:pPr lvl="3"/>
             <a:r>
-              <a:rPr lang="x-none" smtClean="0"/>
+              <a:rPr lang="x-none"/>
               <a:t>Fourth level</a:t>
             </a:r>
           </a:p>
           <a:p>
             <a:pPr lvl="4"/>
             <a:r>
-              <a:rPr lang="x-none" smtClean="0"/>
+              <a:rPr lang="x-none"/>
               <a:t>Fifth level</a:t>
             </a:r>
             <a:endParaRPr lang="en-US"/>
@@ -944,7 +963,7 @@
           <a:p>
             <a:fld id="{0675A308-8787-9B42-956E-CA40C2F0F6AE}" type="datetimeFigureOut">
               <a:rPr lang="en-US" smtClean="0"/>
-              <a:t>4/2/17</a:t>
+              <a:t>4/3/18</a:t>
             </a:fld>
             <a:endParaRPr lang="en-US"/>
           </a:p>
@@ -1043,7 +1062,7 @@
           <a:lstStyle/>
           <a:p>
             <a:r>
-              <a:rPr lang="x-none" smtClean="0"/>
+              <a:rPr lang="x-none"/>
               <a:t>Click to edit Master title style</a:t>
             </a:r>
             <a:endParaRPr lang="en-US"/>
@@ -1072,35 +1091,35 @@
           <a:p>
             <a:pPr lvl="0"/>
             <a:r>
-              <a:rPr lang="x-none" smtClean="0"/>
+              <a:rPr lang="x-none"/>
               <a:t>Click to edit Master text styles</a:t>
             </a:r>
           </a:p>
           <a:p>
             <a:pPr lvl="1"/>
             <a:r>
-              <a:rPr lang="x-none" smtClean="0"/>
+              <a:rPr lang="x-none"/>
               <a:t>Second level</a:t>
             </a:r>
           </a:p>
           <a:p>
             <a:pPr lvl="2"/>
             <a:r>
-              <a:rPr lang="x-none" smtClean="0"/>
+              <a:rPr lang="x-none"/>
               <a:t>Third level</a:t>
             </a:r>
           </a:p>
           <a:p>
             <a:pPr lvl="3"/>
             <a:r>
-              <a:rPr lang="x-none" smtClean="0"/>
+              <a:rPr lang="x-none"/>
               <a:t>Fourth level</a:t>
             </a:r>
           </a:p>
           <a:p>
             <a:pPr lvl="4"/>
             <a:r>
-              <a:rPr lang="x-none" smtClean="0"/>
+              <a:rPr lang="x-none"/>
               <a:t>Fifth level</a:t>
             </a:r>
             <a:endParaRPr lang="en-US"/>
@@ -1124,7 +1143,7 @@
           <a:p>
             <a:fld id="{0675A308-8787-9B42-956E-CA40C2F0F6AE}" type="datetimeFigureOut">
               <a:rPr lang="en-US" smtClean="0"/>
-              <a:t>4/2/17</a:t>
+              <a:t>4/3/18</a:t>
             </a:fld>
             <a:endParaRPr lang="en-US"/>
           </a:p>
@@ -1218,7 +1237,7 @@
           <a:lstStyle/>
           <a:p>
             <a:r>
-              <a:rPr lang="x-none" smtClean="0"/>
+              <a:rPr lang="x-none"/>
               <a:t>Click to edit Master title style</a:t>
             </a:r>
             <a:endParaRPr lang="en-US"/>
@@ -1242,35 +1261,35 @@
           <a:p>
             <a:pPr lvl="0"/>
             <a:r>
-              <a:rPr lang="x-none" smtClean="0"/>
+              <a:rPr lang="x-none"/>
               <a:t>Click to edit Master text styles</a:t>
             </a:r>
           </a:p>
           <a:p>
             <a:pPr lvl="1"/>
             <a:r>
-              <a:rPr lang="x-none" smtClean="0"/>
+              <a:rPr lang="x-none"/>
               <a:t>Second level</a:t>
             </a:r>
           </a:p>
           <a:p>
             <a:pPr lvl="2"/>
             <a:r>
-              <a:rPr lang="x-none" smtClean="0"/>
+              <a:rPr lang="x-none"/>
               <a:t>Third level</a:t>
             </a:r>
           </a:p>
           <a:p>
             <a:pPr lvl="3"/>
             <a:r>
-              <a:rPr lang="x-none" smtClean="0"/>
+              <a:rPr lang="x-none"/>
               <a:t>Fourth level</a:t>
             </a:r>
           </a:p>
           <a:p>
             <a:pPr lvl="4"/>
             <a:r>
-              <a:rPr lang="x-none" smtClean="0"/>
+              <a:rPr lang="x-none"/>
               <a:t>Fifth level</a:t>
             </a:r>
             <a:endParaRPr lang="en-US"/>
@@ -1294,7 +1313,7 @@
           <a:p>
             <a:fld id="{0675A308-8787-9B42-956E-CA40C2F0F6AE}" type="datetimeFigureOut">
               <a:rPr lang="en-US" smtClean="0"/>
-              <a:t>4/2/17</a:t>
+              <a:t>4/3/18</a:t>
             </a:fld>
             <a:endParaRPr lang="en-US"/>
           </a:p>
@@ -1397,7 +1416,7 @@
           </a:lstStyle>
           <a:p>
             <a:r>
-              <a:rPr lang="x-none" smtClean="0"/>
+              <a:rPr lang="x-none"/>
               <a:t>Click to edit Master title style</a:t>
             </a:r>
             <a:endParaRPr lang="en-US"/>
@@ -1517,7 +1536,7 @@
           <a:p>
             <a:pPr lvl="0"/>
             <a:r>
-              <a:rPr lang="x-none" smtClean="0"/>
+              <a:rPr lang="x-none"/>
               <a:t>Click to edit Master text styles</a:t>
             </a:r>
           </a:p>
@@ -1540,7 +1559,7 @@
           <a:p>
             <a:fld id="{0675A308-8787-9B42-956E-CA40C2F0F6AE}" type="datetimeFigureOut">
               <a:rPr lang="en-US" smtClean="0"/>
-              <a:t>4/2/17</a:t>
+              <a:t>4/3/18</a:t>
             </a:fld>
             <a:endParaRPr lang="en-US"/>
           </a:p>
@@ -1634,7 +1653,7 @@
           <a:lstStyle/>
           <a:p>
             <a:r>
-              <a:rPr lang="x-none" smtClean="0"/>
+              <a:rPr lang="x-none"/>
               <a:t>Click to edit Master title style</a:t>
             </a:r>
             <a:endParaRPr lang="en-US"/>
@@ -1691,35 +1710,35 @@
           <a:p>
             <a:pPr lvl="0"/>
             <a:r>
-              <a:rPr lang="x-none" smtClean="0"/>
+              <a:rPr lang="x-none"/>
               <a:t>Click to edit Master text styles</a:t>
             </a:r>
           </a:p>
           <a:p>
             <a:pPr lvl="1"/>
             <a:r>
-              <a:rPr lang="x-none" smtClean="0"/>
+              <a:rPr lang="x-none"/>
               <a:t>Second level</a:t>
             </a:r>
           </a:p>
           <a:p>
             <a:pPr lvl="2"/>
             <a:r>
-              <a:rPr lang="x-none" smtClean="0"/>
+              <a:rPr lang="x-none"/>
               <a:t>Third level</a:t>
             </a:r>
           </a:p>
           <a:p>
             <a:pPr lvl="3"/>
             <a:r>
-              <a:rPr lang="x-none" smtClean="0"/>
+              <a:rPr lang="x-none"/>
               <a:t>Fourth level</a:t>
             </a:r>
           </a:p>
           <a:p>
             <a:pPr lvl="4"/>
             <a:r>
-              <a:rPr lang="x-none" smtClean="0"/>
+              <a:rPr lang="x-none"/>
               <a:t>Fifth level</a:t>
             </a:r>
             <a:endParaRPr lang="en-US"/>
@@ -1776,35 +1795,35 @@
           <a:p>
             <a:pPr lvl="0"/>
             <a:r>
-              <a:rPr lang="x-none" smtClean="0"/>
+              <a:rPr lang="x-none"/>
               <a:t>Click to edit Master text styles</a:t>
             </a:r>
           </a:p>
           <a:p>
             <a:pPr lvl="1"/>
             <a:r>
-              <a:rPr lang="x-none" smtClean="0"/>
+              <a:rPr lang="x-none"/>
               <a:t>Second level</a:t>
             </a:r>
           </a:p>
           <a:p>
             <a:pPr lvl="2"/>
             <a:r>
-              <a:rPr lang="x-none" smtClean="0"/>
+              <a:rPr lang="x-none"/>
               <a:t>Third level</a:t>
             </a:r>
           </a:p>
           <a:p>
             <a:pPr lvl="3"/>
             <a:r>
-              <a:rPr lang="x-none" smtClean="0"/>
+              <a:rPr lang="x-none"/>
               <a:t>Fourth level</a:t>
             </a:r>
           </a:p>
           <a:p>
             <a:pPr lvl="4"/>
             <a:r>
-              <a:rPr lang="x-none" smtClean="0"/>
+              <a:rPr lang="x-none"/>
               <a:t>Fifth level</a:t>
             </a:r>
             <a:endParaRPr lang="en-US"/>
@@ -1828,7 +1847,7 @@
           <a:p>
             <a:fld id="{0675A308-8787-9B42-956E-CA40C2F0F6AE}" type="datetimeFigureOut">
               <a:rPr lang="en-US" smtClean="0"/>
-              <a:t>4/2/17</a:t>
+              <a:t>4/3/18</a:t>
             </a:fld>
             <a:endParaRPr lang="en-US"/>
           </a:p>
@@ -1926,7 +1945,7 @@
           </a:lstStyle>
           <a:p>
             <a:r>
-              <a:rPr lang="x-none" smtClean="0"/>
+              <a:rPr lang="x-none"/>
               <a:t>Click to edit Master title style</a:t>
             </a:r>
             <a:endParaRPr lang="en-US"/>
@@ -1992,7 +2011,7 @@
           <a:p>
             <a:pPr lvl="0"/>
             <a:r>
-              <a:rPr lang="x-none" smtClean="0"/>
+              <a:rPr lang="x-none"/>
               <a:t>Click to edit Master text styles</a:t>
             </a:r>
           </a:p>
@@ -2048,35 +2067,35 @@
           <a:p>
             <a:pPr lvl="0"/>
             <a:r>
-              <a:rPr lang="x-none" smtClean="0"/>
+              <a:rPr lang="x-none"/>
               <a:t>Click to edit Master text styles</a:t>
             </a:r>
           </a:p>
           <a:p>
             <a:pPr lvl="1"/>
             <a:r>
-              <a:rPr lang="x-none" smtClean="0"/>
+              <a:rPr lang="x-none"/>
               <a:t>Second level</a:t>
             </a:r>
           </a:p>
           <a:p>
             <a:pPr lvl="2"/>
             <a:r>
-              <a:rPr lang="x-none" smtClean="0"/>
+              <a:rPr lang="x-none"/>
               <a:t>Third level</a:t>
             </a:r>
           </a:p>
           <a:p>
             <a:pPr lvl="3"/>
             <a:r>
-              <a:rPr lang="x-none" smtClean="0"/>
+              <a:rPr lang="x-none"/>
               <a:t>Fourth level</a:t>
             </a:r>
           </a:p>
           <a:p>
             <a:pPr lvl="4"/>
             <a:r>
-              <a:rPr lang="x-none" smtClean="0"/>
+              <a:rPr lang="x-none"/>
               <a:t>Fifth level</a:t>
             </a:r>
             <a:endParaRPr lang="en-US"/>
@@ -2142,7 +2161,7 @@
           <a:p>
             <a:pPr lvl="0"/>
             <a:r>
-              <a:rPr lang="x-none" smtClean="0"/>
+              <a:rPr lang="x-none"/>
               <a:t>Click to edit Master text styles</a:t>
             </a:r>
           </a:p>
@@ -2198,35 +2217,35 @@
           <a:p>
             <a:pPr lvl="0"/>
             <a:r>
-              <a:rPr lang="x-none" smtClean="0"/>
+              <a:rPr lang="x-none"/>
               <a:t>Click to edit Master text styles</a:t>
             </a:r>
           </a:p>
           <a:p>
             <a:pPr lvl="1"/>
             <a:r>
-              <a:rPr lang="x-none" smtClean="0"/>
+              <a:rPr lang="x-none"/>
               <a:t>Second level</a:t>
             </a:r>
           </a:p>
           <a:p>
             <a:pPr lvl="2"/>
             <a:r>
-              <a:rPr lang="x-none" smtClean="0"/>
+              <a:rPr lang="x-none"/>
               <a:t>Third level</a:t>
             </a:r>
           </a:p>
           <a:p>
             <a:pPr lvl="3"/>
             <a:r>
-              <a:rPr lang="x-none" smtClean="0"/>
+              <a:rPr lang="x-none"/>
               <a:t>Fourth level</a:t>
             </a:r>
           </a:p>
           <a:p>
             <a:pPr lvl="4"/>
             <a:r>
-              <a:rPr lang="x-none" smtClean="0"/>
+              <a:rPr lang="x-none"/>
               <a:t>Fifth level</a:t>
             </a:r>
             <a:endParaRPr lang="en-US"/>
@@ -2250,7 +2269,7 @@
           <a:p>
             <a:fld id="{0675A308-8787-9B42-956E-CA40C2F0F6AE}" type="datetimeFigureOut">
               <a:rPr lang="en-US" smtClean="0"/>
-              <a:t>4/2/17</a:t>
+              <a:t>4/3/18</a:t>
             </a:fld>
             <a:endParaRPr lang="en-US"/>
           </a:p>
@@ -2344,7 +2363,7 @@
           <a:lstStyle/>
           <a:p>
             <a:r>
-              <a:rPr lang="x-none" smtClean="0"/>
+              <a:rPr lang="x-none"/>
               <a:t>Click to edit Master title style</a:t>
             </a:r>
             <a:endParaRPr lang="en-US"/>
@@ -2368,7 +2387,7 @@
           <a:p>
             <a:fld id="{0675A308-8787-9B42-956E-CA40C2F0F6AE}" type="datetimeFigureOut">
               <a:rPr lang="en-US" smtClean="0"/>
-              <a:t>4/2/17</a:t>
+              <a:t>4/3/18</a:t>
             </a:fld>
             <a:endParaRPr lang="en-US"/>
           </a:p>
@@ -2463,7 +2482,7 @@
           <a:p>
             <a:fld id="{0675A308-8787-9B42-956E-CA40C2F0F6AE}" type="datetimeFigureOut">
               <a:rPr lang="en-US" smtClean="0"/>
-              <a:t>4/2/17</a:t>
+              <a:t>4/3/18</a:t>
             </a:fld>
             <a:endParaRPr lang="en-US"/>
           </a:p>
@@ -2566,7 +2585,7 @@
           </a:lstStyle>
           <a:p>
             <a:r>
-              <a:rPr lang="x-none" smtClean="0"/>
+              <a:rPr lang="x-none"/>
               <a:t>Click to edit Master title style</a:t>
             </a:r>
             <a:endParaRPr lang="en-US"/>
@@ -2623,35 +2642,35 @@
           <a:p>
             <a:pPr lvl="0"/>
             <a:r>
-              <a:rPr lang="x-none" smtClean="0"/>
+              <a:rPr lang="x-none"/>
               <a:t>Click to edit Master text styles</a:t>
             </a:r>
           </a:p>
           <a:p>
             <a:pPr lvl="1"/>
             <a:r>
-              <a:rPr lang="x-none" smtClean="0"/>
+              <a:rPr lang="x-none"/>
               <a:t>Second level</a:t>
             </a:r>
           </a:p>
           <a:p>
             <a:pPr lvl="2"/>
             <a:r>
-              <a:rPr lang="x-none" smtClean="0"/>
+              <a:rPr lang="x-none"/>
               <a:t>Third level</a:t>
             </a:r>
           </a:p>
           <a:p>
             <a:pPr lvl="3"/>
             <a:r>
-              <a:rPr lang="x-none" smtClean="0"/>
+              <a:rPr lang="x-none"/>
               <a:t>Fourth level</a:t>
             </a:r>
           </a:p>
           <a:p>
             <a:pPr lvl="4"/>
             <a:r>
-              <a:rPr lang="x-none" smtClean="0"/>
+              <a:rPr lang="x-none"/>
               <a:t>Fifth level</a:t>
             </a:r>
             <a:endParaRPr lang="en-US"/>
@@ -2717,7 +2736,7 @@
           <a:p>
             <a:pPr lvl="0"/>
             <a:r>
-              <a:rPr lang="x-none" smtClean="0"/>
+              <a:rPr lang="x-none"/>
               <a:t>Click to edit Master text styles</a:t>
             </a:r>
           </a:p>
@@ -2740,7 +2759,7 @@
           <a:p>
             <a:fld id="{0675A308-8787-9B42-956E-CA40C2F0F6AE}" type="datetimeFigureOut">
               <a:rPr lang="en-US" smtClean="0"/>
-              <a:t>4/2/17</a:t>
+              <a:t>4/3/18</a:t>
             </a:fld>
             <a:endParaRPr lang="en-US"/>
           </a:p>
@@ -2843,7 +2862,7 @@
           </a:lstStyle>
           <a:p>
             <a:r>
-              <a:rPr lang="x-none" smtClean="0"/>
+              <a:rPr lang="x-none"/>
               <a:t>Click to edit Master title style</a:t>
             </a:r>
             <a:endParaRPr lang="en-US"/>
@@ -2970,7 +2989,7 @@
           <a:p>
             <a:pPr lvl="0"/>
             <a:r>
-              <a:rPr lang="x-none" smtClean="0"/>
+              <a:rPr lang="x-none"/>
               <a:t>Click to edit Master text styles</a:t>
             </a:r>
           </a:p>
@@ -2993,7 +3012,7 @@
           <a:p>
             <a:fld id="{0675A308-8787-9B42-956E-CA40C2F0F6AE}" type="datetimeFigureOut">
               <a:rPr lang="en-US" smtClean="0"/>
-              <a:t>4/2/17</a:t>
+              <a:t>4/3/18</a:t>
             </a:fld>
             <a:endParaRPr lang="en-US"/>
           </a:p>
@@ -3102,7 +3121,7 @@
           <a:lstStyle/>
           <a:p>
             <a:r>
-              <a:rPr lang="x-none" smtClean="0"/>
+              <a:rPr lang="x-none"/>
               <a:t>Click to edit Master title style</a:t>
             </a:r>
             <a:endParaRPr lang="en-US"/>
@@ -3136,35 +3155,35 @@
           <a:p>
             <a:pPr lvl="0"/>
             <a:r>
-              <a:rPr lang="x-none" smtClean="0"/>
+              <a:rPr lang="x-none"/>
               <a:t>Click to edit Master text styles</a:t>
             </a:r>
           </a:p>
           <a:p>
             <a:pPr lvl="1"/>
             <a:r>
-              <a:rPr lang="x-none" smtClean="0"/>
+              <a:rPr lang="x-none"/>
               <a:t>Second level</a:t>
             </a:r>
           </a:p>
           <a:p>
             <a:pPr lvl="2"/>
             <a:r>
-              <a:rPr lang="x-none" smtClean="0"/>
+              <a:rPr lang="x-none"/>
               <a:t>Third level</a:t>
             </a:r>
           </a:p>
           <a:p>
             <a:pPr lvl="3"/>
             <a:r>
-              <a:rPr lang="x-none" smtClean="0"/>
+              <a:rPr lang="x-none"/>
               <a:t>Fourth level</a:t>
             </a:r>
           </a:p>
           <a:p>
             <a:pPr lvl="4"/>
             <a:r>
-              <a:rPr lang="x-none" smtClean="0"/>
+              <a:rPr lang="x-none"/>
               <a:t>Fifth level</a:t>
             </a:r>
             <a:endParaRPr lang="en-US"/>
@@ -3206,7 +3225,7 @@
           <a:p>
             <a:fld id="{0675A308-8787-9B42-956E-CA40C2F0F6AE}" type="datetimeFigureOut">
               <a:rPr lang="en-US" smtClean="0"/>
-              <a:t>4/2/17</a:t>
+              <a:t>4/3/18</a:t>
             </a:fld>
             <a:endParaRPr lang="en-US"/>
           </a:p>
@@ -3597,10 +3616,9 @@
           <a:lstStyle/>
           <a:p>
             <a:r>
-              <a:rPr lang="en-US" dirty="0" smtClean="0"/>
+              <a:rPr lang="en-US" dirty="0"/>
               <a:t>Lab 1: Printed Circuit Boards: Layers, Layers, Layers</a:t>
             </a:r>
-            <a:endParaRPr lang="en-US" dirty="0"/>
           </a:p>
         </p:txBody>
       </p:sp>
@@ -3633,13 +3651,6 @@
   <p:clrMapOvr>
     <a:masterClrMapping/>
   </p:clrMapOvr>
-  <p:timing>
-    <p:tnLst>
-      <p:par>
-        <p:cTn xmlns:p14="http://schemas.microsoft.com/office/powerpoint/2010/main" id="1" dur="indefinite" restart="never" nodeType="tmRoot"/>
-      </p:par>
-    </p:tnLst>
-  </p:timing>
 </p:sld>
 </file>
 
@@ -3676,11 +3687,11 @@
           <a:lstStyle/>
           <a:p>
             <a:r>
-              <a:rPr lang="en-US" dirty="0" smtClean="0"/>
+              <a:rPr lang="en-US" dirty="0"/>
               <a:t>Pads and </a:t>
             </a:r>
             <a:r>
-              <a:rPr lang="en-US" dirty="0" err="1" smtClean="0"/>
+              <a:rPr lang="en-US" dirty="0" err="1"/>
               <a:t>Vias</a:t>
             </a:r>
             <a:endParaRPr lang="en-US" dirty="0"/>
@@ -3710,38 +3721,30 @@
           <a:lstStyle/>
           <a:p>
             <a:r>
-              <a:rPr lang="en-US" dirty="0" err="1" smtClean="0"/>
+              <a:rPr lang="en-US" dirty="0" err="1"/>
               <a:t>Vias</a:t>
             </a:r>
             <a:r>
-              <a:rPr lang="en-US" dirty="0" smtClean="0"/>
+              <a:rPr lang="en-US" dirty="0"/>
               <a:t> are electrical connections</a:t>
             </a:r>
           </a:p>
           <a:p>
             <a:pPr lvl="1"/>
             <a:r>
-              <a:rPr lang="en-US" dirty="0" smtClean="0"/>
+              <a:rPr lang="en-US" dirty="0"/>
               <a:t>Usually very small.</a:t>
             </a:r>
           </a:p>
           <a:p>
             <a:r>
-              <a:rPr lang="en-US" dirty="0" smtClean="0"/>
-              <a:t>Through hole pads</a:t>
-            </a:r>
-            <a:r>
-              <a:rPr lang="en-US" dirty="0"/>
-              <a:t> </a:t>
-            </a:r>
-            <a:r>
-              <a:rPr lang="en-US" dirty="0" smtClean="0"/>
-              <a:t>accommodate through-hole parts</a:t>
-            </a:r>
-          </a:p>
-          <a:p>
-            <a:r>
-              <a:rPr lang="en-US" dirty="0" smtClean="0"/>
+              <a:rPr lang="en-US" dirty="0"/>
+              <a:t>Through hole pads accommodate through-hole parts</a:t>
+            </a:r>
+          </a:p>
+          <a:p>
+            <a:r>
+              <a:rPr lang="en-US" dirty="0"/>
               <a:t>Even larger, mounting holes are possible</a:t>
             </a:r>
           </a:p>
@@ -3781,13 +3784,6 @@
   <p:clrMapOvr>
     <a:masterClrMapping/>
   </p:clrMapOvr>
-  <p:timing>
-    <p:tnLst>
-      <p:par>
-        <p:cTn xmlns:p14="http://schemas.microsoft.com/office/powerpoint/2010/main" id="1" dur="indefinite" restart="never" nodeType="tmRoot"/>
-      </p:par>
-    </p:tnLst>
-  </p:timing>
 </p:sld>
 </file>
 
@@ -3824,10 +3820,9 @@
           <a:lstStyle/>
           <a:p>
             <a:r>
-              <a:rPr lang="en-US" dirty="0" smtClean="0"/>
+              <a:rPr lang="en-US" dirty="0"/>
               <a:t>Designing Through-hole Pads</a:t>
             </a:r>
-            <a:endParaRPr lang="en-US" dirty="0"/>
           </a:p>
         </p:txBody>
       </p:sp>
@@ -3849,42 +3844,20 @@
         </p:spPr>
         <p:txBody>
           <a:bodyPr>
-            <a:normAutofit lnSpcReduction="10000"/>
+            <a:normAutofit/>
           </a:bodyPr>
           <a:lstStyle/>
           <a:p>
             <a:r>
-              <a:rPr lang="en-US" dirty="0" smtClean="0"/>
+              <a:rPr lang="en-US" dirty="0"/>
               <a:t>The diameter of the hole is smaller than the drilled hole</a:t>
             </a:r>
           </a:p>
           <a:p>
             <a:pPr lvl="1"/>
             <a:r>
-              <a:rPr lang="en-US" dirty="0" smtClean="0"/>
-              <a:t>You need to add </a:t>
-            </a:r>
-            <a:r>
-              <a:rPr lang="en-US" smtClean="0"/>
-              <a:t>about 0.1-0.3 </a:t>
-            </a:r>
-            <a:r>
-              <a:rPr lang="en-US" dirty="0" smtClean="0"/>
-              <a:t>mm to the desired, plated internal diameter to get the drill diameter</a:t>
-            </a:r>
-          </a:p>
-          <a:p>
-            <a:r>
-              <a:rPr lang="en-US" dirty="0" smtClean="0"/>
-              <a:t>More here: http://</a:t>
-            </a:r>
-            <a:r>
-              <a:rPr lang="en-US" dirty="0" err="1" smtClean="0"/>
-              <a:t>goo.gl</a:t>
-            </a:r>
-            <a:r>
-              <a:rPr lang="en-US" dirty="0" smtClean="0"/>
-              <a:t>/NzcY2W</a:t>
+              <a:rPr lang="en-US" dirty="0"/>
+              <a:t>You need to add about 0.1-0.3 mm to the desired, plated internal diameter to get the drill diameter</a:t>
             </a:r>
           </a:p>
         </p:txBody>
@@ -3923,13 +3896,6 @@
   <p:clrMapOvr>
     <a:masterClrMapping/>
   </p:clrMapOvr>
-  <p:timing>
-    <p:tnLst>
-      <p:par>
-        <p:cTn xmlns:p14="http://schemas.microsoft.com/office/powerpoint/2010/main" id="1" dur="indefinite" restart="never" nodeType="tmRoot"/>
-      </p:par>
-    </p:tnLst>
-  </p:timing>
 </p:sld>
 </file>
 
@@ -3966,10 +3932,9 @@
           <a:lstStyle/>
           <a:p>
             <a:r>
-              <a:rPr lang="en-US" dirty="0" smtClean="0"/>
+              <a:rPr lang="en-US" dirty="0"/>
               <a:t>Lots of Choices, in Theory</a:t>
             </a:r>
-            <a:endParaRPr lang="en-US" dirty="0"/>
           </a:p>
         </p:txBody>
       </p:sp>
@@ -3985,55 +3950,63 @@
         </p:nvSpPr>
         <p:spPr/>
         <p:txBody>
-          <a:bodyPr/>
+          <a:bodyPr>
+            <a:normAutofit lnSpcReduction="10000"/>
+          </a:bodyPr>
           <a:lstStyle/>
           <a:p>
             <a:r>
-              <a:rPr lang="en-US" dirty="0" smtClean="0"/>
+              <a:rPr lang="en-US" dirty="0"/>
               <a:t>There are many, many choices when designing a PCB</a:t>
             </a:r>
           </a:p>
           <a:p>
             <a:r>
-              <a:rPr lang="en-US" dirty="0" smtClean="0"/>
+              <a:rPr lang="en-US" dirty="0"/>
               <a:t>We will get to make very few of them</a:t>
             </a:r>
           </a:p>
           <a:p>
             <a:r>
-              <a:rPr lang="en-US" dirty="0" smtClean="0"/>
+              <a:rPr lang="en-US" dirty="0"/>
               <a:t>Cheap, </a:t>
             </a:r>
             <a:r>
-              <a:rPr lang="en-US" dirty="0" err="1" smtClean="0"/>
+              <a:rPr lang="en-US" dirty="0" err="1"/>
               <a:t>quickturn</a:t>
             </a:r>
             <a:r>
-              <a:rPr lang="en-US" dirty="0" smtClean="0"/>
+              <a:rPr lang="en-US" dirty="0"/>
               <a:t> PCB manufacturers provide a standard setup.  E.g.:</a:t>
             </a:r>
           </a:p>
           <a:p>
             <a:pPr lvl="1"/>
             <a:r>
-              <a:rPr lang="en-US" dirty="0" smtClean="0"/>
+              <a:rPr lang="en-US" dirty="0"/>
               <a:t>FR4</a:t>
             </a:r>
           </a:p>
           <a:p>
             <a:pPr lvl="1"/>
             <a:r>
-              <a:rPr lang="en-US" dirty="0" smtClean="0"/>
+              <a:rPr lang="en-US" dirty="0"/>
               <a:t>1oz copper</a:t>
             </a:r>
           </a:p>
           <a:p>
             <a:pPr lvl="1"/>
             <a:r>
-              <a:rPr lang="en-US" dirty="0" smtClean="0"/>
+              <a:rPr lang="en-US" dirty="0"/>
               <a:t>2 or 4 layers</a:t>
             </a:r>
-            <a:endParaRPr lang="en-US" dirty="0"/>
+          </a:p>
+          <a:p>
+            <a:pPr lvl="1"/>
+            <a:r>
+              <a:rPr lang="en-US" dirty="0"/>
+              <a:t>A few colors</a:t>
+            </a:r>
           </a:p>
         </p:txBody>
       </p:sp>
@@ -4047,13 +4020,6 @@
   <p:clrMapOvr>
     <a:masterClrMapping/>
   </p:clrMapOvr>
-  <p:timing>
-    <p:tnLst>
-      <p:par>
-        <p:cTn xmlns:p14="http://schemas.microsoft.com/office/powerpoint/2010/main" id="1" dur="indefinite" restart="never" nodeType="tmRoot"/>
-      </p:par>
-    </p:tnLst>
-  </p:timing>
 </p:sld>
 </file>
 
@@ -4090,10 +4056,9 @@
           <a:lstStyle/>
           <a:p>
             <a:r>
-              <a:rPr lang="en-US" dirty="0" smtClean="0"/>
+              <a:rPr lang="en-US" dirty="0"/>
               <a:t>Resources</a:t>
             </a:r>
-            <a:endParaRPr lang="en-US" dirty="0"/>
           </a:p>
         </p:txBody>
       </p:sp>
@@ -4115,14 +4080,16 @@
           <a:lstStyle/>
           <a:p>
             <a:r>
-              <a:rPr lang="en-US" dirty="0" smtClean="0"/>
-              <a:t>White paper about board </a:t>
-            </a:r>
-            <a:r>
-              <a:rPr lang="en-US" dirty="0" err="1" smtClean="0"/>
-              <a:t>stackups</a:t>
-            </a:r>
-            <a:endParaRPr lang="en-US" dirty="0" smtClean="0"/>
+              <a:rPr lang="en-US" dirty="0"/>
+              <a:t>Videos of PCB Manufacturing</a:t>
+            </a:r>
+          </a:p>
+          <a:p>
+            <a:pPr lvl="1"/>
+            <a:r>
+              <a:rPr lang="en-US" dirty="0"/>
+              <a:t>This one is very good and really thorough, but it’s too long to watch in class.</a:t>
+            </a:r>
           </a:p>
           <a:p>
             <a:pPr lvl="1"/>
@@ -4130,28 +4097,20 @@
               <a:rPr lang="en-US" dirty="0">
                 <a:hlinkClick r:id="rId2"/>
               </a:rPr>
-              <a:t>www.icd.com.au/articles/Stackup_Planning_AN2011_2.</a:t>
-            </a:r>
-            <a:r>
-              <a:rPr lang="en-US" dirty="0" smtClean="0">
-                <a:hlinkClick r:id="rId2"/>
-              </a:rPr>
-              <a:t>pdf</a:t>
-            </a:r>
-            <a:endParaRPr lang="en-US" dirty="0" smtClean="0"/>
-          </a:p>
-          <a:p>
-            <a:r>
-              <a:rPr lang="en-US" dirty="0" smtClean="0"/>
-              <a:t>Videos of PCB Manufacturing</a:t>
-            </a:r>
-          </a:p>
-          <a:p>
-            <a:pPr lvl="1"/>
-            <a:r>
-              <a:rPr lang="en-US" dirty="0" smtClean="0"/>
-              <a:t>This one is very good and really thorough, but it’s too long to watch in class.</a:t>
-            </a:r>
+              <a:t>https://www.youtube.com/playlist?list=PL8zP8UuDk8a0ZNWiteC-7PHx1HCeBY0qB</a:t>
+            </a:r>
+            <a:endParaRPr lang="en-US" dirty="0"/>
+          </a:p>
+          <a:p>
+            <a:r>
+              <a:rPr lang="en-US" dirty="0"/>
+              <a:t>White paper about board </a:t>
+            </a:r>
+            <a:r>
+              <a:rPr lang="en-US" dirty="0" err="1"/>
+              <a:t>stackups</a:t>
+            </a:r>
+            <a:endParaRPr lang="en-US" dirty="0"/>
           </a:p>
           <a:p>
             <a:pPr lvl="1"/>
@@ -4159,15 +4118,9 @@
               <a:rPr lang="en-US" dirty="0">
                 <a:hlinkClick r:id="rId3"/>
               </a:rPr>
-              <a:t>https://www.youtube.com/playlist?list=PL8zP8UuDk8a0ZNWiteC-</a:t>
-            </a:r>
-            <a:r>
-              <a:rPr lang="en-US" dirty="0" smtClean="0">
-                <a:hlinkClick r:id="rId3"/>
-              </a:rPr>
-              <a:t>7PHx1HCeBY0qB</a:t>
-            </a:r>
-            <a:endParaRPr lang="en-US" dirty="0" smtClean="0"/>
+              <a:t>www.icd.com.au/articles/Stackup_Planning_AN2011_2.pdf</a:t>
+            </a:r>
+            <a:endParaRPr lang="en-US" dirty="0"/>
           </a:p>
           <a:p>
             <a:pPr marL="457200" lvl="1" indent="0">
@@ -4187,13 +4140,6 @@
   <p:clrMapOvr>
     <a:masterClrMapping/>
   </p:clrMapOvr>
-  <p:timing>
-    <p:tnLst>
-      <p:par>
-        <p:cTn xmlns:p14="http://schemas.microsoft.com/office/powerpoint/2010/main" id="1" dur="indefinite" restart="never" nodeType="tmRoot"/>
-      </p:par>
-    </p:tnLst>
-  </p:timing>
 </p:sld>
 </file>
 
@@ -4230,10 +4176,9 @@
           <a:lstStyle/>
           <a:p>
             <a:r>
-              <a:rPr lang="en-US" dirty="0" smtClean="0"/>
+              <a:rPr lang="en-US" dirty="0"/>
               <a:t>Steps for Designing PCBs</a:t>
             </a:r>
-            <a:endParaRPr lang="en-US" dirty="0"/>
           </a:p>
         </p:txBody>
       </p:sp>
@@ -4253,46 +4198,45 @@
           <a:lstStyle/>
           <a:p>
             <a:r>
-              <a:rPr lang="en-US" dirty="0" smtClean="0"/>
+              <a:rPr lang="en-US" dirty="0"/>
               <a:t>Create/acquire a library of components</a:t>
             </a:r>
           </a:p>
           <a:p>
             <a:r>
-              <a:rPr lang="en-US" dirty="0" smtClean="0"/>
+              <a:rPr lang="en-US" dirty="0"/>
               <a:t>Assemble your schematic</a:t>
             </a:r>
           </a:p>
           <a:p>
             <a:r>
-              <a:rPr lang="en-US" dirty="0" smtClean="0"/>
+              <a:rPr lang="en-US" dirty="0"/>
               <a:t>Lay out the board</a:t>
             </a:r>
           </a:p>
           <a:p>
             <a:r>
-              <a:rPr lang="en-US" dirty="0" smtClean="0"/>
+              <a:rPr lang="en-US" dirty="0"/>
               <a:t>Perform design checks</a:t>
             </a:r>
           </a:p>
           <a:p>
             <a:r>
-              <a:rPr lang="en-US" dirty="0" smtClean="0"/>
+              <a:rPr lang="en-US" dirty="0"/>
               <a:t>Generate CAM files</a:t>
             </a:r>
           </a:p>
           <a:p>
             <a:r>
-              <a:rPr lang="en-US" dirty="0" smtClean="0"/>
+              <a:rPr lang="en-US" dirty="0"/>
               <a:t>Perform more design checks</a:t>
             </a:r>
           </a:p>
           <a:p>
             <a:r>
-              <a:rPr lang="en-US" dirty="0" smtClean="0"/>
+              <a:rPr lang="en-US" dirty="0"/>
               <a:t>Submit for manufacturing</a:t>
             </a:r>
-            <a:endParaRPr lang="en-US" dirty="0"/>
           </a:p>
         </p:txBody>
       </p:sp>
@@ -4342,10 +4286,9 @@
           <a:lstStyle/>
           <a:p>
             <a:r>
-              <a:rPr lang="en-US" dirty="0" smtClean="0"/>
+              <a:rPr lang="en-US" dirty="0"/>
               <a:t>Units</a:t>
             </a:r>
-            <a:endParaRPr lang="en-US" dirty="0"/>
           </a:p>
         </p:txBody>
       </p:sp>
@@ -4367,49 +4310,41 @@
           <a:lstStyle/>
           <a:p>
             <a:r>
-              <a:rPr lang="en-US" dirty="0" smtClean="0"/>
+              <a:rPr lang="en-US" dirty="0"/>
               <a:t>Units</a:t>
             </a:r>
           </a:p>
           <a:p>
             <a:pPr lvl="1"/>
             <a:r>
-              <a:rPr lang="en-US" dirty="0" smtClean="0"/>
-              <a:t>In almost all cases,</a:t>
-            </a:r>
-            <a:r>
-              <a:rPr lang="en-US" dirty="0"/>
-              <a:t> </a:t>
-            </a:r>
-            <a:r>
-              <a:rPr lang="en-US" dirty="0" smtClean="0"/>
-              <a:t>we will use mm in this class.</a:t>
+              <a:rPr lang="en-US" dirty="0"/>
+              <a:t>We will mostly use mm in this class.</a:t>
             </a:r>
           </a:p>
           <a:p>
             <a:pPr lvl="1"/>
             <a:r>
-              <a:rPr lang="en-US" dirty="0" smtClean="0"/>
+              <a:rPr lang="en-US" dirty="0"/>
               <a:t>1mm is about 40mils (39.3700787, actually)</a:t>
             </a:r>
           </a:p>
           <a:p>
             <a:pPr lvl="1"/>
             <a:r>
-              <a:rPr lang="en-US" dirty="0" smtClean="0"/>
+              <a:rPr lang="en-US" dirty="0"/>
               <a:t>1in is 25.4 mm.</a:t>
             </a:r>
           </a:p>
           <a:p>
             <a:pPr lvl="1"/>
             <a:r>
-              <a:rPr lang="en-US" dirty="0" smtClean="0"/>
+              <a:rPr lang="en-US" dirty="0"/>
               <a:t>Keep an eye on your units.</a:t>
             </a:r>
           </a:p>
           <a:p>
             <a:r>
-              <a:rPr lang="en-US" dirty="0" smtClean="0"/>
+              <a:rPr lang="en-US" dirty="0"/>
               <a:t>Exceptions</a:t>
             </a:r>
           </a:p>
@@ -4417,21 +4352,80 @@
             <a:pPr lvl="1"/>
             <a:r>
               <a:rPr lang="en-US" dirty="0"/>
-              <a:t>Lots of tutorials, documents, etc. use mils (1/1000 of an inch) or inches</a:t>
-            </a:r>
-            <a:r>
-              <a:rPr lang="en-US" dirty="0" smtClean="0"/>
-              <a:t>.</a:t>
-            </a:r>
-            <a:endParaRPr lang="en-US" dirty="0"/>
+              <a:t>Lots of tutorials, documents, etc. use mils (1/1000 of an inch) or inches.</a:t>
+            </a:r>
           </a:p>
           <a:p>
             <a:pPr lvl="1"/>
             <a:r>
-              <a:rPr lang="en-US" dirty="0" smtClean="0"/>
+              <a:rPr lang="en-US" dirty="0"/>
               <a:t>Breadboards and headers are typically 0.1” spacing (2.54mm)</a:t>
             </a:r>
-            <a:endParaRPr lang="en-US" dirty="0"/>
+          </a:p>
+        </p:txBody>
+      </p:sp>
+      <p:pic>
+        <p:nvPicPr>
+          <p:cNvPr id="4" name="Picture 3">
+            <a:extLst>
+              <a:ext uri="{FF2B5EF4-FFF2-40B4-BE49-F238E27FC236}">
+                <a16:creationId xmlns:a16="http://schemas.microsoft.com/office/drawing/2014/main" id="{047EE6C7-A259-984A-BA01-C1614D0EAFB5}"/>
+              </a:ext>
+            </a:extLst>
+          </p:cNvPr>
+          <p:cNvPicPr>
+            <a:picLocks noChangeAspect="1"/>
+          </p:cNvPicPr>
+          <p:nvPr/>
+        </p:nvPicPr>
+        <p:blipFill>
+          <a:blip r:embed="rId3"/>
+          <a:stretch>
+            <a:fillRect/>
+          </a:stretch>
+        </p:blipFill>
+        <p:spPr>
+          <a:xfrm>
+            <a:off x="7016023" y="208478"/>
+            <a:ext cx="1961721" cy="1780639"/>
+          </a:xfrm>
+          <a:prstGeom prst="rect">
+            <a:avLst/>
+          </a:prstGeom>
+        </p:spPr>
+      </p:pic>
+      <p:sp>
+        <p:nvSpPr>
+          <p:cNvPr id="5" name="TextBox 4">
+            <a:extLst>
+              <a:ext uri="{FF2B5EF4-FFF2-40B4-BE49-F238E27FC236}">
+                <a16:creationId xmlns:a16="http://schemas.microsoft.com/office/drawing/2014/main" id="{1FCB750F-F31D-9747-9C65-4C7DCB284A9E}"/>
+              </a:ext>
+            </a:extLst>
+          </p:cNvPr>
+          <p:cNvSpPr txBox="1"/>
+          <p:nvPr/>
+        </p:nvSpPr>
+        <p:spPr>
+          <a:xfrm>
+            <a:off x="7248601" y="1989117"/>
+            <a:ext cx="1496564" cy="276999"/>
+          </a:xfrm>
+          <a:prstGeom prst="rect">
+            <a:avLst/>
+          </a:prstGeom>
+          <a:noFill/>
+        </p:spPr>
+        <p:txBody>
+          <a:bodyPr wrap="none" rtlCol="0">
+            <a:spAutoFit/>
+          </a:bodyPr>
+          <a:lstStyle/>
+          <a:p>
+            <a:r>
+              <a:rPr lang="en-US" sz="1200" dirty="0"/>
+              <a:t>Mars Climate Orbiter</a:t>
+            </a:r>
           </a:p>
         </p:txBody>
       </p:sp>
@@ -4445,13 +4439,6 @@
   <p:clrMapOvr>
     <a:masterClrMapping/>
   </p:clrMapOvr>
-  <p:timing>
-    <p:tnLst>
-      <p:par>
-        <p:cTn xmlns:p14="http://schemas.microsoft.com/office/powerpoint/2010/main" id="1" dur="indefinite" restart="never" nodeType="tmRoot"/>
-      </p:par>
-    </p:tnLst>
-  </p:timing>
 </p:sld>
 </file>
 
@@ -4488,10 +4475,9 @@
           <a:lstStyle/>
           <a:p>
             <a:r>
-              <a:rPr lang="en-US" dirty="0" smtClean="0"/>
+              <a:rPr lang="en-US" dirty="0"/>
               <a:t>Designing with Layers</a:t>
             </a:r>
-            <a:endParaRPr lang="en-US" dirty="0"/>
           </a:p>
         </p:txBody>
       </p:sp>
@@ -4518,62 +4504,61 @@
           <a:lstStyle/>
           <a:p>
             <a:r>
-              <a:rPr lang="en-US" dirty="0" smtClean="0"/>
+              <a:rPr lang="en-US" dirty="0"/>
               <a:t>Eagle (and other board design tools) use layers to specify different types of information about a board. </a:t>
             </a:r>
             <a:r>
-              <a:rPr lang="en-US" dirty="0" err="1" smtClean="0"/>
+              <a:rPr lang="en-US" dirty="0" err="1"/>
               <a:t>E.g</a:t>
             </a:r>
             <a:r>
-              <a:rPr lang="en-US" dirty="0" smtClean="0"/>
+              <a:rPr lang="en-US" dirty="0"/>
               <a:t>:</a:t>
             </a:r>
           </a:p>
           <a:p>
             <a:pPr lvl="1"/>
             <a:r>
-              <a:rPr lang="en-US" dirty="0" smtClean="0"/>
+              <a:rPr lang="en-US" dirty="0"/>
               <a:t>Where wires should go on each physical layer</a:t>
             </a:r>
           </a:p>
           <a:p>
             <a:pPr lvl="1"/>
             <a:r>
-              <a:rPr lang="en-US" dirty="0" smtClean="0"/>
+              <a:rPr lang="en-US" dirty="0"/>
               <a:t>Where wires should not go on each physical layer</a:t>
             </a:r>
           </a:p>
           <a:p>
             <a:pPr lvl="1"/>
             <a:r>
-              <a:rPr lang="en-US" dirty="0" smtClean="0"/>
+              <a:rPr lang="en-US" dirty="0"/>
               <a:t>Documentation</a:t>
             </a:r>
           </a:p>
           <a:p>
             <a:pPr lvl="1"/>
             <a:r>
-              <a:rPr lang="en-US" dirty="0" smtClean="0"/>
+              <a:rPr lang="en-US" dirty="0"/>
               <a:t>Mechanical information</a:t>
             </a:r>
           </a:p>
           <a:p>
             <a:r>
-              <a:rPr lang="en-US" dirty="0" smtClean="0"/>
+              <a:rPr lang="en-US" dirty="0"/>
               <a:t>Eagle defines 52 layers by default</a:t>
             </a:r>
-            <a:endParaRPr lang="en-US" dirty="0"/>
-          </a:p>
-          <a:p>
-            <a:r>
-              <a:rPr lang="en-US" dirty="0" smtClean="0"/>
+          </a:p>
+          <a:p>
+            <a:r>
+              <a:rPr lang="en-US" dirty="0"/>
               <a:t>‘t’ prefix means top.</a:t>
             </a:r>
           </a:p>
           <a:p>
             <a:r>
-              <a:rPr lang="en-US" dirty="0" smtClean="0"/>
+              <a:rPr lang="en-US" dirty="0"/>
               <a:t>‘b’ prefix means bottom (displayed mirrored)</a:t>
             </a:r>
           </a:p>
@@ -4589,13 +4574,6 @@
   <p:clrMapOvr>
     <a:masterClrMapping/>
   </p:clrMapOvr>
-  <p:timing>
-    <p:tnLst>
-      <p:par>
-        <p:cTn xmlns:p14="http://schemas.microsoft.com/office/powerpoint/2010/main" id="1" dur="indefinite" restart="never" nodeType="tmRoot"/>
-      </p:par>
-    </p:tnLst>
-  </p:timing>
 </p:sld>
 </file>
 
@@ -4632,10 +4610,9 @@
           <a:lstStyle/>
           <a:p>
             <a:r>
-              <a:rPr lang="en-US" dirty="0" smtClean="0"/>
+              <a:rPr lang="en-US" dirty="0"/>
               <a:t>Eagle Layers</a:t>
             </a:r>
-            <a:endParaRPr lang="en-US" dirty="0"/>
           </a:p>
         </p:txBody>
       </p:sp>
@@ -4649,28 +4626,76 @@
             <p:ph idx="1"/>
             <p:extLst>
               <p:ext uri="{D42A27DB-BD31-4B8C-83A1-F6EECF244321}">
-                <p14:modId xmlns:p14="http://schemas.microsoft.com/office/powerpoint/2010/main" val="2440241572"/>
+                <p14:modId xmlns:p14="http://schemas.microsoft.com/office/powerpoint/2010/main" val="826313244"/>
               </p:ext>
             </p:extLst>
           </p:nvPr>
         </p:nvGraphicFramePr>
         <p:xfrm>
-          <a:off x="164352" y="1195297"/>
-          <a:ext cx="8979648" cy="5662702"/>
+          <a:off x="190005" y="1195297"/>
+          <a:ext cx="8953995" cy="5662702"/>
         </p:xfrm>
         <a:graphic>
           <a:graphicData uri="http://schemas.openxmlformats.org/drawingml/2006/table">
             <a:tbl>
               <a:tblPr/>
               <a:tblGrid>
-                <a:gridCol w="816332"/>
-                <a:gridCol w="2906937"/>
-                <a:gridCol w="159284"/>
-                <a:gridCol w="258837"/>
-                <a:gridCol w="836242"/>
-                <a:gridCol w="2806722"/>
-                <a:gridCol w="104588"/>
-                <a:gridCol w="1090706"/>
+                <a:gridCol w="790679">
+                  <a:extLst>
+                    <a:ext uri="{9D8B030D-6E8A-4147-A177-3AD203B41FA5}">
+                      <a16:colId xmlns:a16="http://schemas.microsoft.com/office/drawing/2014/main" val="20000"/>
+                    </a:ext>
+                  </a:extLst>
+                </a:gridCol>
+                <a:gridCol w="2906937">
+                  <a:extLst>
+                    <a:ext uri="{9D8B030D-6E8A-4147-A177-3AD203B41FA5}">
+                      <a16:colId xmlns:a16="http://schemas.microsoft.com/office/drawing/2014/main" val="20001"/>
+                    </a:ext>
+                  </a:extLst>
+                </a:gridCol>
+                <a:gridCol w="159284">
+                  <a:extLst>
+                    <a:ext uri="{9D8B030D-6E8A-4147-A177-3AD203B41FA5}">
+                      <a16:colId xmlns:a16="http://schemas.microsoft.com/office/drawing/2014/main" val="20002"/>
+                    </a:ext>
+                  </a:extLst>
+                </a:gridCol>
+                <a:gridCol w="258837">
+                  <a:extLst>
+                    <a:ext uri="{9D8B030D-6E8A-4147-A177-3AD203B41FA5}">
+                      <a16:colId xmlns:a16="http://schemas.microsoft.com/office/drawing/2014/main" val="20003"/>
+                    </a:ext>
+                  </a:extLst>
+                </a:gridCol>
+                <a:gridCol w="836242">
+                  <a:extLst>
+                    <a:ext uri="{9D8B030D-6E8A-4147-A177-3AD203B41FA5}">
+                      <a16:colId xmlns:a16="http://schemas.microsoft.com/office/drawing/2014/main" val="20004"/>
+                    </a:ext>
+                  </a:extLst>
+                </a:gridCol>
+                <a:gridCol w="2806722">
+                  <a:extLst>
+                    <a:ext uri="{9D8B030D-6E8A-4147-A177-3AD203B41FA5}">
+                      <a16:colId xmlns:a16="http://schemas.microsoft.com/office/drawing/2014/main" val="20005"/>
+                    </a:ext>
+                  </a:extLst>
+                </a:gridCol>
+                <a:gridCol w="104588">
+                  <a:extLst>
+                    <a:ext uri="{9D8B030D-6E8A-4147-A177-3AD203B41FA5}">
+                      <a16:colId xmlns:a16="http://schemas.microsoft.com/office/drawing/2014/main" val="20006"/>
+                    </a:ext>
+                  </a:extLst>
+                </a:gridCol>
+                <a:gridCol w="1090706">
+                  <a:extLst>
+                    <a:ext uri="{9D8B030D-6E8A-4147-A177-3AD203B41FA5}">
+                      <a16:colId xmlns:a16="http://schemas.microsoft.com/office/drawing/2014/main" val="20007"/>
+                    </a:ext>
+                  </a:extLst>
+                </a:gridCol>
               </a:tblGrid>
               <a:tr h="202957">
                 <a:tc>
@@ -4943,6 +4968,11 @@
                     </a:lnB>
                   </a:tcPr>
                 </a:tc>
+                <a:extLst>
+                  <a:ext uri="{0D108BD9-81ED-4DB2-BD59-A6C34878D82A}">
+                    <a16:rowId xmlns:a16="http://schemas.microsoft.com/office/drawing/2014/main" val="10000"/>
+                  </a:ext>
+                </a:extLst>
               </a:tr>
               <a:tr h="202957">
                 <a:tc>
@@ -4988,7 +5018,7 @@
                     <a:p>
                       <a:pPr algn="l" fontAlgn="b"/>
                       <a:r>
-                        <a:rPr lang="en-US" sz="1200" b="0" i="0" u="none" strike="noStrike">
+                        <a:rPr lang="en-US" sz="1200" b="0" i="0" u="none" strike="noStrike" dirty="0">
                           <a:solidFill>
                             <a:srgbClr val="000000"/>
                           </a:solidFill>
@@ -5215,6 +5245,11 @@
                     </a:lnB>
                   </a:tcPr>
                 </a:tc>
+                <a:extLst>
+                  <a:ext uri="{0D108BD9-81ED-4DB2-BD59-A6C34878D82A}">
+                    <a16:rowId xmlns:a16="http://schemas.microsoft.com/office/drawing/2014/main" val="10001"/>
+                  </a:ext>
+                </a:extLst>
               </a:tr>
               <a:tr h="202957">
                 <a:tc>
@@ -5493,6 +5528,11 @@
                     </a:solidFill>
                   </a:tcPr>
                 </a:tc>
+                <a:extLst>
+                  <a:ext uri="{0D108BD9-81ED-4DB2-BD59-A6C34878D82A}">
+                    <a16:rowId xmlns:a16="http://schemas.microsoft.com/office/drawing/2014/main" val="10002"/>
+                  </a:ext>
+                </a:extLst>
               </a:tr>
               <a:tr h="395867">
                 <a:tc>
@@ -5771,6 +5811,11 @@
                     </a:solidFill>
                   </a:tcPr>
                 </a:tc>
+                <a:extLst>
+                  <a:ext uri="{0D108BD9-81ED-4DB2-BD59-A6C34878D82A}">
+                    <a16:rowId xmlns:a16="http://schemas.microsoft.com/office/drawing/2014/main" val="10003"/>
+                  </a:ext>
+                </a:extLst>
               </a:tr>
               <a:tr h="395867">
                 <a:tc>
@@ -6049,6 +6094,11 @@
                     </a:solidFill>
                   </a:tcPr>
                 </a:tc>
+                <a:extLst>
+                  <a:ext uri="{0D108BD9-81ED-4DB2-BD59-A6C34878D82A}">
+                    <a16:rowId xmlns:a16="http://schemas.microsoft.com/office/drawing/2014/main" val="10004"/>
+                  </a:ext>
+                </a:extLst>
               </a:tr>
               <a:tr h="202957">
                 <a:tc>
@@ -6321,6 +6371,11 @@
                     </a:lnB>
                   </a:tcPr>
                 </a:tc>
+                <a:extLst>
+                  <a:ext uri="{0D108BD9-81ED-4DB2-BD59-A6C34878D82A}">
+                    <a16:rowId xmlns:a16="http://schemas.microsoft.com/office/drawing/2014/main" val="10005"/>
+                  </a:ext>
+                </a:extLst>
               </a:tr>
               <a:tr h="202957">
                 <a:tc>
@@ -6609,6 +6664,11 @@
                     </a:lnB>
                   </a:tcPr>
                 </a:tc>
+                <a:extLst>
+                  <a:ext uri="{0D108BD9-81ED-4DB2-BD59-A6C34878D82A}">
+                    <a16:rowId xmlns:a16="http://schemas.microsoft.com/office/drawing/2014/main" val="10006"/>
+                  </a:ext>
+                </a:extLst>
               </a:tr>
               <a:tr h="202957">
                 <a:tc>
@@ -6890,6 +6950,11 @@
                     </a:lnB>
                   </a:tcPr>
                 </a:tc>
+                <a:extLst>
+                  <a:ext uri="{0D108BD9-81ED-4DB2-BD59-A6C34878D82A}">
+                    <a16:rowId xmlns:a16="http://schemas.microsoft.com/office/drawing/2014/main" val="10007"/>
+                  </a:ext>
+                </a:extLst>
               </a:tr>
               <a:tr h="202957">
                 <a:tc>
@@ -7171,6 +7236,11 @@
                     </a:lnB>
                   </a:tcPr>
                 </a:tc>
+                <a:extLst>
+                  <a:ext uri="{0D108BD9-81ED-4DB2-BD59-A6C34878D82A}">
+                    <a16:rowId xmlns:a16="http://schemas.microsoft.com/office/drawing/2014/main" val="10008"/>
+                  </a:ext>
+                </a:extLst>
               </a:tr>
               <a:tr h="202957">
                 <a:tc>
@@ -7452,6 +7522,11 @@
                     </a:lnB>
                   </a:tcPr>
                 </a:tc>
+                <a:extLst>
+                  <a:ext uri="{0D108BD9-81ED-4DB2-BD59-A6C34878D82A}">
+                    <a16:rowId xmlns:a16="http://schemas.microsoft.com/office/drawing/2014/main" val="10009"/>
+                  </a:ext>
+                </a:extLst>
               </a:tr>
               <a:tr h="202957">
                 <a:tc>
@@ -7733,6 +7808,11 @@
                     </a:lnB>
                   </a:tcPr>
                 </a:tc>
+                <a:extLst>
+                  <a:ext uri="{0D108BD9-81ED-4DB2-BD59-A6C34878D82A}">
+                    <a16:rowId xmlns:a16="http://schemas.microsoft.com/office/drawing/2014/main" val="10010"/>
+                  </a:ext>
+                </a:extLst>
               </a:tr>
               <a:tr h="202957">
                 <a:tc>
@@ -8014,6 +8094,11 @@
                     </a:lnB>
                   </a:tcPr>
                 </a:tc>
+                <a:extLst>
+                  <a:ext uri="{0D108BD9-81ED-4DB2-BD59-A6C34878D82A}">
+                    <a16:rowId xmlns:a16="http://schemas.microsoft.com/office/drawing/2014/main" val="10011"/>
+                  </a:ext>
+                </a:extLst>
               </a:tr>
               <a:tr h="202957">
                 <a:tc>
@@ -8286,6 +8371,11 @@
                     </a:lnB>
                   </a:tcPr>
                 </a:tc>
+                <a:extLst>
+                  <a:ext uri="{0D108BD9-81ED-4DB2-BD59-A6C34878D82A}">
+                    <a16:rowId xmlns:a16="http://schemas.microsoft.com/office/drawing/2014/main" val="10012"/>
+                  </a:ext>
+                </a:extLst>
               </a:tr>
               <a:tr h="202957">
                 <a:tc>
@@ -8558,6 +8648,11 @@
                     </a:lnB>
                   </a:tcPr>
                 </a:tc>
+                <a:extLst>
+                  <a:ext uri="{0D108BD9-81ED-4DB2-BD59-A6C34878D82A}">
+                    <a16:rowId xmlns:a16="http://schemas.microsoft.com/office/drawing/2014/main" val="10013"/>
+                  </a:ext>
+                </a:extLst>
               </a:tr>
               <a:tr h="202957">
                 <a:tc>
@@ -8592,7 +8687,10 @@
                       <a:noFill/>
                     </a:lnB>
                     <a:solidFill>
-                      <a:srgbClr val="D9D9D9"/>
+                      <a:schemeClr val="accent3">
+                        <a:lumMod val="20000"/>
+                        <a:lumOff val="80000"/>
+                      </a:schemeClr>
                     </a:solidFill>
                   </a:tcPr>
                 </a:tc>
@@ -8603,7 +8701,7 @@
                     <a:p>
                       <a:pPr algn="l" fontAlgn="b"/>
                       <a:r>
-                        <a:rPr lang="en-US" sz="1200" b="0" i="0" u="none" strike="noStrike">
+                        <a:rPr lang="en-US" sz="1200" b="0" i="0" u="none" strike="noStrike" dirty="0">
                           <a:solidFill>
                             <a:srgbClr val="000000"/>
                           </a:solidFill>
@@ -8628,7 +8726,10 @@
                       <a:noFill/>
                     </a:lnB>
                     <a:solidFill>
-                      <a:srgbClr val="D9D9D9"/>
+                      <a:schemeClr val="accent3">
+                        <a:lumMod val="20000"/>
+                        <a:lumOff val="80000"/>
+                      </a:schemeClr>
                     </a:solidFill>
                   </a:tcPr>
                 </a:tc>
@@ -8830,6 +8931,11 @@
                     </a:lnB>
                   </a:tcPr>
                 </a:tc>
+                <a:extLst>
+                  <a:ext uri="{0D108BD9-81ED-4DB2-BD59-A6C34878D82A}">
+                    <a16:rowId xmlns:a16="http://schemas.microsoft.com/office/drawing/2014/main" val="10014"/>
+                  </a:ext>
+                </a:extLst>
               </a:tr>
               <a:tr h="202957">
                 <a:tc>
@@ -9102,6 +9208,11 @@
                     </a:lnB>
                   </a:tcPr>
                 </a:tc>
+                <a:extLst>
+                  <a:ext uri="{0D108BD9-81ED-4DB2-BD59-A6C34878D82A}">
+                    <a16:rowId xmlns:a16="http://schemas.microsoft.com/office/drawing/2014/main" val="10015"/>
+                  </a:ext>
+                </a:extLst>
               </a:tr>
               <a:tr h="202957">
                 <a:tc>
@@ -9374,6 +9485,11 @@
                     </a:lnB>
                   </a:tcPr>
                 </a:tc>
+                <a:extLst>
+                  <a:ext uri="{0D108BD9-81ED-4DB2-BD59-A6C34878D82A}">
+                    <a16:rowId xmlns:a16="http://schemas.microsoft.com/office/drawing/2014/main" val="10016"/>
+                  </a:ext>
+                </a:extLst>
               </a:tr>
               <a:tr h="202957">
                 <a:tc>
@@ -9646,6 +9762,11 @@
                     </a:lnB>
                   </a:tcPr>
                 </a:tc>
+                <a:extLst>
+                  <a:ext uri="{0D108BD9-81ED-4DB2-BD59-A6C34878D82A}">
+                    <a16:rowId xmlns:a16="http://schemas.microsoft.com/office/drawing/2014/main" val="10017"/>
+                  </a:ext>
+                </a:extLst>
               </a:tr>
               <a:tr h="202957">
                 <a:tc>
@@ -9918,6 +10039,11 @@
                     </a:lnB>
                   </a:tcPr>
                 </a:tc>
+                <a:extLst>
+                  <a:ext uri="{0D108BD9-81ED-4DB2-BD59-A6C34878D82A}">
+                    <a16:rowId xmlns:a16="http://schemas.microsoft.com/office/drawing/2014/main" val="10018"/>
+                  </a:ext>
+                </a:extLst>
               </a:tr>
               <a:tr h="202957">
                 <a:tc>
@@ -9963,14 +10089,14 @@
                     <a:p>
                       <a:pPr algn="l" fontAlgn="b"/>
                       <a:r>
-                        <a:rPr lang="en-US" sz="1200" b="0" i="0" u="none" strike="noStrike">
+                        <a:rPr lang="en-US" sz="1200" b="0" i="0" u="none" strike="noStrike" dirty="0">
                           <a:solidFill>
                             <a:srgbClr val="000000"/>
                           </a:solidFill>
                           <a:effectLst/>
                           <a:latin typeface="Calibri"/>
                         </a:rPr>
-                        <a:t>Board outlines (circles for holes) *) </a:t>
+                        <a:t>Board outlines (circles for holes)</a:t>
                       </a:r>
                     </a:p>
                   </a:txBody>
@@ -10190,6 +10316,11 @@
                     </a:lnB>
                   </a:tcPr>
                 </a:tc>
+                <a:extLst>
+                  <a:ext uri="{0D108BD9-81ED-4DB2-BD59-A6C34878D82A}">
+                    <a16:rowId xmlns:a16="http://schemas.microsoft.com/office/drawing/2014/main" val="10019"/>
+                  </a:ext>
+                </a:extLst>
               </a:tr>
               <a:tr h="202957">
                 <a:tc>
@@ -10462,6 +10593,11 @@
                     </a:lnB>
                   </a:tcPr>
                 </a:tc>
+                <a:extLst>
+                  <a:ext uri="{0D108BD9-81ED-4DB2-BD59-A6C34878D82A}">
+                    <a16:rowId xmlns:a16="http://schemas.microsoft.com/office/drawing/2014/main" val="10020"/>
+                  </a:ext>
+                </a:extLst>
               </a:tr>
               <a:tr h="202957">
                 <a:tc>
@@ -10734,6 +10870,11 @@
                     </a:lnB>
                   </a:tcPr>
                 </a:tc>
+                <a:extLst>
+                  <a:ext uri="{0D108BD9-81ED-4DB2-BD59-A6C34878D82A}">
+                    <a16:rowId xmlns:a16="http://schemas.microsoft.com/office/drawing/2014/main" val="10021"/>
+                  </a:ext>
+                </a:extLst>
               </a:tr>
               <a:tr h="202957">
                 <a:tc>
@@ -11006,6 +11147,11 @@
                     </a:lnB>
                   </a:tcPr>
                 </a:tc>
+                <a:extLst>
+                  <a:ext uri="{0D108BD9-81ED-4DB2-BD59-A6C34878D82A}">
+                    <a16:rowId xmlns:a16="http://schemas.microsoft.com/office/drawing/2014/main" val="10022"/>
+                  </a:ext>
+                </a:extLst>
               </a:tr>
               <a:tr h="202957">
                 <a:tc>
@@ -11278,6 +11424,11 @@
                     </a:lnB>
                   </a:tcPr>
                 </a:tc>
+                <a:extLst>
+                  <a:ext uri="{0D108BD9-81ED-4DB2-BD59-A6C34878D82A}">
+                    <a16:rowId xmlns:a16="http://schemas.microsoft.com/office/drawing/2014/main" val="10023"/>
+                  </a:ext>
+                </a:extLst>
               </a:tr>
               <a:tr h="202957">
                 <a:tc>
@@ -11550,6 +11701,11 @@
                     </a:lnB>
                   </a:tcPr>
                 </a:tc>
+                <a:extLst>
+                  <a:ext uri="{0D108BD9-81ED-4DB2-BD59-A6C34878D82A}">
+                    <a16:rowId xmlns:a16="http://schemas.microsoft.com/office/drawing/2014/main" val="10024"/>
+                  </a:ext>
+                </a:extLst>
               </a:tr>
               <a:tr h="202957">
                 <a:tc>
@@ -11804,6 +11960,11 @@
                     </a:lnB>
                   </a:tcPr>
                 </a:tc>
+                <a:extLst>
+                  <a:ext uri="{0D108BD9-81ED-4DB2-BD59-A6C34878D82A}">
+                    <a16:rowId xmlns:a16="http://schemas.microsoft.com/office/drawing/2014/main" val="10025"/>
+                  </a:ext>
+                </a:extLst>
               </a:tr>
             </a:tbl>
           </a:graphicData>
@@ -11819,13 +11980,6 @@
   <p:clrMapOvr>
     <a:masterClrMapping/>
   </p:clrMapOvr>
-  <p:timing>
-    <p:tnLst>
-      <p:par>
-        <p:cTn xmlns:p14="http://schemas.microsoft.com/office/powerpoint/2010/main" id="1" dur="indefinite" restart="never" nodeType="tmRoot"/>
-      </p:par>
-    </p:tnLst>
-  </p:timing>
 </p:sld>
 </file>
 
@@ -11862,10 +12016,9 @@
           <a:lstStyle/>
           <a:p>
             <a:r>
-              <a:rPr lang="en-US" dirty="0" smtClean="0"/>
+              <a:rPr lang="en-US" dirty="0"/>
               <a:t>Useful Layer Commands</a:t>
             </a:r>
-            <a:endParaRPr lang="en-US" dirty="0"/>
           </a:p>
         </p:txBody>
       </p:sp>
@@ -11885,42 +12038,41 @@
           <a:lstStyle/>
           <a:p>
             <a:r>
-              <a:rPr lang="en-US" dirty="0" smtClean="0"/>
+              <a:rPr lang="en-US" dirty="0"/>
               <a:t>“display &lt;layer&gt;”  -- show the layer</a:t>
             </a:r>
           </a:p>
           <a:p>
             <a:r>
-              <a:rPr lang="en-US" dirty="0" smtClean="0"/>
+              <a:rPr lang="en-US" dirty="0"/>
               <a:t>“display -&lt;layer&gt;” – hide the layer</a:t>
             </a:r>
           </a:p>
           <a:p>
             <a:r>
-              <a:rPr lang="en-US" dirty="0" smtClean="0"/>
+              <a:rPr lang="en-US" dirty="0"/>
               <a:t>“display last” return to previous view</a:t>
             </a:r>
           </a:p>
           <a:p>
             <a:r>
-              <a:rPr lang="en-US" dirty="0" smtClean="0"/>
+              <a:rPr lang="en-US" dirty="0"/>
               <a:t>Click and hold the layer tool icon to get a list of present layers sets.  </a:t>
             </a:r>
           </a:p>
           <a:p>
             <a:pPr lvl="1"/>
             <a:r>
-              <a:rPr lang="en-US" dirty="0" smtClean="0"/>
+              <a:rPr lang="en-US" dirty="0"/>
               <a:t>Select “new…” to save the current view </a:t>
             </a:r>
           </a:p>
           <a:p>
             <a:pPr lvl="1"/>
             <a:r>
-              <a:rPr lang="en-US" dirty="0" smtClean="0"/>
+              <a:rPr lang="en-US" dirty="0"/>
               <a:t>Then “display foo” to switch to the view named “foo”</a:t>
             </a:r>
-            <a:endParaRPr lang="en-US" dirty="0"/>
           </a:p>
         </p:txBody>
       </p:sp>
@@ -11934,13 +12086,6 @@
   <p:clrMapOvr>
     <a:masterClrMapping/>
   </p:clrMapOvr>
-  <p:timing>
-    <p:tnLst>
-      <p:par>
-        <p:cTn xmlns:p14="http://schemas.microsoft.com/office/powerpoint/2010/main" id="1" dur="indefinite" restart="never" nodeType="tmRoot"/>
-      </p:par>
-    </p:tnLst>
-  </p:timing>
 </p:sld>
 </file>
 
@@ -11977,10 +12122,9 @@
           <a:lstStyle/>
           <a:p>
             <a:r>
-              <a:rPr lang="en-US" dirty="0" smtClean="0"/>
+              <a:rPr lang="en-US" dirty="0"/>
               <a:t>Layer Demo</a:t>
             </a:r>
-            <a:endParaRPr lang="en-US" dirty="0"/>
           </a:p>
         </p:txBody>
       </p:sp>
@@ -12000,10 +12144,9 @@
           <a:lstStyle/>
           <a:p>
             <a:r>
-              <a:rPr lang="en-US" dirty="0" smtClean="0"/>
+              <a:rPr lang="en-US" dirty="0"/>
               <a:t>The “Red board”</a:t>
             </a:r>
-            <a:endParaRPr lang="en-US" dirty="0"/>
           </a:p>
           <a:p>
             <a:r>
@@ -12016,7 +12159,7 @@
             </a:r>
             <a:r>
               <a:rPr lang="en-US" dirty="0"/>
-              <a:t>/UCSD/Teaching/17sp-190/</a:t>
+              <a:t>/UCSD/Teaching/18sp-190/</a:t>
             </a:r>
             <a:r>
               <a:rPr lang="en-US" dirty="0" err="1"/>
@@ -12024,13 +12167,8 @@
             </a:r>
             <a:r>
               <a:rPr lang="en-US" dirty="0"/>
-              <a:t>-Resources/Lecture\ Slides/Examples/ATmega128RFA1-DevBoard/ATmega128RFA1-</a:t>
-            </a:r>
-            <a:r>
-              <a:rPr lang="en-US" dirty="0" smtClean="0"/>
-              <a:t>DevBoard.brd</a:t>
-            </a:r>
-            <a:endParaRPr lang="en-US" dirty="0"/>
+              <a:t>-Resources/Lecture\ Slides/Examples/ATmega128RFA1-DevBoard/ATmega128RFA1-DevBoard.brd</a:t>
+            </a:r>
           </a:p>
         </p:txBody>
       </p:sp>
@@ -12044,13 +12182,6 @@
   <p:clrMapOvr>
     <a:masterClrMapping/>
   </p:clrMapOvr>
-  <p:timing>
-    <p:tnLst>
-      <p:par>
-        <p:cTn xmlns:p14="http://schemas.microsoft.com/office/powerpoint/2010/main" id="1" dur="indefinite" restart="never" nodeType="tmRoot"/>
-      </p:par>
-    </p:tnLst>
-  </p:timing>
 </p:sld>
 </file>
 
@@ -12087,10 +12218,9 @@
           <a:lstStyle/>
           <a:p>
             <a:r>
-              <a:rPr lang="en-US" dirty="0" smtClean="0"/>
+              <a:rPr lang="en-US" dirty="0"/>
               <a:t>Eagle Trick: The Command Line</a:t>
             </a:r>
-            <a:endParaRPr lang="en-US" dirty="0"/>
           </a:p>
         </p:txBody>
       </p:sp>
@@ -12112,64 +12242,64 @@
           <a:lstStyle/>
           <a:p>
             <a:r>
-              <a:rPr lang="en-US" dirty="0" smtClean="0"/>
+              <a:rPr lang="en-US" dirty="0"/>
               <a:t>You can type commands to Eagle.  For some things it’s a huge help</a:t>
             </a:r>
           </a:p>
           <a:p>
             <a:r>
-              <a:rPr lang="en-US" dirty="0" smtClean="0"/>
+              <a:rPr lang="en-US" dirty="0"/>
               <a:t>Type “help &lt;command&gt;” to get help</a:t>
             </a:r>
           </a:p>
           <a:p>
             <a:r>
-              <a:rPr lang="en-US" dirty="0" smtClean="0"/>
+              <a:rPr lang="en-US" dirty="0"/>
               <a:t>There’s a command for each of the tools in the tool palette.</a:t>
             </a:r>
           </a:p>
           <a:p>
             <a:r>
-              <a:rPr lang="en-US" dirty="0" smtClean="0"/>
+              <a:rPr lang="en-US" dirty="0"/>
               <a:t>Useful commands for routing</a:t>
             </a:r>
           </a:p>
           <a:p>
             <a:pPr lvl="1"/>
             <a:r>
-              <a:rPr lang="en-US" dirty="0" smtClean="0"/>
+              <a:rPr lang="en-US" dirty="0"/>
               <a:t>Auto – run the auto router</a:t>
             </a:r>
           </a:p>
           <a:p>
             <a:pPr lvl="1"/>
             <a:r>
-              <a:rPr lang="en-US" dirty="0" err="1" smtClean="0"/>
+              <a:rPr lang="en-US" dirty="0" err="1"/>
               <a:t>Ripup</a:t>
             </a:r>
             <a:r>
-              <a:rPr lang="en-US" dirty="0" smtClean="0"/>
+              <a:rPr lang="en-US" dirty="0"/>
               <a:t> – </a:t>
             </a:r>
             <a:r>
-              <a:rPr lang="en-US" dirty="0" err="1" smtClean="0"/>
+              <a:rPr lang="en-US" dirty="0" err="1"/>
               <a:t>unroute</a:t>
             </a:r>
             <a:r>
-              <a:rPr lang="en-US" dirty="0" smtClean="0"/>
+              <a:rPr lang="en-US" dirty="0"/>
               <a:t> signals</a:t>
             </a:r>
           </a:p>
           <a:p>
             <a:pPr lvl="1"/>
             <a:r>
-              <a:rPr lang="en-US" dirty="0" smtClean="0"/>
+              <a:rPr lang="en-US" dirty="0"/>
               <a:t>Show – Highlight a net or part</a:t>
             </a:r>
           </a:p>
           <a:p>
             <a:pPr lvl="1"/>
-            <a:endParaRPr lang="en-US" dirty="0" smtClean="0"/>
+            <a:endParaRPr lang="en-US" dirty="0"/>
           </a:p>
         </p:txBody>
       </p:sp>
@@ -12183,21 +12313,6 @@
   <p:clrMapOvr>
     <a:masterClrMapping/>
   </p:clrMapOvr>
-  <mc:AlternateContent xmlns:mc="http://schemas.openxmlformats.org/markup-compatibility/2006">
-    <mc:Choice xmlns:p14="http://schemas.microsoft.com/office/powerpoint/2010/main" Requires="p14">
-      <p:transition spd="slow" p14:dur="2000"/>
-    </mc:Choice>
-    <mc:Fallback>
-      <p:transition xmlns:p14="http://schemas.microsoft.com/office/powerpoint/2010/main" spd="slow"/>
-    </mc:Fallback>
-  </mc:AlternateContent>
-  <p:timing>
-    <p:tnLst>
-      <p:par>
-        <p:cTn xmlns:p14="http://schemas.microsoft.com/office/powerpoint/2010/main" id="1" dur="indefinite" restart="never" nodeType="tmRoot"/>
-      </p:par>
-    </p:tnLst>
-  </p:timing>
 </p:sld>
 </file>
 
@@ -12234,10 +12349,9 @@
           <a:lstStyle/>
           <a:p>
             <a:r>
-              <a:rPr lang="en-US" dirty="0" smtClean="0"/>
+              <a:rPr lang="en-US" dirty="0"/>
               <a:t>Eagle Libraries</a:t>
             </a:r>
-            <a:endParaRPr lang="en-US" dirty="0"/>
           </a:p>
         </p:txBody>
       </p:sp>
@@ -12270,13 +12384,6 @@
   <p:clrMapOvr>
     <a:masterClrMapping/>
   </p:clrMapOvr>
-  <p:timing>
-    <p:tnLst>
-      <p:par>
-        <p:cTn xmlns:p14="http://schemas.microsoft.com/office/powerpoint/2010/main" id="1" dur="indefinite" restart="never" nodeType="tmRoot"/>
-      </p:par>
-    </p:tnLst>
-  </p:timing>
 </p:sld>
 </file>
 
@@ -12313,10 +12420,9 @@
           <a:lstStyle/>
           <a:p>
             <a:r>
-              <a:rPr lang="en-US" dirty="0" smtClean="0"/>
+              <a:rPr lang="en-US" dirty="0"/>
               <a:t>Libraries</a:t>
             </a:r>
-            <a:endParaRPr lang="en-US" dirty="0"/>
           </a:p>
         </p:txBody>
       </p:sp>
@@ -12336,34 +12442,34 @@
           <a:lstStyle/>
           <a:p>
             <a:r>
-              <a:rPr lang="en-US" dirty="0" smtClean="0"/>
+              <a:rPr lang="en-US" dirty="0"/>
               <a:t>Libraries define the parts you can add to a PCB</a:t>
             </a:r>
           </a:p>
           <a:p>
             <a:r>
-              <a:rPr lang="en-US" dirty="0" smtClean="0"/>
+              <a:rPr lang="en-US" dirty="0"/>
               <a:t>Eagle libraries contain 3 different kinds of entities</a:t>
             </a:r>
           </a:p>
           <a:p>
             <a:pPr lvl="1"/>
             <a:r>
-              <a:rPr lang="en-US" dirty="0" smtClean="0"/>
+              <a:rPr lang="en-US" dirty="0"/>
               <a:t>Schematic Symbols – The symbolic version of the part</a:t>
             </a:r>
           </a:p>
           <a:p>
             <a:pPr lvl="1"/>
             <a:r>
-              <a:rPr lang="en-US" dirty="0" smtClean="0"/>
+              <a:rPr lang="en-US" dirty="0"/>
               <a:t>Package – The physical description of the part and how it should appear on the board</a:t>
             </a:r>
           </a:p>
           <a:p>
             <a:pPr lvl="1"/>
             <a:r>
-              <a:rPr lang="en-US" dirty="0" smtClean="0"/>
+              <a:rPr lang="en-US" dirty="0"/>
               <a:t>Device – A combination of a package and a schematic</a:t>
             </a:r>
           </a:p>
@@ -12379,13 +12485,6 @@
   <p:clrMapOvr>
     <a:masterClrMapping/>
   </p:clrMapOvr>
-  <p:timing>
-    <p:tnLst>
-      <p:par>
-        <p:cTn xmlns:p14="http://schemas.microsoft.com/office/powerpoint/2010/main" id="1" dur="indefinite" restart="never" nodeType="tmRoot"/>
-      </p:par>
-    </p:tnLst>
-  </p:timing>
 </p:sld>
 </file>
 
@@ -12422,10 +12521,9 @@
           <a:lstStyle/>
           <a:p>
             <a:r>
-              <a:rPr lang="en-US" dirty="0" smtClean="0"/>
+              <a:rPr lang="en-US" dirty="0"/>
               <a:t>Example:  A Resistor</a:t>
             </a:r>
-            <a:endParaRPr lang="en-US" dirty="0"/>
           </a:p>
         </p:txBody>
       </p:sp>
@@ -12452,70 +12550,70 @@
           <a:lstStyle/>
           <a:p>
             <a:r>
-              <a:rPr lang="en-US" dirty="0" smtClean="0"/>
+              <a:rPr lang="en-US" dirty="0"/>
               <a:t>Schematic symbol</a:t>
             </a:r>
           </a:p>
           <a:p>
             <a:r>
-              <a:rPr lang="en-US" dirty="0" smtClean="0"/>
+              <a:rPr lang="en-US" dirty="0"/>
               <a:t>Has the standard resistor “</a:t>
             </a:r>
             <a:r>
-              <a:rPr lang="en-US" dirty="0" err="1" smtClean="0"/>
+              <a:rPr lang="en-US" dirty="0" err="1"/>
               <a:t>zig</a:t>
             </a:r>
             <a:r>
-              <a:rPr lang="en-US" dirty="0" smtClean="0"/>
+              <a:rPr lang="en-US" dirty="0"/>
               <a:t> </a:t>
             </a:r>
             <a:r>
-              <a:rPr lang="en-US" dirty="0" err="1" smtClean="0"/>
+              <a:rPr lang="en-US" dirty="0" err="1"/>
               <a:t>zag</a:t>
             </a:r>
             <a:r>
-              <a:rPr lang="en-US" dirty="0" smtClean="0"/>
+              <a:rPr lang="en-US" dirty="0"/>
               <a:t>”</a:t>
             </a:r>
           </a:p>
           <a:p>
             <a:r>
-              <a:rPr lang="en-US" dirty="0" smtClean="0"/>
+              <a:rPr lang="en-US" dirty="0"/>
               <a:t>Two ‘pins’ </a:t>
             </a:r>
           </a:p>
           <a:p>
             <a:pPr lvl="1"/>
             <a:r>
-              <a:rPr lang="en-US" dirty="0" smtClean="0"/>
+              <a:rPr lang="en-US" dirty="0"/>
               <a:t>Pas 1</a:t>
             </a:r>
           </a:p>
           <a:p>
             <a:pPr lvl="1"/>
             <a:r>
-              <a:rPr lang="en-US" dirty="0" smtClean="0"/>
+              <a:rPr lang="en-US" dirty="0"/>
               <a:t>Pas 2</a:t>
             </a:r>
           </a:p>
           <a:p>
             <a:r>
-              <a:rPr lang="en-US" dirty="0" smtClean="0"/>
+              <a:rPr lang="en-US" dirty="0"/>
               <a:t>And place holders for documentation</a:t>
             </a:r>
           </a:p>
           <a:p>
             <a:pPr lvl="1"/>
             <a:r>
-              <a:rPr lang="en-US" dirty="0" smtClean="0"/>
-              <a:t>NAME – e.g. “R6”</a:t>
+              <a:rPr lang="en-US" dirty="0"/>
+              <a:t>&gt;NAME – e.g. “R6”</a:t>
             </a:r>
           </a:p>
           <a:p>
             <a:pPr lvl="1"/>
             <a:r>
-              <a:rPr lang="en-US" dirty="0" smtClean="0"/>
-              <a:t>VALUE – e.g. “200Ohms”</a:t>
+              <a:rPr lang="en-US" dirty="0"/>
+              <a:t>&gt;VALUE – e.g. “200Ohms”</a:t>
             </a:r>
           </a:p>
           <a:p>
@@ -12557,13 +12655,6 @@
   <p:clrMapOvr>
     <a:masterClrMapping/>
   </p:clrMapOvr>
-  <p:timing>
-    <p:tnLst>
-      <p:par>
-        <p:cTn xmlns:p14="http://schemas.microsoft.com/office/powerpoint/2010/main" id="1" dur="indefinite" restart="never" nodeType="tmRoot"/>
-      </p:par>
-    </p:tnLst>
-  </p:timing>
 </p:sld>
 </file>
 
@@ -12600,10 +12691,9 @@
           <a:lstStyle/>
           <a:p>
             <a:r>
-              <a:rPr lang="en-US" dirty="0" smtClean="0"/>
+              <a:rPr lang="en-US" dirty="0"/>
               <a:t>Example:  A Resistor</a:t>
             </a:r>
-            <a:endParaRPr lang="en-US" dirty="0"/>
           </a:p>
         </p:txBody>
       </p:sp>
@@ -12630,64 +12720,64 @@
           <a:lstStyle/>
           <a:p>
             <a:r>
-              <a:rPr lang="en-US" dirty="0" smtClean="0"/>
+              <a:rPr lang="en-US" dirty="0"/>
               <a:t>Package</a:t>
             </a:r>
           </a:p>
           <a:p>
             <a:r>
-              <a:rPr lang="en-US" dirty="0" smtClean="0"/>
+              <a:rPr lang="en-US" dirty="0"/>
               <a:t>¼ Watt </a:t>
             </a:r>
             <a:r>
-              <a:rPr lang="en-US" dirty="0" err="1" smtClean="0"/>
+              <a:rPr lang="en-US" dirty="0" err="1"/>
               <a:t>Yageo</a:t>
             </a:r>
             <a:r>
-              <a:rPr lang="en-US" dirty="0" smtClean="0"/>
+              <a:rPr lang="en-US" dirty="0"/>
               <a:t> CFR Series through hole resistor</a:t>
             </a:r>
           </a:p>
           <a:p>
             <a:r>
-              <a:rPr lang="en-US" dirty="0" smtClean="0"/>
+              <a:rPr lang="en-US" dirty="0"/>
               <a:t>Two “pads” (through holes)</a:t>
             </a:r>
           </a:p>
           <a:p>
             <a:r>
-              <a:rPr lang="en-US" dirty="0" smtClean="0"/>
+              <a:rPr lang="en-US" dirty="0"/>
               <a:t>Silkscreen documentation</a:t>
             </a:r>
           </a:p>
           <a:p>
             <a:pPr lvl="1"/>
             <a:r>
-              <a:rPr lang="en-US" dirty="0" smtClean="0"/>
+              <a:rPr lang="en-US" dirty="0"/>
               <a:t>Outline</a:t>
             </a:r>
           </a:p>
           <a:p>
             <a:pPr lvl="1"/>
             <a:r>
-              <a:rPr lang="en-US" dirty="0" smtClean="0"/>
+              <a:rPr lang="en-US" dirty="0"/>
               <a:t>Name</a:t>
             </a:r>
           </a:p>
           <a:p>
             <a:r>
-              <a:rPr lang="en-US" dirty="0" smtClean="0"/>
+              <a:rPr lang="en-US" dirty="0"/>
               <a:t>Keep out area – Where other parts should not be!</a:t>
             </a:r>
           </a:p>
           <a:p>
-            <a:endParaRPr lang="en-US" dirty="0" smtClean="0"/>
-          </a:p>
-          <a:p>
-            <a:endParaRPr lang="en-US" dirty="0" smtClean="0"/>
-          </a:p>
-          <a:p>
-            <a:endParaRPr lang="en-US" dirty="0" smtClean="0"/>
+            <a:endParaRPr lang="en-US" dirty="0"/>
+          </a:p>
+          <a:p>
+            <a:endParaRPr lang="en-US" dirty="0"/>
+          </a:p>
+          <a:p>
+            <a:endParaRPr lang="en-US" dirty="0"/>
           </a:p>
           <a:p>
             <a:endParaRPr lang="en-US" dirty="0"/>
@@ -12796,13 +12886,6 @@
   <p:clrMapOvr>
     <a:masterClrMapping/>
   </p:clrMapOvr>
-  <p:timing>
-    <p:tnLst>
-      <p:par>
-        <p:cTn xmlns:p14="http://schemas.microsoft.com/office/powerpoint/2010/main" id="1" dur="indefinite" restart="never" nodeType="tmRoot"/>
-      </p:par>
-    </p:tnLst>
-  </p:timing>
 </p:sld>
 </file>
 
@@ -12839,10 +12922,9 @@
           <a:lstStyle/>
           <a:p>
             <a:r>
-              <a:rPr lang="en-US" dirty="0" smtClean="0"/>
-              <a:t>Example A Resistor</a:t>
-            </a:r>
-            <a:endParaRPr lang="en-US" dirty="0"/>
+              <a:rPr lang="en-US" dirty="0"/>
+              <a:t>Example: A Resistor</a:t>
+            </a:r>
           </a:p>
         </p:txBody>
       </p:sp>
@@ -12869,40 +12951,40 @@
           <a:lstStyle/>
           <a:p>
             <a:r>
-              <a:rPr lang="en-US" dirty="0" smtClean="0"/>
+              <a:rPr lang="en-US" dirty="0"/>
               <a:t>The Device</a:t>
             </a:r>
           </a:p>
           <a:p>
             <a:r>
-              <a:rPr lang="en-US" dirty="0" smtClean="0"/>
+              <a:rPr lang="en-US" dirty="0"/>
               <a:t>Maps the symbol to the package</a:t>
             </a:r>
           </a:p>
           <a:p>
             <a:r>
-              <a:rPr lang="en-US" dirty="0" smtClean="0"/>
+              <a:rPr lang="en-US" dirty="0"/>
               <a:t>There can be multiple “variants”</a:t>
             </a:r>
           </a:p>
           <a:p>
             <a:pPr lvl="1"/>
             <a:r>
-              <a:rPr lang="en-US" dirty="0" smtClean="0"/>
+              <a:rPr lang="en-US" dirty="0"/>
               <a:t>Different packages</a:t>
             </a:r>
           </a:p>
           <a:p>
             <a:pPr lvl="1"/>
             <a:r>
-              <a:rPr lang="en-US" dirty="0" smtClean="0"/>
+              <a:rPr lang="en-US" dirty="0"/>
               <a:t>Same symbol</a:t>
             </a:r>
           </a:p>
           <a:p>
             <a:pPr lvl="1"/>
             <a:r>
-              <a:rPr lang="en-US" dirty="0" smtClean="0"/>
+              <a:rPr lang="en-US" dirty="0"/>
               <a:t>Same kind of device</a:t>
             </a:r>
           </a:p>
@@ -12945,13 +13027,6 @@
   <p:clrMapOvr>
     <a:masterClrMapping/>
   </p:clrMapOvr>
-  <p:timing>
-    <p:tnLst>
-      <p:par>
-        <p:cTn xmlns:p14="http://schemas.microsoft.com/office/powerpoint/2010/main" id="1" dur="indefinite" restart="never" nodeType="tmRoot"/>
-      </p:par>
-    </p:tnLst>
-  </p:timing>
 </p:sld>
 </file>
 
@@ -12988,10 +13063,9 @@
           <a:lstStyle/>
           <a:p>
             <a:r>
-              <a:rPr lang="en-US" dirty="0" smtClean="0"/>
+              <a:rPr lang="en-US" dirty="0"/>
               <a:t>Layers In Packages</a:t>
             </a:r>
-            <a:endParaRPr lang="en-US" dirty="0"/>
           </a:p>
         </p:txBody>
       </p:sp>
@@ -13011,24 +13085,21 @@
           <a:lstStyle/>
           <a:p>
             <a:r>
-              <a:rPr lang="en-US" dirty="0" smtClean="0"/>
+              <a:rPr lang="en-US" dirty="0"/>
               <a:t>Packages have the same layers as boards.</a:t>
             </a:r>
-            <a:endParaRPr lang="en-US" dirty="0"/>
-          </a:p>
-          <a:p>
-            <a:r>
-              <a:rPr lang="en-US" dirty="0" smtClean="0"/>
+          </a:p>
+          <a:p>
+            <a:r>
+              <a:rPr lang="en-US" dirty="0"/>
               <a:t>For packages “t” means device side, “b” means opposite side.</a:t>
             </a:r>
-            <a:endParaRPr lang="en-US" dirty="0"/>
-          </a:p>
-          <a:p>
-            <a:r>
-              <a:rPr lang="en-US" dirty="0" smtClean="0"/>
+          </a:p>
+          <a:p>
+            <a:r>
+              <a:rPr lang="en-US" dirty="0"/>
               <a:t>If you put the devices on the back side of the board (i.e., “mirror” them), “t” and “b” will swap.</a:t>
             </a:r>
-            <a:endParaRPr lang="en-US" dirty="0"/>
           </a:p>
         </p:txBody>
       </p:sp>
@@ -13042,13 +13113,6 @@
   <p:clrMapOvr>
     <a:masterClrMapping/>
   </p:clrMapOvr>
-  <p:timing>
-    <p:tnLst>
-      <p:par>
-        <p:cTn xmlns:p14="http://schemas.microsoft.com/office/powerpoint/2010/main" id="1" dur="indefinite" restart="never" nodeType="tmRoot"/>
-      </p:par>
-    </p:tnLst>
-  </p:timing>
 </p:sld>
 </file>
 
@@ -13085,10 +13149,9 @@
           <a:lstStyle/>
           <a:p>
             <a:r>
-              <a:rPr lang="en-US" dirty="0" smtClean="0"/>
+              <a:rPr lang="en-US" dirty="0"/>
               <a:t>Schematic Capture	</a:t>
             </a:r>
-            <a:endParaRPr lang="en-US" dirty="0"/>
           </a:p>
         </p:txBody>
       </p:sp>
@@ -13121,13 +13184,6 @@
   <p:clrMapOvr>
     <a:masterClrMapping/>
   </p:clrMapOvr>
-  <p:timing>
-    <p:tnLst>
-      <p:par>
-        <p:cTn xmlns:p14="http://schemas.microsoft.com/office/powerpoint/2010/main" id="1" dur="indefinite" restart="never" nodeType="tmRoot"/>
-      </p:par>
-    </p:tnLst>
-  </p:timing>
 </p:sld>
 </file>
 
@@ -13164,10 +13220,9 @@
           <a:lstStyle/>
           <a:p>
             <a:r>
-              <a:rPr lang="en-US" dirty="0" smtClean="0"/>
+              <a:rPr lang="en-US" dirty="0"/>
               <a:t>Schematics Goals</a:t>
             </a:r>
-            <a:endParaRPr lang="en-US" dirty="0"/>
           </a:p>
         </p:txBody>
       </p:sp>
@@ -13187,19 +13242,19 @@
           <a:lstStyle/>
           <a:p>
             <a:r>
-              <a:rPr lang="en-US" dirty="0" smtClean="0"/>
+              <a:rPr lang="en-US" dirty="0"/>
               <a:t>Determine what components your PCB will hold</a:t>
             </a:r>
           </a:p>
           <a:p>
             <a:r>
-              <a:rPr lang="en-US" dirty="0" smtClean="0"/>
+              <a:rPr lang="en-US" dirty="0"/>
               <a:t>Define the electrical connectivity between those components</a:t>
             </a:r>
           </a:p>
           <a:p>
             <a:r>
-              <a:rPr lang="en-US" dirty="0" smtClean="0"/>
+              <a:rPr lang="en-US" dirty="0"/>
               <a:t>Specify some metadata about the parts</a:t>
             </a:r>
           </a:p>
@@ -13254,10 +13309,9 @@
           <a:lstStyle/>
           <a:p>
             <a:r>
-              <a:rPr lang="en-US" dirty="0" smtClean="0"/>
+              <a:rPr lang="en-US" dirty="0"/>
               <a:t>Schematic Example</a:t>
             </a:r>
-            <a:endParaRPr lang="en-US" dirty="0"/>
           </a:p>
         </p:txBody>
       </p:sp>
@@ -13286,7 +13340,7 @@
             </a:r>
             <a:r>
               <a:rPr lang="en-US" dirty="0"/>
-              <a:t>/UCSD/Teaching/17sp-190/</a:t>
+              <a:t>/UCSD/Teaching/18sp-190/</a:t>
             </a:r>
             <a:r>
               <a:rPr lang="en-US" dirty="0" err="1"/>
@@ -13294,24 +13348,8 @@
             </a:r>
             <a:r>
               <a:rPr lang="en-US" dirty="0"/>
-              <a:t>-Resources/Lecture\ Slides/Examples/</a:t>
-            </a:r>
-            <a:r>
-              <a:rPr lang="en-US" dirty="0" err="1"/>
-              <a:t>Myduino</a:t>
-            </a:r>
-            <a:r>
-              <a:rPr lang="en-US" dirty="0"/>
-              <a:t>/</a:t>
-            </a:r>
-            <a:r>
-              <a:rPr lang="en-US" dirty="0" err="1"/>
-              <a:t>Myduino.sch</a:t>
-            </a:r>
-            <a:endParaRPr lang="en-US" dirty="0"/>
-          </a:p>
-          <a:p>
-            <a:endParaRPr lang="en-US" dirty="0"/>
+              <a:t>-Resources/Lecture\ Slides/Examples/ATmega128RFA1-DevBoard/ATmega128RFA1-DevBoard.sch</a:t>
+            </a:r>
           </a:p>
         </p:txBody>
       </p:sp>
@@ -13361,10 +13399,9 @@
           <a:lstStyle/>
           <a:p>
             <a:r>
-              <a:rPr lang="en-US" dirty="0" smtClean="0"/>
+              <a:rPr lang="en-US" dirty="0"/>
               <a:t>Eagle Pitfalls</a:t>
             </a:r>
-            <a:endParaRPr lang="en-US" dirty="0"/>
           </a:p>
         </p:txBody>
       </p:sp>
@@ -13384,30 +13421,29 @@
           <a:lstStyle/>
           <a:p>
             <a:r>
-              <a:rPr lang="en-US" dirty="0" smtClean="0"/>
-              <a:t>Always edit schematics with your grid set to 0.1”</a:t>
-            </a:r>
-          </a:p>
-          <a:p>
-            <a:r>
-              <a:rPr lang="en-US" dirty="0" smtClean="0"/>
+              <a:rPr lang="en-US" dirty="0"/>
+              <a:t>Always edit schematics with your grid set to 0.1” or 0.05” – ALWAYS!!!</a:t>
+            </a:r>
+          </a:p>
+          <a:p>
+            <a:r>
+              <a:rPr lang="en-US" dirty="0"/>
               <a:t>Wires/pins can look connected but not be.</a:t>
             </a:r>
           </a:p>
           <a:p>
             <a:pPr lvl="1"/>
             <a:r>
-              <a:rPr lang="en-US" dirty="0" smtClean="0"/>
+              <a:rPr lang="en-US" dirty="0"/>
               <a:t>‘Wiggle’ parts to make sure wires move with them.</a:t>
             </a:r>
           </a:p>
           <a:p>
             <a:pPr lvl="1"/>
             <a:r>
-              <a:rPr lang="en-US" dirty="0" smtClean="0"/>
+              <a:rPr lang="en-US" dirty="0"/>
               <a:t>Check for the green dot.</a:t>
             </a:r>
-            <a:endParaRPr lang="en-US" dirty="0"/>
           </a:p>
         </p:txBody>
       </p:sp>
@@ -13457,10 +13493,9 @@
           <a:lstStyle/>
           <a:p>
             <a:r>
-              <a:rPr lang="en-US" dirty="0" smtClean="0"/>
+              <a:rPr lang="en-US" dirty="0"/>
               <a:t>PCBs are Made of Layers</a:t>
             </a:r>
-            <a:endParaRPr lang="en-US" dirty="0"/>
           </a:p>
         </p:txBody>
       </p:sp>
@@ -13487,32 +13522,31 @@
           <a:lstStyle/>
           <a:p>
             <a:r>
-              <a:rPr lang="en-US" dirty="0" smtClean="0"/>
+              <a:rPr lang="en-US" dirty="0"/>
               <a:t>Silkscreen – documentation labels</a:t>
             </a:r>
           </a:p>
           <a:p>
             <a:r>
-              <a:rPr lang="en-US" dirty="0" smtClean="0"/>
+              <a:rPr lang="en-US" dirty="0"/>
               <a:t>Metal – for making wires</a:t>
             </a:r>
           </a:p>
           <a:p>
             <a:r>
-              <a:rPr lang="en-US" dirty="0" err="1" smtClean="0"/>
+              <a:rPr lang="en-US" dirty="0" err="1"/>
               <a:t>Dialectric</a:t>
             </a:r>
             <a:r>
-              <a:rPr lang="en-US" dirty="0" smtClean="0"/>
+              <a:rPr lang="en-US" dirty="0"/>
               <a:t> – insulation and structure</a:t>
             </a:r>
           </a:p>
           <a:p>
             <a:r>
-              <a:rPr lang="en-US" dirty="0" smtClean="0"/>
+              <a:rPr lang="en-US" dirty="0"/>
               <a:t>Solder mask – protective outer coating</a:t>
             </a:r>
-            <a:endParaRPr lang="en-US" dirty="0"/>
           </a:p>
         </p:txBody>
       </p:sp>
@@ -13550,13 +13584,6 @@
   <p:clrMapOvr>
     <a:masterClrMapping/>
   </p:clrMapOvr>
-  <p:timing>
-    <p:tnLst>
-      <p:par>
-        <p:cTn xmlns:p14="http://schemas.microsoft.com/office/powerpoint/2010/main" id="1" dur="indefinite" restart="never" nodeType="tmRoot"/>
-      </p:par>
-    </p:tnLst>
-  </p:timing>
 </p:sld>
 </file>
 
@@ -13593,10 +13620,9 @@
           <a:lstStyle/>
           <a:p>
             <a:r>
-              <a:rPr lang="en-US" dirty="0" smtClean="0"/>
+              <a:rPr lang="en-US" dirty="0"/>
               <a:t>Board Layout</a:t>
             </a:r>
-            <a:endParaRPr lang="en-US" dirty="0"/>
           </a:p>
         </p:txBody>
       </p:sp>
@@ -13629,13 +13655,6 @@
   <p:clrMapOvr>
     <a:masterClrMapping/>
   </p:clrMapOvr>
-  <p:timing>
-    <p:tnLst>
-      <p:par>
-        <p:cTn xmlns:p14="http://schemas.microsoft.com/office/powerpoint/2010/main" id="1" dur="indefinite" restart="never" nodeType="tmRoot"/>
-      </p:par>
-    </p:tnLst>
-  </p:timing>
 </p:sld>
 </file>
 
@@ -13672,10 +13691,9 @@
           <a:lstStyle/>
           <a:p>
             <a:r>
-              <a:rPr lang="en-US" dirty="0" smtClean="0"/>
+              <a:rPr lang="en-US" dirty="0"/>
               <a:t>Board Layout Goals</a:t>
             </a:r>
-            <a:endParaRPr lang="en-US" dirty="0"/>
           </a:p>
         </p:txBody>
       </p:sp>
@@ -13697,52 +13715,52 @@
           <a:lstStyle/>
           <a:p>
             <a:r>
-              <a:rPr lang="en-US" dirty="0" smtClean="0"/>
+              <a:rPr lang="en-US" dirty="0"/>
               <a:t>Mechanical constraints – Some things need to be in specific locations</a:t>
             </a:r>
           </a:p>
           <a:p>
             <a:r>
-              <a:rPr lang="en-US" dirty="0" smtClean="0"/>
+              <a:rPr lang="en-US" dirty="0"/>
               <a:t>Electrical constraints – Does the layout meet signal integrity/EM requirements</a:t>
             </a:r>
           </a:p>
           <a:p>
             <a:pPr lvl="1"/>
             <a:r>
-              <a:rPr lang="en-US" dirty="0" smtClean="0"/>
+              <a:rPr lang="en-US" dirty="0"/>
               <a:t>Will digital interference mess up the antenna?</a:t>
             </a:r>
           </a:p>
           <a:p>
             <a:pPr lvl="1"/>
             <a:r>
-              <a:rPr lang="en-US" dirty="0" smtClean="0"/>
+              <a:rPr lang="en-US" dirty="0"/>
               <a:t>Are decoupling caps near IC Supply pins?</a:t>
             </a:r>
           </a:p>
           <a:p>
             <a:pPr lvl="1"/>
             <a:r>
-              <a:rPr lang="en-US" dirty="0" smtClean="0"/>
+              <a:rPr lang="en-US" dirty="0"/>
               <a:t>Keep the noisy power/ground for the motors away from the digital logic.</a:t>
             </a:r>
           </a:p>
           <a:p>
             <a:r>
-              <a:rPr lang="en-US" dirty="0" smtClean="0"/>
+              <a:rPr lang="en-US" dirty="0"/>
               <a:t>Correctness – things don’t overlap or hang off the board.</a:t>
             </a:r>
           </a:p>
           <a:p>
             <a:r>
-              <a:rPr lang="en-US" dirty="0" smtClean="0"/>
+              <a:rPr lang="en-US" dirty="0"/>
               <a:t>Ease of routing – Connected items should be physically close.</a:t>
             </a:r>
           </a:p>
           <a:p>
             <a:r>
-              <a:rPr lang="en-US" dirty="0" smtClean="0"/>
+              <a:rPr lang="en-US" dirty="0"/>
               <a:t>Make it pretty – you want a nice looking board</a:t>
             </a:r>
             <a:endParaRPr lang="en-US" dirty="0">
@@ -13751,7 +13769,7 @@
           </a:p>
           <a:p>
             <a:r>
-              <a:rPr lang="en-US" dirty="0" smtClean="0">
+              <a:rPr lang="en-US" dirty="0">
                 <a:sym typeface="Wingdings"/>
               </a:rPr>
               <a:t>Potentially other, design-specific requirements</a:t>
@@ -13761,7 +13779,7 @@
             <a:pPr marL="0" indent="0">
               <a:buNone/>
             </a:pPr>
-            <a:endParaRPr lang="en-US" dirty="0" smtClean="0"/>
+            <a:endParaRPr lang="en-US" dirty="0"/>
           </a:p>
         </p:txBody>
       </p:sp>
@@ -13775,13 +13793,6 @@
   <p:clrMapOvr>
     <a:masterClrMapping/>
   </p:clrMapOvr>
-  <p:timing>
-    <p:tnLst>
-      <p:par>
-        <p:cTn xmlns:p14="http://schemas.microsoft.com/office/powerpoint/2010/main" id="1" dur="indefinite" restart="never" nodeType="tmRoot"/>
-      </p:par>
-    </p:tnLst>
-  </p:timing>
 </p:sld>
 </file>
 
@@ -13818,10 +13829,9 @@
           <a:lstStyle/>
           <a:p>
             <a:r>
-              <a:rPr lang="en-US" dirty="0" smtClean="0"/>
+              <a:rPr lang="en-US" dirty="0"/>
               <a:t>Layout In Eagle</a:t>
             </a:r>
-            <a:endParaRPr lang="en-US" dirty="0"/>
           </a:p>
         </p:txBody>
       </p:sp>
@@ -13841,33 +13851,40 @@
           <a:lstStyle/>
           <a:p>
             <a:r>
-              <a:rPr lang="en-US" dirty="0" smtClean="0"/>
+              <a:rPr lang="en-US" dirty="0"/>
               <a:t>You can put things on the back of the board</a:t>
             </a:r>
           </a:p>
           <a:p>
             <a:pPr lvl="1"/>
             <a:r>
-              <a:rPr lang="en-US" dirty="0" smtClean="0"/>
+              <a:rPr lang="en-US" dirty="0"/>
               <a:t>Use the “Mirror” tool.</a:t>
             </a:r>
           </a:p>
           <a:p>
-            <a:r>
-              <a:rPr lang="en-US" dirty="0" smtClean="0"/>
+            <a:pPr lvl="1"/>
+            <a:r>
+              <a:rPr lang="en-US" dirty="0"/>
+              <a:t>This will make assembly harder.</a:t>
+            </a:r>
+          </a:p>
+          <a:p>
+            <a:r>
+              <a:rPr lang="en-US" dirty="0"/>
               <a:t>You can also move around the reference designator</a:t>
             </a:r>
           </a:p>
           <a:p>
             <a:pPr lvl="1"/>
             <a:r>
-              <a:rPr lang="en-US" dirty="0" smtClean="0"/>
+              <a:rPr lang="en-US" dirty="0"/>
               <a:t>Use the “squash” tool</a:t>
             </a:r>
           </a:p>
           <a:p>
             <a:r>
-              <a:rPr lang="en-US" dirty="0" smtClean="0"/>
+              <a:rPr lang="en-US" dirty="0"/>
               <a:t>You can rotate components with the rotate tool.</a:t>
             </a:r>
           </a:p>
@@ -13889,13 +13906,6 @@
   <p:clrMapOvr>
     <a:masterClrMapping/>
   </p:clrMapOvr>
-  <p:timing>
-    <p:tnLst>
-      <p:par>
-        <p:cTn xmlns:p14="http://schemas.microsoft.com/office/powerpoint/2010/main" id="1" dur="indefinite" restart="never" nodeType="tmRoot"/>
-      </p:par>
-    </p:tnLst>
-  </p:timing>
 </p:sld>
 </file>
 
@@ -13932,10 +13942,9 @@
           <a:lstStyle/>
           <a:p>
             <a:r>
-              <a:rPr lang="en-US" dirty="0" smtClean="0"/>
+              <a:rPr lang="en-US" dirty="0"/>
               <a:t>Layout Demo</a:t>
             </a:r>
-            <a:endParaRPr lang="en-US" dirty="0"/>
           </a:p>
         </p:txBody>
       </p:sp>
@@ -13964,7 +13973,7 @@
             </a:r>
             <a:r>
               <a:rPr lang="en-US" dirty="0"/>
-              <a:t>/UCSD/Teaching/17sp-190/</a:t>
+              <a:t>/UCSD/Teaching/18sp-190/</a:t>
             </a:r>
             <a:r>
               <a:rPr lang="en-US" dirty="0" err="1"/>
@@ -13972,25 +13981,8 @@
             </a:r>
             <a:r>
               <a:rPr lang="en-US" dirty="0"/>
-              <a:t>-Resources/Lecture\ Slides/Examples</a:t>
-            </a:r>
-            <a:r>
-              <a:rPr lang="en-US" dirty="0" smtClean="0"/>
-              <a:t>/</a:t>
-            </a:r>
-            <a:r>
-              <a:rPr lang="en-US" dirty="0" err="1" smtClean="0"/>
-              <a:t>Myduino</a:t>
-            </a:r>
-            <a:r>
-              <a:rPr lang="en-US" dirty="0" smtClean="0"/>
-              <a:t>/</a:t>
-            </a:r>
-            <a:r>
-              <a:rPr lang="en-US" dirty="0" err="1" smtClean="0"/>
-              <a:t>Myduino.sch</a:t>
-            </a:r>
-            <a:endParaRPr lang="en-US" dirty="0"/>
+              <a:t>-Resources/Lecture\ Slides/Examples/ATmega128RFA1-DevBoard/ATmega128RFA1-DevBoard-unplaced.brd</a:t>
+            </a:r>
           </a:p>
         </p:txBody>
       </p:sp>
@@ -14004,13 +13996,6 @@
   <p:clrMapOvr>
     <a:masterClrMapping/>
   </p:clrMapOvr>
-  <p:timing>
-    <p:tnLst>
-      <p:par>
-        <p:cTn xmlns:p14="http://schemas.microsoft.com/office/powerpoint/2010/main" id="1" dur="indefinite" restart="never" nodeType="tmRoot"/>
-      </p:par>
-    </p:tnLst>
-  </p:timing>
 </p:sld>
 </file>
 
@@ -14047,10 +14032,9 @@
           <a:lstStyle/>
           <a:p>
             <a:r>
-              <a:rPr lang="en-US" dirty="0" smtClean="0"/>
+              <a:rPr lang="en-US" dirty="0"/>
               <a:t>The Three Ways to Route</a:t>
             </a:r>
-            <a:endParaRPr lang="en-US" dirty="0"/>
           </a:p>
         </p:txBody>
       </p:sp>
@@ -14072,14 +14056,14 @@
           <a:lstStyle/>
           <a:p>
             <a:r>
-              <a:rPr lang="en-US" dirty="0" smtClean="0"/>
+              <a:rPr lang="en-US" dirty="0"/>
               <a:t>Manual</a:t>
             </a:r>
           </a:p>
           <a:p>
             <a:pPr lvl="1"/>
             <a:r>
-              <a:rPr lang="en-US" dirty="0" smtClean="0"/>
+              <a:rPr lang="en-US" dirty="0"/>
               <a:t>You can do anything you want (including things you shouldn’t)</a:t>
             </a:r>
           </a:p>
@@ -14093,37 +14077,33 @@
             <a:pPr lvl="1"/>
             <a:r>
               <a:rPr lang="en-US" dirty="0"/>
-              <a:t>Fully-automatic </a:t>
-            </a:r>
-            <a:r>
-              <a:rPr lang="en-US" dirty="0" smtClean="0"/>
-              <a:t>routing, subject to constraints that you can set.</a:t>
-            </a:r>
-          </a:p>
-          <a:p>
-            <a:r>
-              <a:rPr lang="en-US" dirty="0" smtClean="0"/>
+              <a:t>Fully-automatic routing, subject to constraints that you can set.</a:t>
+            </a:r>
+          </a:p>
+          <a:p>
+            <a:r>
+              <a:rPr lang="en-US" dirty="0"/>
               <a:t>“Follow me”</a:t>
             </a:r>
           </a:p>
           <a:p>
             <a:pPr lvl="1"/>
             <a:r>
-              <a:rPr lang="en-US" dirty="0" smtClean="0"/>
+              <a:rPr lang="en-US" dirty="0"/>
               <a:t>Assisted manual routing.  The router will enforce the constraints you set.</a:t>
             </a:r>
           </a:p>
           <a:p>
             <a:pPr lvl="1"/>
             <a:r>
-              <a:rPr lang="en-US" dirty="0" smtClean="0"/>
+              <a:rPr lang="en-US" dirty="0"/>
               <a:t>Subject configurable cost functions.</a:t>
             </a:r>
           </a:p>
           <a:p>
             <a:pPr lvl="1"/>
             <a:r>
-              <a:rPr lang="en-US" dirty="0" smtClean="0"/>
+              <a:rPr lang="en-US" dirty="0"/>
               <a:t>More control.</a:t>
             </a:r>
           </a:p>
@@ -14175,10 +14155,9 @@
           <a:lstStyle/>
           <a:p>
             <a:r>
-              <a:rPr lang="en-US" dirty="0" smtClean="0"/>
+              <a:rPr lang="en-US" dirty="0"/>
               <a:t>Manual Routing Demo</a:t>
             </a:r>
-            <a:endParaRPr lang="en-US" dirty="0"/>
           </a:p>
         </p:txBody>
       </p:sp>
@@ -14247,10 +14226,9 @@
           <a:lstStyle/>
           <a:p>
             <a:r>
-              <a:rPr lang="en-US" dirty="0" smtClean="0"/>
+              <a:rPr lang="en-US" dirty="0"/>
               <a:t>Auto Router</a:t>
             </a:r>
-            <a:endParaRPr lang="en-US" dirty="0"/>
           </a:p>
         </p:txBody>
       </p:sp>
@@ -14267,94 +14245,101 @@
         <p:spPr/>
         <p:txBody>
           <a:bodyPr>
-            <a:normAutofit fontScale="70000" lnSpcReduction="20000"/>
+            <a:normAutofit fontScale="62500" lnSpcReduction="20000"/>
           </a:bodyPr>
           <a:lstStyle/>
           <a:p>
             <a:r>
-              <a:rPr lang="en-US" dirty="0" smtClean="0"/>
+              <a:rPr lang="en-US" dirty="0"/>
               <a:t>Mixed reputation</a:t>
             </a:r>
           </a:p>
           <a:p>
             <a:pPr lvl="1"/>
             <a:r>
-              <a:rPr lang="en-US" dirty="0" smtClean="0"/>
+              <a:rPr lang="en-US" dirty="0"/>
               <a:t>It can’t do everything</a:t>
             </a:r>
           </a:p>
           <a:p>
             <a:pPr lvl="1"/>
             <a:r>
-              <a:rPr lang="en-US" dirty="0" smtClean="0"/>
+              <a:rPr lang="en-US" dirty="0"/>
               <a:t>Sometimes it does a bad job</a:t>
             </a:r>
           </a:p>
           <a:p>
             <a:pPr lvl="1"/>
             <a:r>
-              <a:rPr lang="en-US" dirty="0" smtClean="0"/>
+              <a:rPr lang="en-US" dirty="0"/>
               <a:t>When it works, it’s great.</a:t>
             </a:r>
           </a:p>
           <a:p>
-            <a:r>
-              <a:rPr lang="en-US" dirty="0" smtClean="0"/>
+            <a:pPr lvl="1"/>
+            <a:r>
+              <a:rPr lang="en-US" dirty="0"/>
+              <a:t>Usually it needs some touch up.</a:t>
+            </a:r>
+          </a:p>
+          <a:p>
+            <a:r>
+              <a:rPr lang="en-US" dirty="0"/>
               <a:t>Net classes (“Edit-&gt;Net Classes…”)</a:t>
             </a:r>
           </a:p>
           <a:p>
             <a:pPr lvl="1"/>
             <a:r>
-              <a:rPr lang="en-US" dirty="0" smtClean="0"/>
+              <a:rPr lang="en-US" dirty="0"/>
               <a:t>Lets you set parameters for different kinds of nets (mostly width and clearances)</a:t>
             </a:r>
           </a:p>
           <a:p>
             <a:r>
-              <a:rPr lang="en-US" dirty="0" smtClean="0"/>
+              <a:rPr lang="en-US" dirty="0"/>
               <a:t>Lots of parameters to mess around with </a:t>
             </a:r>
           </a:p>
           <a:p>
             <a:pPr lvl="1"/>
             <a:r>
-              <a:rPr lang="en-US" dirty="0" smtClean="0"/>
+              <a:rPr lang="en-US" dirty="0"/>
               <a:t>Optimization phases</a:t>
             </a:r>
           </a:p>
           <a:p>
             <a:pPr lvl="1"/>
             <a:r>
-              <a:rPr lang="en-US" dirty="0" smtClean="0"/>
+              <a:rPr lang="en-US" dirty="0"/>
               <a:t>Routing grids </a:t>
             </a:r>
           </a:p>
           <a:p>
             <a:pPr lvl="1"/>
             <a:r>
-              <a:rPr lang="en-US" dirty="0" smtClean="0"/>
+              <a:rPr lang="en-US" dirty="0"/>
               <a:t>Effort levels</a:t>
             </a:r>
           </a:p>
           <a:p>
             <a:pPr lvl="1"/>
             <a:r>
-              <a:rPr lang="en-US" dirty="0" smtClean="0"/>
+              <a:rPr lang="en-US" dirty="0"/>
               <a:t>Concurrency</a:t>
             </a:r>
           </a:p>
           <a:p>
             <a:pPr lvl="1"/>
             <a:r>
-              <a:rPr lang="en-US" dirty="0" smtClean="0"/>
+              <a:rPr lang="en-US" dirty="0"/>
               <a:t>Staged routing</a:t>
             </a:r>
           </a:p>
           <a:p>
             <a:pPr lvl="1"/>
             <a:r>
-              <a:rPr lang="en-US" dirty="0" smtClean="0"/>
+              <a:rPr lang="en-US" dirty="0"/>
               <a:t>Checkout the Eagle Manual</a:t>
             </a:r>
           </a:p>
@@ -14410,10 +14395,9 @@
           <a:lstStyle/>
           <a:p>
             <a:r>
-              <a:rPr lang="en-US" dirty="0" smtClean="0"/>
+              <a:rPr lang="en-US" dirty="0"/>
               <a:t>Follow Me Router Demo</a:t>
             </a:r>
-            <a:endParaRPr lang="en-US" dirty="0"/>
           </a:p>
         </p:txBody>
       </p:sp>
@@ -14482,10 +14466,9 @@
           <a:lstStyle/>
           <a:p>
             <a:r>
-              <a:rPr lang="en-US" dirty="0" smtClean="0"/>
+              <a:rPr lang="en-US" dirty="0"/>
               <a:t>Auto Routing Demo</a:t>
             </a:r>
-            <a:endParaRPr lang="en-US" dirty="0"/>
           </a:p>
         </p:txBody>
       </p:sp>
@@ -14554,10 +14537,9 @@
           <a:lstStyle/>
           <a:p>
             <a:r>
-              <a:rPr lang="en-US" dirty="0" smtClean="0"/>
+              <a:rPr lang="en-US" dirty="0"/>
               <a:t>Commands for Routing</a:t>
             </a:r>
-            <a:endParaRPr lang="en-US" dirty="0"/>
           </a:p>
         </p:txBody>
       </p:sp>
@@ -14579,41 +14561,41 @@
           <a:lstStyle/>
           <a:p>
             <a:r>
-              <a:rPr lang="en-US" dirty="0" smtClean="0"/>
+              <a:rPr lang="en-US" dirty="0"/>
               <a:t>“Auto;” – run the auto router (leave off the “;” to configure the router.</a:t>
             </a:r>
           </a:p>
           <a:p>
             <a:r>
-              <a:rPr lang="en-US" dirty="0" smtClean="0"/>
+              <a:rPr lang="en-US" dirty="0"/>
               <a:t>“</a:t>
             </a:r>
             <a:r>
-              <a:rPr lang="en-US" dirty="0" err="1" smtClean="0"/>
+              <a:rPr lang="en-US" dirty="0" err="1"/>
               <a:t>Ripup</a:t>
             </a:r>
             <a:r>
-              <a:rPr lang="en-US" dirty="0" smtClean="0"/>
+              <a:rPr lang="en-US" dirty="0"/>
               <a:t>;” – </a:t>
             </a:r>
             <a:r>
-              <a:rPr lang="en-US" dirty="0" err="1" smtClean="0"/>
+              <a:rPr lang="en-US" dirty="0" err="1"/>
               <a:t>unroute</a:t>
             </a:r>
             <a:r>
-              <a:rPr lang="en-US" dirty="0" smtClean="0"/>
+              <a:rPr lang="en-US" dirty="0"/>
               <a:t> signals</a:t>
             </a:r>
           </a:p>
           <a:p>
             <a:r>
-              <a:rPr lang="en-US" dirty="0" smtClean="0"/>
+              <a:rPr lang="en-US" dirty="0"/>
               <a:t>“Show &lt;thing&gt;” – Highlight a net or part</a:t>
             </a:r>
           </a:p>
           <a:p>
             <a:pPr lvl="1"/>
-            <a:endParaRPr lang="en-US" dirty="0" smtClean="0"/>
+            <a:endParaRPr lang="en-US" dirty="0"/>
           </a:p>
         </p:txBody>
       </p:sp>
@@ -14663,10 +14645,9 @@
           <a:lstStyle/>
           <a:p>
             <a:r>
-              <a:rPr lang="en-US" dirty="0" smtClean="0"/>
+              <a:rPr lang="en-US" dirty="0"/>
               <a:t>Metal Layers</a:t>
             </a:r>
-            <a:endParaRPr lang="en-US" dirty="0"/>
           </a:p>
         </p:txBody>
       </p:sp>
@@ -14693,46 +14674,45 @@
           <a:lstStyle/>
           <a:p>
             <a:r>
-              <a:rPr lang="en-US" dirty="0" smtClean="0"/>
+              <a:rPr lang="en-US" dirty="0"/>
               <a:t>The Metal layers for several components</a:t>
             </a:r>
           </a:p>
           <a:p>
             <a:pPr lvl="1"/>
             <a:r>
-              <a:rPr lang="en-US" dirty="0" smtClean="0"/>
+              <a:rPr lang="en-US" dirty="0"/>
               <a:t>Conductive “traces” to connect components</a:t>
             </a:r>
           </a:p>
           <a:p>
             <a:pPr lvl="1"/>
             <a:r>
-              <a:rPr lang="en-US" dirty="0" smtClean="0"/>
+              <a:rPr lang="en-US" dirty="0"/>
               <a:t>Pads for attaching/connecting components</a:t>
             </a:r>
           </a:p>
           <a:p>
             <a:r>
-              <a:rPr lang="en-US" dirty="0" smtClean="0"/>
+              <a:rPr lang="en-US" dirty="0"/>
               <a:t>N-layer boards have N metal layers </a:t>
             </a:r>
           </a:p>
           <a:p>
             <a:pPr lvl="1"/>
             <a:r>
-              <a:rPr lang="en-US" dirty="0" smtClean="0"/>
+              <a:rPr lang="en-US" dirty="0"/>
               <a:t>N usually is 2,4,...</a:t>
             </a:r>
-            <a:endParaRPr lang="en-US" dirty="0"/>
           </a:p>
           <a:p>
             <a:pPr lvl="1"/>
             <a:r>
-              <a:rPr lang="en-US" dirty="0" smtClean="0"/>
+              <a:rPr lang="en-US" dirty="0"/>
               <a:t>Fewer layers </a:t>
             </a:r>
             <a:r>
-              <a:rPr lang="en-US" dirty="0" smtClean="0">
+              <a:rPr lang="en-US" dirty="0">
                 <a:sym typeface="Wingdings"/>
               </a:rPr>
               <a:t> cheaper</a:t>
@@ -14740,7 +14720,7 @@
           </a:p>
           <a:p>
             <a:r>
-              <a:rPr lang="en-US" dirty="0" smtClean="0">
+              <a:rPr lang="en-US" dirty="0">
                 <a:sym typeface="Wingdings"/>
               </a:rPr>
               <a:t>Top and bottom layers are for mounting components and routing traces</a:t>
@@ -14748,7 +14728,7 @@
           </a:p>
           <a:p>
             <a:r>
-              <a:rPr lang="en-US" dirty="0" smtClean="0">
+              <a:rPr lang="en-US" dirty="0">
                 <a:sym typeface="Wingdings"/>
               </a:rPr>
               <a:t>Internal layers can serve several purposes</a:t>
@@ -14757,7 +14737,7 @@
           <a:p>
             <a:pPr lvl="1"/>
             <a:r>
-              <a:rPr lang="en-US" dirty="0" smtClean="0">
+              <a:rPr lang="en-US" dirty="0">
                 <a:sym typeface="Wingdings"/>
               </a:rPr>
               <a:t>Ground and power planes</a:t>
@@ -14766,7 +14746,7 @@
           <a:p>
             <a:pPr lvl="1"/>
             <a:r>
-              <a:rPr lang="en-US" dirty="0" smtClean="0">
+              <a:rPr lang="en-US" dirty="0">
                 <a:sym typeface="Wingdings"/>
               </a:rPr>
               <a:t>Other signal planes</a:t>
@@ -14775,7 +14755,7 @@
           <a:p>
             <a:pPr lvl="1"/>
             <a:r>
-              <a:rPr lang="en-US" dirty="0" smtClean="0">
+              <a:rPr lang="en-US" dirty="0">
                 <a:sym typeface="Wingdings"/>
               </a:rPr>
               <a:t>Internal routing layers</a:t>
@@ -14785,7 +14765,7 @@
             <a:pPr marL="0" indent="0">
               <a:buNone/>
             </a:pPr>
-            <a:endParaRPr lang="en-US" dirty="0" smtClean="0">
+            <a:endParaRPr lang="en-US" dirty="0">
               <a:sym typeface="Wingdings"/>
             </a:endParaRPr>
           </a:p>
@@ -14825,13 +14805,6 @@
   <p:clrMapOvr>
     <a:masterClrMapping/>
   </p:clrMapOvr>
-  <p:timing>
-    <p:tnLst>
-      <p:par>
-        <p:cTn xmlns:p14="http://schemas.microsoft.com/office/powerpoint/2010/main" id="1" dur="indefinite" restart="never" nodeType="tmRoot"/>
-      </p:par>
-    </p:tnLst>
-  </p:timing>
 </p:sld>
 </file>
 
@@ -14868,10 +14841,9 @@
           <a:lstStyle/>
           <a:p>
             <a:r>
-              <a:rPr lang="en-US" dirty="0" smtClean="0"/>
+              <a:rPr lang="en-US" dirty="0"/>
               <a:t>Electrical Rules Check</a:t>
             </a:r>
-            <a:endParaRPr lang="en-US" dirty="0"/>
           </a:p>
         </p:txBody>
       </p:sp>
@@ -14891,16 +14863,15 @@
           <a:lstStyle/>
           <a:p>
             <a:r>
-              <a:rPr lang="en-US" dirty="0" smtClean="0"/>
+              <a:rPr lang="en-US" dirty="0"/>
               <a:t>This checks for common problems in schematics.</a:t>
             </a:r>
           </a:p>
           <a:p>
             <a:r>
-              <a:rPr lang="en-US" dirty="0" smtClean="0"/>
+              <a:rPr lang="en-US" dirty="0"/>
               <a:t>Run it! </a:t>
             </a:r>
-            <a:endParaRPr lang="en-US" dirty="0"/>
           </a:p>
         </p:txBody>
       </p:sp>
@@ -14950,10 +14921,9 @@
           <a:lstStyle/>
           <a:p>
             <a:r>
-              <a:rPr lang="en-US" dirty="0" smtClean="0"/>
+              <a:rPr lang="en-US" dirty="0"/>
               <a:t>Design Rules Check</a:t>
             </a:r>
-            <a:endParaRPr lang="en-US" dirty="0"/>
           </a:p>
         </p:txBody>
       </p:sp>
@@ -14973,42 +14943,42 @@
           <a:lstStyle/>
           <a:p>
             <a:r>
-              <a:rPr lang="en-US" dirty="0" smtClean="0"/>
+              <a:rPr lang="en-US" dirty="0"/>
               <a:t>Checks that your board layout meets design requirements for manufacturing.</a:t>
             </a:r>
           </a:p>
           <a:p>
             <a:pPr lvl="1"/>
             <a:r>
-              <a:rPr lang="en-US" dirty="0" smtClean="0"/>
+              <a:rPr lang="en-US" dirty="0"/>
               <a:t>Distance between traces and traces, traces and </a:t>
             </a:r>
             <a:r>
-              <a:rPr lang="en-US" dirty="0" err="1" smtClean="0"/>
+              <a:rPr lang="en-US" dirty="0" err="1"/>
               <a:t>vias</a:t>
             </a:r>
             <a:r>
-              <a:rPr lang="en-US" dirty="0" smtClean="0"/>
+              <a:rPr lang="en-US" dirty="0"/>
               <a:t>, etc.</a:t>
             </a:r>
           </a:p>
           <a:p>
             <a:pPr lvl="1"/>
             <a:r>
-              <a:rPr lang="en-US" dirty="0" smtClean="0"/>
+              <a:rPr lang="en-US" dirty="0"/>
               <a:t>Trace width</a:t>
             </a:r>
           </a:p>
           <a:p>
             <a:pPr lvl="1"/>
             <a:r>
-              <a:rPr lang="en-US" dirty="0" smtClean="0"/>
+              <a:rPr lang="en-US" dirty="0"/>
               <a:t>Etc.</a:t>
             </a:r>
           </a:p>
           <a:p>
             <a:pPr lvl="1"/>
-            <a:endParaRPr lang="en-US" dirty="0" smtClean="0"/>
+            <a:endParaRPr lang="en-US" dirty="0"/>
           </a:p>
         </p:txBody>
       </p:sp>
@@ -15058,10 +15028,9 @@
           <a:lstStyle/>
           <a:p>
             <a:r>
-              <a:rPr lang="en-US" dirty="0" smtClean="0"/>
+              <a:rPr lang="en-US" dirty="0"/>
               <a:t>CAM Layers (Gerber files)</a:t>
             </a:r>
-            <a:endParaRPr lang="en-US" dirty="0"/>
           </a:p>
         </p:txBody>
       </p:sp>
@@ -15083,129 +15052,128 @@
         </p:spPr>
         <p:txBody>
           <a:bodyPr>
-            <a:normAutofit fontScale="70000" lnSpcReduction="20000"/>
+            <a:normAutofit fontScale="62500" lnSpcReduction="20000"/>
           </a:bodyPr>
           <a:lstStyle/>
           <a:p>
             <a:r>
-              <a:rPr lang="en-US" dirty="0" smtClean="0"/>
+              <a:rPr lang="en-US" dirty="0"/>
               <a:t>Eagle layers are for design.</a:t>
             </a:r>
           </a:p>
           <a:p>
             <a:r>
-              <a:rPr lang="en-US" dirty="0" smtClean="0"/>
+              <a:rPr lang="en-US" dirty="0"/>
               <a:t>CAM layers are for manufacturing</a:t>
             </a:r>
           </a:p>
           <a:p>
             <a:pPr lvl="1"/>
             <a:r>
-              <a:rPr lang="en-US" dirty="0" smtClean="0"/>
-              <a:t>“</a:t>
-            </a:r>
-            <a:r>
-              <a:rPr lang="en-US" dirty="0"/>
-              <a:t>G</a:t>
-            </a:r>
-            <a:r>
-              <a:rPr lang="en-US" dirty="0" smtClean="0"/>
-              <a:t>erber” files are for lithographic steps</a:t>
+              <a:rPr lang="en-US" dirty="0"/>
+              <a:t>“Gerber” files are for lithographic steps</a:t>
             </a:r>
           </a:p>
           <a:p>
             <a:pPr lvl="1"/>
             <a:r>
-              <a:rPr lang="en-US" dirty="0" smtClean="0"/>
+              <a:rPr lang="en-US" dirty="0"/>
               <a:t>Drill files are for drilling holes.</a:t>
             </a:r>
           </a:p>
           <a:p>
             <a:r>
-              <a:rPr lang="en-US" dirty="0" smtClean="0"/>
+              <a:rPr lang="en-US" dirty="0"/>
               <a:t>Each CAM layers corresponds to one layer of the resulting board</a:t>
             </a:r>
           </a:p>
           <a:p>
             <a:pPr lvl="1"/>
             <a:r>
-              <a:rPr lang="en-US" dirty="0" smtClean="0"/>
+              <a:rPr lang="en-US" dirty="0"/>
               <a:t>Top silk screen (.PLC)</a:t>
             </a:r>
           </a:p>
           <a:p>
             <a:pPr lvl="1"/>
             <a:r>
-              <a:rPr lang="en-US" dirty="0" smtClean="0"/>
+              <a:rPr lang="en-US" dirty="0"/>
               <a:t>Top solder mask (.STC)</a:t>
             </a:r>
           </a:p>
           <a:p>
             <a:pPr lvl="1"/>
             <a:r>
-              <a:rPr lang="en-US" dirty="0" smtClean="0"/>
+              <a:rPr lang="en-US" dirty="0"/>
               <a:t>Top metal (.TOP)</a:t>
             </a:r>
           </a:p>
           <a:p>
             <a:pPr lvl="1"/>
             <a:r>
-              <a:rPr lang="en-US" dirty="0" smtClean="0"/>
+              <a:rPr lang="en-US" dirty="0"/>
               <a:t>Inner metal layers</a:t>
             </a:r>
           </a:p>
           <a:p>
             <a:pPr lvl="1"/>
             <a:r>
-              <a:rPr lang="en-US" dirty="0" smtClean="0"/>
+              <a:rPr lang="en-US" dirty="0"/>
               <a:t>Bottom metal (.BOT)</a:t>
             </a:r>
           </a:p>
           <a:p>
             <a:pPr lvl="1"/>
             <a:r>
-              <a:rPr lang="en-US" dirty="0" smtClean="0"/>
+              <a:rPr lang="en-US" dirty="0"/>
               <a:t>Bottom solder mask (.STS)</a:t>
             </a:r>
           </a:p>
           <a:p>
             <a:pPr lvl="1"/>
             <a:r>
-              <a:rPr lang="en-US" dirty="0" smtClean="0"/>
+              <a:rPr lang="en-US" dirty="0"/>
               <a:t>Bottom silk screen (.PLS)</a:t>
             </a:r>
           </a:p>
           <a:p>
-            <a:r>
-              <a:rPr lang="en-US" dirty="0" smtClean="0"/>
+            <a:pPr lvl="1"/>
+            <a:r>
+              <a:rPr lang="en-US" dirty="0"/>
+              <a:t>Different board houses have different suffixes.</a:t>
+            </a:r>
+          </a:p>
+          <a:p>
+            <a:r>
+              <a:rPr lang="en-US" dirty="0"/>
               <a:t>One drill file specifying where all the pads, </a:t>
             </a:r>
             <a:r>
-              <a:rPr lang="en-US" dirty="0" err="1" smtClean="0"/>
+              <a:rPr lang="en-US" dirty="0" err="1"/>
               <a:t>vias</a:t>
             </a:r>
             <a:r>
-              <a:rPr lang="en-US" dirty="0" smtClean="0"/>
+              <a:rPr lang="en-US" dirty="0"/>
               <a:t>, and mounting holes are located and their diameters (.DRD)</a:t>
             </a:r>
           </a:p>
           <a:p>
             <a:r>
-              <a:rPr lang="en-US" dirty="0" smtClean="0"/>
+              <a:rPr lang="en-US" dirty="0"/>
               <a:t>Other files too, depending on the manufacturing process</a:t>
             </a:r>
           </a:p>
           <a:p>
             <a:pPr lvl="1"/>
             <a:r>
-              <a:rPr lang="en-US" dirty="0" smtClean="0"/>
+              <a:rPr lang="en-US" dirty="0"/>
               <a:t>Solder paste stencil</a:t>
             </a:r>
           </a:p>
           <a:p>
             <a:pPr lvl="1"/>
             <a:r>
-              <a:rPr lang="en-US" dirty="0" smtClean="0"/>
+              <a:rPr lang="en-US" dirty="0"/>
               <a:t>Assembly drawings</a:t>
             </a:r>
           </a:p>
@@ -15257,10 +15225,9 @@
           <a:lstStyle/>
           <a:p>
             <a:r>
-              <a:rPr lang="en-US" dirty="0" smtClean="0"/>
+              <a:rPr lang="en-US" dirty="0"/>
               <a:t>The CAM Processor</a:t>
             </a:r>
-            <a:endParaRPr lang="en-US" dirty="0"/>
           </a:p>
         </p:txBody>
       </p:sp>
@@ -15280,42 +15247,42 @@
           <a:lstStyle/>
           <a:p>
             <a:r>
-              <a:rPr lang="en-US" dirty="0" smtClean="0"/>
+              <a:rPr lang="en-US" dirty="0"/>
               <a:t>The CAM Processor generates CAM files</a:t>
             </a:r>
           </a:p>
           <a:p>
             <a:r>
-              <a:rPr lang="en-US" dirty="0" smtClean="0"/>
+              <a:rPr lang="en-US" dirty="0"/>
               <a:t>The exact configuration for the </a:t>
             </a:r>
             <a:r>
-              <a:rPr lang="en-US" dirty="0" err="1" smtClean="0"/>
+              <a:rPr lang="en-US" dirty="0" err="1"/>
               <a:t>gerber</a:t>
             </a:r>
             <a:r>
-              <a:rPr lang="en-US" dirty="0" smtClean="0"/>
+              <a:rPr lang="en-US" dirty="0"/>
               <a:t> files varies by board house</a:t>
             </a:r>
           </a:p>
           <a:p>
             <a:pPr lvl="1"/>
             <a:r>
-              <a:rPr lang="en-US" dirty="0" smtClean="0"/>
+              <a:rPr lang="en-US" dirty="0"/>
               <a:t>Should the board outline be in every layer?</a:t>
             </a:r>
           </a:p>
           <a:p>
             <a:pPr lvl="1"/>
             <a:r>
-              <a:rPr lang="en-US" dirty="0" smtClean="0"/>
+              <a:rPr lang="en-US" dirty="0"/>
               <a:t>Which format should the files be in (there are many)</a:t>
             </a:r>
           </a:p>
           <a:p>
             <a:pPr lvl="1"/>
             <a:r>
-              <a:rPr lang="en-US" dirty="0" smtClean="0"/>
+              <a:rPr lang="en-US" dirty="0"/>
               <a:t>Should the back side layers be mirrored?</a:t>
             </a:r>
           </a:p>
@@ -15371,10 +15338,9 @@
           <a:lstStyle/>
           <a:p>
             <a:r>
-              <a:rPr lang="en-US" dirty="0" smtClean="0"/>
+              <a:rPr lang="en-US" dirty="0"/>
               <a:t>CAM Setup</a:t>
             </a:r>
-            <a:endParaRPr lang="en-US" dirty="0"/>
           </a:p>
         </p:txBody>
       </p:sp>
@@ -15394,34 +15360,33 @@
           <a:lstStyle/>
           <a:p>
             <a:r>
-              <a:rPr lang="en-US" dirty="0" smtClean="0"/>
+              <a:rPr lang="en-US" dirty="0"/>
               <a:t>To prepare </a:t>
             </a:r>
             <a:r>
-              <a:rPr lang="en-US" dirty="0" err="1" smtClean="0"/>
+              <a:rPr lang="en-US" dirty="0" err="1"/>
               <a:t>Gerbers</a:t>
             </a:r>
             <a:r>
-              <a:rPr lang="en-US" dirty="0" smtClean="0"/>
+              <a:rPr lang="en-US" dirty="0"/>
               <a:t> for a particular board house, you need CAM setup files (*.cam for Eagle)</a:t>
             </a:r>
           </a:p>
           <a:p>
             <a:r>
-              <a:rPr lang="en-US" dirty="0" smtClean="0"/>
+              <a:rPr lang="en-US" dirty="0"/>
               <a:t>This specifies how to generate each layer the board house needs.</a:t>
             </a:r>
           </a:p>
           <a:p>
             <a:r>
-              <a:rPr lang="en-US" dirty="0" smtClean="0"/>
+              <a:rPr lang="en-US" dirty="0"/>
               <a:t>See example in Button and </a:t>
             </a:r>
             <a:r>
-              <a:rPr lang="en-US" smtClean="0"/>
+              <a:rPr lang="en-US"/>
               <a:t>Light Tutorial.</a:t>
             </a:r>
-            <a:endParaRPr lang="en-US"/>
           </a:p>
         </p:txBody>
       </p:sp>
@@ -15471,10 +15436,9 @@
           <a:lstStyle/>
           <a:p>
             <a:r>
-              <a:rPr lang="en-US" dirty="0" smtClean="0"/>
+              <a:rPr lang="en-US" dirty="0"/>
               <a:t>CAM Demo</a:t>
             </a:r>
-            <a:endParaRPr lang="en-US" dirty="0"/>
           </a:p>
         </p:txBody>
       </p:sp>
@@ -15543,18 +15507,17 @@
           <a:lstStyle/>
           <a:p>
             <a:r>
-              <a:rPr lang="en-US" dirty="0" smtClean="0"/>
+              <a:rPr lang="en-US" dirty="0"/>
               <a:t>Checking Your </a:t>
             </a:r>
             <a:r>
-              <a:rPr lang="en-US" dirty="0" err="1" smtClean="0"/>
+              <a:rPr lang="en-US" dirty="0" err="1"/>
               <a:t>Gerbers</a:t>
             </a:r>
             <a:r>
-              <a:rPr lang="en-US" dirty="0" smtClean="0"/>
+              <a:rPr lang="en-US" dirty="0"/>
               <a:t>!</a:t>
             </a:r>
-            <a:endParaRPr lang="en-US" dirty="0"/>
           </a:p>
         </p:txBody>
       </p:sp>
@@ -15574,21 +15537,21 @@
           <a:lstStyle/>
           <a:p>
             <a:r>
-              <a:rPr lang="en-US" dirty="0" smtClean="0"/>
+              <a:rPr lang="en-US" dirty="0"/>
               <a:t>Eagle can’t display Gerber files itself</a:t>
             </a:r>
           </a:p>
           <a:p>
             <a:r>
-              <a:rPr lang="en-US" dirty="0" smtClean="0"/>
+              <a:rPr lang="en-US" dirty="0"/>
               <a:t>You need a 3</a:t>
             </a:r>
             <a:r>
-              <a:rPr lang="en-US" baseline="30000" dirty="0" smtClean="0"/>
+              <a:rPr lang="en-US" baseline="30000" dirty="0"/>
               <a:t>rd</a:t>
             </a:r>
             <a:r>
-              <a:rPr lang="en-US" dirty="0" smtClean="0"/>
+              <a:rPr lang="en-US" dirty="0"/>
               <a:t> party tool</a:t>
             </a:r>
           </a:p>
@@ -15596,55 +15559,50 @@
             <a:pPr lvl="1"/>
             <a:r>
               <a:rPr lang="en-US" dirty="0"/>
-              <a:t>S</a:t>
-            </a:r>
-            <a:r>
-              <a:rPr lang="en-US" dirty="0" smtClean="0"/>
-              <a:t>ee the Button and Light tutorial for recommendations</a:t>
-            </a:r>
+              <a:t>See the Button and Light tutorial for recommendations</a:t>
+            </a:r>
+          </a:p>
+          <a:p>
+            <a:r>
+              <a:rPr lang="en-US" dirty="0"/>
+              <a:t>You should always check your </a:t>
+            </a:r>
+            <a:r>
+              <a:rPr lang="en-US" dirty="0" err="1"/>
+              <a:t>Gerbers</a:t>
+            </a:r>
+            <a:r>
+              <a:rPr lang="en-US" dirty="0"/>
+              <a:t>!</a:t>
+            </a:r>
+          </a:p>
+          <a:p>
+            <a:pPr lvl="1"/>
+            <a:r>
+              <a:rPr lang="en-US" dirty="0"/>
+              <a:t>Eagle has bugs (I assume)</a:t>
+            </a:r>
+          </a:p>
+          <a:p>
+            <a:pPr lvl="1"/>
+            <a:r>
+              <a:rPr lang="en-US" dirty="0"/>
+              <a:t>You may have misconfigured something</a:t>
+            </a:r>
+          </a:p>
+          <a:p>
+            <a:pPr lvl="1"/>
+            <a:r>
+              <a:rPr lang="en-US" dirty="0"/>
+              <a:t>You may have put something in the wrong layer.</a:t>
+            </a:r>
+          </a:p>
+          <a:p>
+            <a:pPr lvl="1"/>
             <a:endParaRPr lang="en-US" dirty="0"/>
           </a:p>
           <a:p>
-            <a:r>
-              <a:rPr lang="en-US" dirty="0" smtClean="0"/>
-              <a:t>You should always check your </a:t>
-            </a:r>
-            <a:r>
-              <a:rPr lang="en-US" dirty="0" err="1" smtClean="0"/>
-              <a:t>Gerbers</a:t>
-            </a:r>
-            <a:r>
-              <a:rPr lang="en-US" dirty="0" smtClean="0"/>
-              <a:t>!</a:t>
-            </a:r>
-          </a:p>
-          <a:p>
-            <a:pPr lvl="1"/>
-            <a:r>
-              <a:rPr lang="en-US" dirty="0" smtClean="0"/>
-              <a:t>Eagle has bugs (I assume)</a:t>
-            </a:r>
-          </a:p>
-          <a:p>
-            <a:pPr lvl="1"/>
-            <a:r>
-              <a:rPr lang="en-US" dirty="0" smtClean="0"/>
-              <a:t>You may have misconfigured something</a:t>
-            </a:r>
-          </a:p>
-          <a:p>
-            <a:pPr lvl="1"/>
-            <a:r>
-              <a:rPr lang="en-US" dirty="0" smtClean="0"/>
-              <a:t>You may have put something in the wrong layer.</a:t>
-            </a:r>
-          </a:p>
-          <a:p>
-            <a:pPr lvl="1"/>
-            <a:endParaRPr lang="en-US" dirty="0" smtClean="0"/>
-          </a:p>
-          <a:p>
-            <a:endParaRPr lang="en-US" dirty="0" smtClean="0"/>
+            <a:endParaRPr lang="en-US" dirty="0"/>
           </a:p>
         </p:txBody>
       </p:sp>
@@ -15694,10 +15652,9 @@
           <a:lstStyle/>
           <a:p>
             <a:r>
-              <a:rPr lang="en-US" dirty="0" smtClean="0"/>
+              <a:rPr lang="en-US" dirty="0"/>
               <a:t>Gerber Viewer Demo</a:t>
             </a:r>
-            <a:endParaRPr lang="en-US" dirty="0"/>
           </a:p>
         </p:txBody>
       </p:sp>
@@ -15766,10 +15723,9 @@
           <a:lstStyle/>
           <a:p>
             <a:r>
-              <a:rPr lang="en-US" dirty="0" smtClean="0"/>
+              <a:rPr lang="en-US" dirty="0"/>
               <a:t>DFM Checks</a:t>
             </a:r>
-            <a:endParaRPr lang="en-US" dirty="0"/>
           </a:p>
         </p:txBody>
       </p:sp>
@@ -15789,28 +15745,27 @@
           <a:lstStyle/>
           <a:p>
             <a:r>
-              <a:rPr lang="en-US" dirty="0" smtClean="0"/>
+              <a:rPr lang="en-US" dirty="0"/>
               <a:t>You should also run a “design for manufacturing” (DFM) check on your </a:t>
             </a:r>
             <a:r>
-              <a:rPr lang="en-US" dirty="0" err="1" smtClean="0"/>
+              <a:rPr lang="en-US" dirty="0" err="1"/>
               <a:t>Gerbers</a:t>
             </a:r>
             <a:r>
-              <a:rPr lang="en-US" dirty="0" smtClean="0"/>
+              <a:rPr lang="en-US" dirty="0"/>
               <a:t>, if possible</a:t>
             </a:r>
           </a:p>
           <a:p>
             <a:r>
-              <a:rPr lang="en-US" dirty="0" err="1" smtClean="0"/>
+              <a:rPr lang="en-US" dirty="0" err="1"/>
               <a:t>Freedfm.com</a:t>
             </a:r>
             <a:r>
-              <a:rPr lang="en-US" dirty="0" smtClean="0"/>
+              <a:rPr lang="en-US" dirty="0"/>
               <a:t> will do this for you.</a:t>
             </a:r>
-            <a:endParaRPr lang="en-US" dirty="0"/>
           </a:p>
         </p:txBody>
       </p:sp>
@@ -15860,14 +15815,13 @@
           <a:lstStyle/>
           <a:p>
             <a:r>
-              <a:rPr lang="en-US" dirty="0" err="1" smtClean="0"/>
+              <a:rPr lang="en-US" dirty="0" err="1"/>
               <a:t>FreeDFM</a:t>
             </a:r>
             <a:r>
-              <a:rPr lang="en-US" dirty="0" smtClean="0"/>
+              <a:rPr lang="en-US" dirty="0"/>
               <a:t> Demo</a:t>
             </a:r>
-            <a:endParaRPr lang="en-US" dirty="0"/>
           </a:p>
         </p:txBody>
       </p:sp>
@@ -15900,13 +15854,6 @@
   <p:clrMapOvr>
     <a:masterClrMapping/>
   </p:clrMapOvr>
-  <p:timing>
-    <p:tnLst>
-      <p:par>
-        <p:cTn xmlns:p14="http://schemas.microsoft.com/office/powerpoint/2010/main" id="1" dur="indefinite" restart="never" nodeType="tmRoot"/>
-      </p:par>
-    </p:tnLst>
-  </p:timing>
 </p:sld>
 </file>
 
@@ -15943,10 +15890,9 @@
           <a:lstStyle/>
           <a:p>
             <a:r>
-              <a:rPr lang="en-US" dirty="0" smtClean="0"/>
+              <a:rPr lang="en-US" dirty="0"/>
               <a:t>Metal Layers (cont.)</a:t>
             </a:r>
-            <a:endParaRPr lang="en-US" dirty="0"/>
           </a:p>
         </p:txBody>
       </p:sp>
@@ -15973,19 +15919,19 @@
           <a:lstStyle/>
           <a:p>
             <a:r>
-              <a:rPr lang="en-US" dirty="0" smtClean="0">
+              <a:rPr lang="en-US" dirty="0">
                 <a:sym typeface="Wingdings"/>
               </a:rPr>
               <a:t>Thickness is measured in </a:t>
             </a:r>
             <a:r>
-              <a:rPr lang="en-US" dirty="0" err="1" smtClean="0">
+              <a:rPr lang="en-US" dirty="0" err="1">
                 <a:sym typeface="Wingdings"/>
               </a:rPr>
               <a:t>oz</a:t>
             </a:r>
             <a:r>
-              <a:rPr lang="en-US" dirty="0" smtClean="0">
+              <a:rPr lang="en-US" dirty="0">
                 <a:sym typeface="Wingdings"/>
               </a:rPr>
               <a:t> per square foot.</a:t>
@@ -15993,19 +15939,16 @@
           </a:p>
           <a:p>
             <a:r>
-              <a:rPr lang="en-US" dirty="0" smtClean="0">
+              <a:rPr lang="en-US" dirty="0">
                 <a:sym typeface="Wingdings"/>
               </a:rPr>
               <a:t>Standard copper is 1oz</a:t>
             </a:r>
-            <a:endParaRPr lang="en-US" dirty="0">
-              <a:sym typeface="Wingdings"/>
-            </a:endParaRPr>
           </a:p>
           <a:p>
             <a:pPr lvl="1"/>
             <a:r>
-              <a:rPr lang="en-US" dirty="0" smtClean="0">
+              <a:rPr lang="en-US" dirty="0">
                 <a:sym typeface="Wingdings"/>
               </a:rPr>
               <a:t>About 0.034 mm</a:t>
@@ -16013,7 +15956,7 @@
           </a:p>
           <a:p>
             <a:r>
-              <a:rPr lang="en-US" dirty="0" smtClean="0"/>
+              <a:rPr lang="en-US" dirty="0"/>
               <a:t>Thicker metal layers can carry more current</a:t>
             </a:r>
           </a:p>
@@ -16053,13 +15996,6 @@
   <p:clrMapOvr>
     <a:masterClrMapping/>
   </p:clrMapOvr>
-  <p:timing>
-    <p:tnLst>
-      <p:par>
-        <p:cTn xmlns:p14="http://schemas.microsoft.com/office/powerpoint/2010/main" id="1" dur="indefinite" restart="never" nodeType="tmRoot"/>
-      </p:par>
-    </p:tnLst>
-  </p:timing>
 </p:sld>
 </file>
 
@@ -16096,10 +16032,9 @@
           <a:lstStyle/>
           <a:p>
             <a:r>
-              <a:rPr lang="en-US" dirty="0" smtClean="0"/>
+              <a:rPr lang="en-US" dirty="0"/>
               <a:t>The Lab</a:t>
             </a:r>
-            <a:endParaRPr lang="en-US" dirty="0"/>
           </a:p>
         </p:txBody>
       </p:sp>
@@ -16119,15 +16054,33 @@
           <a:lstStyle/>
           <a:p>
             <a:r>
-              <a:rPr lang="en-US" dirty="0" smtClean="0"/>
+              <a:rPr lang="en-US" dirty="0"/>
               <a:t>Use Eagle to design a simple schematic and board.</a:t>
             </a:r>
           </a:p>
           <a:p>
             <a:r>
-              <a:rPr lang="en-US" dirty="0" smtClean="0"/>
+              <a:rPr lang="en-US" dirty="0"/>
               <a:t>Run it through the tool flow.</a:t>
             </a:r>
+          </a:p>
+          <a:p>
+            <a:r>
+              <a:rPr lang="en-US" dirty="0">
+                <a:hlinkClick r:id="rId2"/>
+              </a:rPr>
+              <a:t>https://sites.google.com/a/eng.ucsd.edu/quadcopterclass</a:t>
+            </a:r>
+            <a:r>
+              <a:rPr lang="en-US">
+                <a:hlinkClick r:id="rId2"/>
+              </a:rPr>
+              <a:t>/labs/lab-2-using-eagle</a:t>
+            </a:r>
+            <a:endParaRPr lang="en-US"/>
+          </a:p>
+          <a:p>
+            <a:endParaRPr lang="en-US" dirty="0"/>
           </a:p>
         </p:txBody>
       </p:sp>
@@ -16141,13 +16094,624 @@
   <p:clrMapOvr>
     <a:masterClrMapping/>
   </p:clrMapOvr>
-  <p:timing>
-    <p:tnLst>
-      <p:par>
-        <p:cTn xmlns:p14="http://schemas.microsoft.com/office/powerpoint/2010/main" id="1" dur="indefinite" restart="never" nodeType="tmRoot"/>
-      </p:par>
-    </p:tnLst>
-  </p:timing>
+</p:sld>
+</file>
+
+<file path=ppt/slides/slide51.xml><?xml version="1.0" encoding="utf-8"?>
+<p:sld xmlns:a="http://schemas.openxmlformats.org/drawingml/2006/main" xmlns:r="http://schemas.openxmlformats.org/officeDocument/2006/relationships" xmlns:p="http://schemas.openxmlformats.org/presentationml/2006/main">
+  <p:cSld>
+    <p:spTree>
+      <p:nvGrpSpPr>
+        <p:cNvPr id="1" name=""/>
+        <p:cNvGrpSpPr/>
+        <p:nvPr/>
+      </p:nvGrpSpPr>
+      <p:grpSpPr>
+        <a:xfrm>
+          <a:off x="0" y="0"/>
+          <a:ext cx="0" cy="0"/>
+          <a:chOff x="0" y="0"/>
+          <a:chExt cx="0" cy="0"/>
+        </a:xfrm>
+      </p:grpSpPr>
+      <p:sp>
+        <p:nvSpPr>
+          <p:cNvPr id="2" name="Title 1">
+            <a:extLst>
+              <a:ext uri="{FF2B5EF4-FFF2-40B4-BE49-F238E27FC236}">
+                <a16:creationId xmlns:a16="http://schemas.microsoft.com/office/drawing/2014/main" id="{B37E69C4-6D54-194A-85C7-586A0D9A7293}"/>
+              </a:ext>
+            </a:extLst>
+          </p:cNvPr>
+          <p:cNvSpPr>
+            <a:spLocks noGrp="1"/>
+          </p:cNvSpPr>
+          <p:nvPr>
+            <p:ph type="title"/>
+          </p:nvPr>
+        </p:nvSpPr>
+        <p:spPr/>
+        <p:txBody>
+          <a:bodyPr/>
+          <a:lstStyle/>
+          <a:p>
+            <a:r>
+              <a:rPr lang="en-US" dirty="0"/>
+              <a:t>Eagle Lint</a:t>
+            </a:r>
+          </a:p>
+        </p:txBody>
+      </p:sp>
+      <p:sp>
+        <p:nvSpPr>
+          <p:cNvPr id="3" name="Content Placeholder 2">
+            <a:extLst>
+              <a:ext uri="{FF2B5EF4-FFF2-40B4-BE49-F238E27FC236}">
+                <a16:creationId xmlns:a16="http://schemas.microsoft.com/office/drawing/2014/main" id="{BD1A45B9-43FC-BB46-BC02-8DE1D835F9BE}"/>
+              </a:ext>
+            </a:extLst>
+          </p:cNvPr>
+          <p:cNvSpPr>
+            <a:spLocks noGrp="1"/>
+          </p:cNvSpPr>
+          <p:nvPr>
+            <p:ph idx="1"/>
+          </p:nvPr>
+        </p:nvSpPr>
+        <p:spPr/>
+        <p:txBody>
+          <a:bodyPr>
+            <a:normAutofit fontScale="62500" lnSpcReduction="20000"/>
+          </a:bodyPr>
+          <a:lstStyle/>
+          <a:p>
+            <a:r>
+              <a:rPr lang="en-US" dirty="0"/>
+              <a:t>lint:  </a:t>
+            </a:r>
+          </a:p>
+          <a:p>
+            <a:pPr lvl="1"/>
+            <a:r>
+              <a:rPr lang="en-US" i="1" dirty="0"/>
+              <a:t>Tool to check coding standards and other invariants about a computer system.</a:t>
+            </a:r>
+          </a:p>
+          <a:p>
+            <a:r>
+              <a:rPr lang="en-US" dirty="0" err="1"/>
+              <a:t>Eaglint</a:t>
+            </a:r>
+            <a:r>
+              <a:rPr lang="en-US" dirty="0"/>
+              <a:t> will check your libraries, schematics</a:t>
+            </a:r>
+          </a:p>
+          <a:p>
+            <a:pPr lvl="1"/>
+            <a:r>
+              <a:rPr lang="en-US" dirty="0"/>
+              <a:t>Check for common problems</a:t>
+            </a:r>
+          </a:p>
+          <a:p>
+            <a:pPr lvl="1"/>
+            <a:r>
+              <a:rPr lang="en-US" dirty="0"/>
+              <a:t>Check for correctness</a:t>
+            </a:r>
+          </a:p>
+          <a:p>
+            <a:pPr lvl="1"/>
+            <a:r>
+              <a:rPr lang="en-US" dirty="0"/>
+              <a:t>Check for style</a:t>
+            </a:r>
+          </a:p>
+          <a:p>
+            <a:r>
+              <a:rPr lang="en-US" dirty="0"/>
+              <a:t>Also checks for other files in your repo</a:t>
+            </a:r>
+          </a:p>
+          <a:p>
+            <a:pPr lvl="1"/>
+            <a:r>
+              <a:rPr lang="en-US" dirty="0" err="1"/>
+              <a:t>Eaglint</a:t>
+            </a:r>
+            <a:r>
+              <a:rPr lang="en-US" dirty="0"/>
+              <a:t> will tell you what it’s looking for.</a:t>
+            </a:r>
+          </a:p>
+          <a:p>
+            <a:pPr lvl="1"/>
+            <a:r>
+              <a:rPr lang="en-US" dirty="0"/>
+              <a:t>Pay attention.</a:t>
+            </a:r>
+          </a:p>
+          <a:p>
+            <a:r>
+              <a:rPr lang="en-US" dirty="0"/>
+              <a:t>Provides a workflow for me to review your designs and provide feedback.</a:t>
+            </a:r>
+          </a:p>
+          <a:p>
+            <a:r>
+              <a:rPr lang="en-US" dirty="0"/>
+              <a:t>To use</a:t>
+            </a:r>
+          </a:p>
+          <a:p>
+            <a:pPr lvl="1"/>
+            <a:r>
+              <a:rPr lang="en-US" dirty="0"/>
+              <a:t>Visit </a:t>
+            </a:r>
+            <a:r>
+              <a:rPr lang="en-US" dirty="0">
+                <a:hlinkClick r:id="rId2"/>
+              </a:rPr>
+              <a:t>http://eaglint.nvsl.io</a:t>
+            </a:r>
+            <a:endParaRPr lang="en-US" dirty="0"/>
+          </a:p>
+          <a:p>
+            <a:pPr lvl="1"/>
+            <a:r>
+              <a:rPr lang="en-US" dirty="0"/>
+              <a:t>You received a welcome email a couple of nights ago.</a:t>
+            </a:r>
+          </a:p>
+          <a:p>
+            <a:endParaRPr lang="en-US" dirty="0"/>
+          </a:p>
+        </p:txBody>
+      </p:sp>
+    </p:spTree>
+    <p:extLst>
+      <p:ext uri="{BB962C8B-B14F-4D97-AF65-F5344CB8AC3E}">
+        <p14:creationId xmlns:p14="http://schemas.microsoft.com/office/powerpoint/2010/main" val="2361343328"/>
+      </p:ext>
+    </p:extLst>
+  </p:cSld>
+  <p:clrMapOvr>
+    <a:masterClrMapping/>
+  </p:clrMapOvr>
+</p:sld>
+</file>
+
+<file path=ppt/slides/slide52.xml><?xml version="1.0" encoding="utf-8"?>
+<p:sld xmlns:a="http://schemas.openxmlformats.org/drawingml/2006/main" xmlns:r="http://schemas.openxmlformats.org/officeDocument/2006/relationships" xmlns:p="http://schemas.openxmlformats.org/presentationml/2006/main">
+  <p:cSld>
+    <p:spTree>
+      <p:nvGrpSpPr>
+        <p:cNvPr id="1" name=""/>
+        <p:cNvGrpSpPr/>
+        <p:nvPr/>
+      </p:nvGrpSpPr>
+      <p:grpSpPr>
+        <a:xfrm>
+          <a:off x="0" y="0"/>
+          <a:ext cx="0" cy="0"/>
+          <a:chOff x="0" y="0"/>
+          <a:chExt cx="0" cy="0"/>
+        </a:xfrm>
+      </p:grpSpPr>
+      <p:sp>
+        <p:nvSpPr>
+          <p:cNvPr id="2" name="Title 1">
+            <a:extLst>
+              <a:ext uri="{FF2B5EF4-FFF2-40B4-BE49-F238E27FC236}">
+                <a16:creationId xmlns:a16="http://schemas.microsoft.com/office/drawing/2014/main" id="{833E81A3-BF51-5545-AE4A-34E442EE3395}"/>
+              </a:ext>
+            </a:extLst>
+          </p:cNvPr>
+          <p:cNvSpPr>
+            <a:spLocks noGrp="1"/>
+          </p:cNvSpPr>
+          <p:nvPr>
+            <p:ph type="title"/>
+          </p:nvPr>
+        </p:nvSpPr>
+        <p:spPr/>
+        <p:txBody>
+          <a:bodyPr/>
+          <a:lstStyle/>
+          <a:p>
+            <a:r>
+              <a:rPr lang="en-US" dirty="0"/>
+              <a:t>Eagle Lint Process</a:t>
+            </a:r>
+          </a:p>
+        </p:txBody>
+      </p:sp>
+      <p:sp>
+        <p:nvSpPr>
+          <p:cNvPr id="3" name="Content Placeholder 2">
+            <a:extLst>
+              <a:ext uri="{FF2B5EF4-FFF2-40B4-BE49-F238E27FC236}">
+                <a16:creationId xmlns:a16="http://schemas.microsoft.com/office/drawing/2014/main" id="{97DDE2E0-2980-844E-B1DB-CACC04B172FE}"/>
+              </a:ext>
+            </a:extLst>
+          </p:cNvPr>
+          <p:cNvSpPr>
+            <a:spLocks noGrp="1"/>
+          </p:cNvSpPr>
+          <p:nvPr>
+            <p:ph idx="1"/>
+          </p:nvPr>
+        </p:nvSpPr>
+        <p:spPr/>
+        <p:txBody>
+          <a:bodyPr>
+            <a:normAutofit fontScale="85000" lnSpcReduction="20000"/>
+          </a:bodyPr>
+          <a:lstStyle/>
+          <a:p>
+            <a:pPr marL="514350" indent="-514350">
+              <a:buFont typeface="+mj-lt"/>
+              <a:buAutoNum type="arabicPeriod"/>
+            </a:pPr>
+            <a:r>
+              <a:rPr lang="en-US" dirty="0"/>
+              <a:t>Commit your changes to </a:t>
+            </a:r>
+            <a:r>
+              <a:rPr lang="en-US" dirty="0" err="1"/>
+              <a:t>github</a:t>
+            </a:r>
+            <a:endParaRPr lang="en-US" dirty="0"/>
+          </a:p>
+          <a:p>
+            <a:pPr marL="514350" indent="-514350">
+              <a:buFont typeface="+mj-lt"/>
+              <a:buAutoNum type="arabicPeriod"/>
+            </a:pPr>
+            <a:r>
+              <a:rPr lang="en-US" dirty="0"/>
+              <a:t>Submit your repo to </a:t>
+            </a:r>
+            <a:r>
+              <a:rPr lang="en-US" dirty="0" err="1"/>
+              <a:t>Eaglint</a:t>
+            </a:r>
+            <a:r>
+              <a:rPr lang="en-US" dirty="0"/>
+              <a:t> for a quick check</a:t>
+            </a:r>
+          </a:p>
+          <a:p>
+            <a:pPr marL="514350" indent="-514350">
+              <a:buFont typeface="+mj-lt"/>
+              <a:buAutoNum type="arabicPeriod"/>
+            </a:pPr>
+            <a:r>
+              <a:rPr lang="en-US" dirty="0">
+                <a:solidFill>
+                  <a:srgbClr val="FF0000"/>
+                </a:solidFill>
+              </a:rPr>
+              <a:t>Submit your repo to </a:t>
+            </a:r>
+            <a:r>
+              <a:rPr lang="en-US" dirty="0" err="1">
+                <a:solidFill>
+                  <a:srgbClr val="FF0000"/>
+                </a:solidFill>
+              </a:rPr>
+              <a:t>Eaglint</a:t>
+            </a:r>
+            <a:r>
+              <a:rPr lang="en-US" dirty="0">
+                <a:solidFill>
+                  <a:srgbClr val="FF0000"/>
+                </a:solidFill>
+              </a:rPr>
+              <a:t> for a full check</a:t>
+            </a:r>
+          </a:p>
+          <a:p>
+            <a:pPr marL="514350" indent="-514350">
+              <a:buFont typeface="+mj-lt"/>
+              <a:buAutoNum type="arabicPeriod"/>
+            </a:pPr>
+            <a:r>
+              <a:rPr lang="en-US" dirty="0"/>
+              <a:t>If warnings/errors</a:t>
+            </a:r>
+          </a:p>
+          <a:p>
+            <a:pPr marL="400050" lvl="1" indent="0">
+              <a:buNone/>
+            </a:pPr>
+            <a:r>
+              <a:rPr lang="en-US" dirty="0"/>
+              <a:t>Fix and </a:t>
+            </a:r>
+            <a:r>
+              <a:rPr lang="en-US" dirty="0" err="1"/>
+              <a:t>goto</a:t>
+            </a:r>
+            <a:r>
+              <a:rPr lang="en-US" dirty="0"/>
+              <a:t> 1.</a:t>
+            </a:r>
+          </a:p>
+          <a:p>
+            <a:pPr marL="400050" lvl="1" indent="0">
+              <a:buNone/>
+            </a:pPr>
+            <a:r>
+              <a:rPr lang="en-US" dirty="0"/>
+              <a:t>Or justify them and </a:t>
+            </a:r>
+            <a:r>
+              <a:rPr lang="en-US" dirty="0" err="1"/>
+              <a:t>goto</a:t>
+            </a:r>
+            <a:r>
+              <a:rPr lang="en-US" dirty="0"/>
+              <a:t> 4</a:t>
+            </a:r>
+          </a:p>
+          <a:p>
+            <a:pPr marL="514350" indent="-514350">
+              <a:buFont typeface="+mj-lt"/>
+              <a:buAutoNum type="arabicPeriod"/>
+            </a:pPr>
+            <a:r>
+              <a:rPr lang="en-US" dirty="0">
+                <a:solidFill>
+                  <a:srgbClr val="FF0000"/>
+                </a:solidFill>
+              </a:rPr>
+              <a:t>Submit for human review</a:t>
+            </a:r>
+          </a:p>
+          <a:p>
+            <a:pPr marL="514350" indent="-514350">
+              <a:buFont typeface="+mj-lt"/>
+              <a:buAutoNum type="arabicPeriod"/>
+            </a:pPr>
+            <a:r>
+              <a:rPr lang="en-US" dirty="0"/>
+              <a:t>If rejected</a:t>
+            </a:r>
+          </a:p>
+          <a:p>
+            <a:pPr marL="400050" lvl="1" indent="0">
+              <a:buNone/>
+            </a:pPr>
+            <a:r>
+              <a:rPr lang="en-US" dirty="0"/>
+              <a:t>Read comments; </a:t>
+            </a:r>
+            <a:r>
+              <a:rPr lang="en-US" dirty="0" err="1"/>
+              <a:t>goto</a:t>
+            </a:r>
+            <a:r>
+              <a:rPr lang="en-US" dirty="0"/>
+              <a:t> 1.</a:t>
+            </a:r>
+          </a:p>
+          <a:p>
+            <a:pPr marL="514350" indent="-514350">
+              <a:buFont typeface="+mj-lt"/>
+              <a:buAutoNum type="arabicPeriod"/>
+            </a:pPr>
+            <a:r>
+              <a:rPr lang="en-US" dirty="0"/>
+              <a:t>Else if accepted</a:t>
+            </a:r>
+          </a:p>
+          <a:p>
+            <a:pPr marL="400050" lvl="1" indent="0">
+              <a:buNone/>
+            </a:pPr>
+            <a:r>
+              <a:rPr lang="en-US" dirty="0" err="1"/>
+              <a:t>Goto</a:t>
+            </a:r>
+            <a:r>
+              <a:rPr lang="en-US" dirty="0"/>
+              <a:t> next lab</a:t>
+            </a:r>
+          </a:p>
+        </p:txBody>
+      </p:sp>
+    </p:spTree>
+    <p:extLst>
+      <p:ext uri="{BB962C8B-B14F-4D97-AF65-F5344CB8AC3E}">
+        <p14:creationId xmlns:p14="http://schemas.microsoft.com/office/powerpoint/2010/main" val="1072275094"/>
+      </p:ext>
+    </p:extLst>
+  </p:cSld>
+  <p:clrMapOvr>
+    <a:masterClrMapping/>
+  </p:clrMapOvr>
+</p:sld>
+</file>
+
+<file path=ppt/slides/slide53.xml><?xml version="1.0" encoding="utf-8"?>
+<p:sld xmlns:a="http://schemas.openxmlformats.org/drawingml/2006/main" xmlns:r="http://schemas.openxmlformats.org/officeDocument/2006/relationships" xmlns:p="http://schemas.openxmlformats.org/presentationml/2006/main">
+  <p:cSld>
+    <p:spTree>
+      <p:nvGrpSpPr>
+        <p:cNvPr id="1" name=""/>
+        <p:cNvGrpSpPr/>
+        <p:nvPr/>
+      </p:nvGrpSpPr>
+      <p:grpSpPr>
+        <a:xfrm>
+          <a:off x="0" y="0"/>
+          <a:ext cx="0" cy="0"/>
+          <a:chOff x="0" y="0"/>
+          <a:chExt cx="0" cy="0"/>
+        </a:xfrm>
+      </p:grpSpPr>
+      <p:sp>
+        <p:nvSpPr>
+          <p:cNvPr id="2" name="Title 1">
+            <a:extLst>
+              <a:ext uri="{FF2B5EF4-FFF2-40B4-BE49-F238E27FC236}">
+                <a16:creationId xmlns:a16="http://schemas.microsoft.com/office/drawing/2014/main" id="{F65CE4FC-EF5F-C444-B1EC-1755D0ED84EF}"/>
+              </a:ext>
+            </a:extLst>
+          </p:cNvPr>
+          <p:cNvSpPr>
+            <a:spLocks noGrp="1"/>
+          </p:cNvSpPr>
+          <p:nvPr>
+            <p:ph type="title"/>
+          </p:nvPr>
+        </p:nvSpPr>
+        <p:spPr/>
+        <p:txBody>
+          <a:bodyPr/>
+          <a:lstStyle/>
+          <a:p>
+            <a:r>
+              <a:rPr lang="en-US" dirty="0"/>
+              <a:t>Grading on PCB Labs</a:t>
+            </a:r>
+          </a:p>
+        </p:txBody>
+      </p:sp>
+      <p:sp>
+        <p:nvSpPr>
+          <p:cNvPr id="3" name="Content Placeholder 2">
+            <a:extLst>
+              <a:ext uri="{FF2B5EF4-FFF2-40B4-BE49-F238E27FC236}">
+                <a16:creationId xmlns:a16="http://schemas.microsoft.com/office/drawing/2014/main" id="{6CAF32E4-A95A-5F44-8563-0B09761289E5}"/>
+              </a:ext>
+            </a:extLst>
+          </p:cNvPr>
+          <p:cNvSpPr>
+            <a:spLocks noGrp="1"/>
+          </p:cNvSpPr>
+          <p:nvPr>
+            <p:ph idx="1"/>
+          </p:nvPr>
+        </p:nvSpPr>
+        <p:spPr/>
+        <p:txBody>
+          <a:bodyPr>
+            <a:normAutofit fontScale="85000" lnSpcReduction="20000"/>
+          </a:bodyPr>
+          <a:lstStyle/>
+          <a:p>
+            <a:r>
+              <a:rPr lang="en-US" dirty="0"/>
+              <a:t>The key to PCB design is attention to detail.</a:t>
+            </a:r>
+          </a:p>
+          <a:p>
+            <a:pPr lvl="1"/>
+            <a:r>
+              <a:rPr lang="en-US" dirty="0"/>
+              <a:t>Building a real board can take 4 months.</a:t>
+            </a:r>
+          </a:p>
+          <a:p>
+            <a:pPr lvl="1"/>
+            <a:r>
+              <a:rPr lang="en-US" dirty="0"/>
+              <a:t>If you make a mistake, it takes 4 months to fix.</a:t>
+            </a:r>
+          </a:p>
+          <a:p>
+            <a:pPr lvl="2"/>
+            <a:r>
+              <a:rPr lang="en-US" dirty="0"/>
+              <a:t>Contrast to software:  just recompile and rerun!</a:t>
+            </a:r>
+          </a:p>
+          <a:p>
+            <a:pPr lvl="1"/>
+            <a:r>
+              <a:rPr lang="en-US" dirty="0"/>
+              <a:t>Don’t make any mistakes!  Check your work!</a:t>
+            </a:r>
+          </a:p>
+          <a:p>
+            <a:r>
+              <a:rPr lang="en-US" dirty="0"/>
+              <a:t>Grading for PCB labs</a:t>
+            </a:r>
+          </a:p>
+          <a:p>
+            <a:pPr lvl="1"/>
+            <a:r>
+              <a:rPr lang="en-US" dirty="0"/>
+              <a:t>A “perfect” score is 10 points</a:t>
+            </a:r>
+          </a:p>
+          <a:p>
+            <a:pPr lvl="1"/>
+            <a:r>
+              <a:rPr lang="en-US" dirty="0"/>
+              <a:t>You start out with 13 points.</a:t>
+            </a:r>
+          </a:p>
+          <a:p>
+            <a:pPr lvl="1"/>
+            <a:r>
+              <a:rPr lang="en-US" dirty="0"/>
+              <a:t>Every time you submit a design to </a:t>
+            </a:r>
+            <a:r>
+              <a:rPr lang="en-US" dirty="0" err="1"/>
+              <a:t>Eaglint</a:t>
+            </a:r>
+            <a:r>
+              <a:rPr lang="en-US" dirty="0"/>
+              <a:t>, you lose a point.</a:t>
+            </a:r>
+          </a:p>
+          <a:p>
+            <a:pPr lvl="1"/>
+            <a:r>
+              <a:rPr lang="en-US" dirty="0"/>
+              <a:t>Every time you submit a design for human review </a:t>
+            </a:r>
+            <a:r>
+              <a:rPr lang="en-US" dirty="0" err="1"/>
+              <a:t>Eaglint</a:t>
+            </a:r>
+            <a:r>
+              <a:rPr lang="en-US" dirty="0"/>
+              <a:t>, you lose a point.</a:t>
+            </a:r>
+          </a:p>
+          <a:p>
+            <a:r>
+              <a:rPr lang="en-US" dirty="0"/>
+              <a:t>”Quick checks” are free.</a:t>
+            </a:r>
+          </a:p>
+          <a:p>
+            <a:pPr lvl="1"/>
+            <a:endParaRPr lang="en-US" dirty="0"/>
+          </a:p>
+          <a:p>
+            <a:endParaRPr lang="en-US" dirty="0"/>
+          </a:p>
+        </p:txBody>
+      </p:sp>
+    </p:spTree>
+    <p:extLst>
+      <p:ext uri="{BB962C8B-B14F-4D97-AF65-F5344CB8AC3E}">
+        <p14:creationId xmlns:p14="http://schemas.microsoft.com/office/powerpoint/2010/main" val="252210692"/>
+      </p:ext>
+    </p:extLst>
+  </p:cSld>
+  <p:clrMapOvr>
+    <a:masterClrMapping/>
+  </p:clrMapOvr>
 </p:sld>
 </file>
 
@@ -16184,10 +16748,9 @@
           <a:lstStyle/>
           <a:p>
             <a:r>
-              <a:rPr lang="en-US" dirty="0" smtClean="0"/>
+              <a:rPr lang="en-US" dirty="0"/>
               <a:t>Dielectric	</a:t>
             </a:r>
-            <a:endParaRPr lang="en-US" dirty="0"/>
           </a:p>
         </p:txBody>
       </p:sp>
@@ -16214,13 +16777,13 @@
           <a:lstStyle/>
           <a:p>
             <a:r>
-              <a:rPr lang="en-US" dirty="0" smtClean="0"/>
+              <a:rPr lang="en-US" dirty="0"/>
               <a:t>The dielectric in the insulator between metal layers</a:t>
             </a:r>
           </a:p>
           <a:p>
             <a:r>
-              <a:rPr lang="en-US" dirty="0" smtClean="0">
+              <a:rPr lang="en-US" dirty="0">
                 <a:sym typeface="Wingdings"/>
               </a:rPr>
               <a:t>Most PCBs use FR4</a:t>
@@ -16229,7 +16792,7 @@
           <a:p>
             <a:pPr lvl="1"/>
             <a:r>
-              <a:rPr lang="en-US" dirty="0" smtClean="0">
+              <a:rPr lang="en-US" dirty="0">
                 <a:sym typeface="Wingdings"/>
               </a:rPr>
               <a:t>“glass reinforced epoxy laminate”</a:t>
@@ -16238,7 +16801,7 @@
           <a:p>
             <a:pPr lvl="1"/>
             <a:r>
-              <a:rPr lang="en-US" dirty="0" smtClean="0">
+              <a:rPr lang="en-US" dirty="0">
                 <a:sym typeface="Wingdings"/>
               </a:rPr>
               <a:t>i.e., fancy fiberglass</a:t>
@@ -16247,7 +16810,7 @@
           <a:p>
             <a:pPr lvl="1"/>
             <a:r>
-              <a:rPr lang="en-US" dirty="0" smtClean="0">
+              <a:rPr lang="en-US" dirty="0">
                 <a:sym typeface="Wingdings"/>
               </a:rPr>
               <a:t>“FR” means “flame retardant”</a:t>
@@ -16255,7 +16818,7 @@
           </a:p>
           <a:p>
             <a:r>
-              <a:rPr lang="en-US" dirty="0" smtClean="0">
+              <a:rPr lang="en-US" dirty="0">
                 <a:sym typeface="Wingdings"/>
               </a:rPr>
               <a:t>Other specialized dielectrics are are available</a:t>
@@ -16264,7 +16827,7 @@
           <a:p>
             <a:pPr lvl="1"/>
             <a:r>
-              <a:rPr lang="en-US" dirty="0" smtClean="0">
+              <a:rPr lang="en-US" dirty="0">
                 <a:sym typeface="Wingdings"/>
               </a:rPr>
               <a:t>To support high speed circuits</a:t>
@@ -16273,7 +16836,7 @@
           <a:p>
             <a:pPr lvl="1"/>
             <a:r>
-              <a:rPr lang="en-US" dirty="0" smtClean="0">
+              <a:rPr lang="en-US" dirty="0">
                 <a:sym typeface="Wingdings"/>
               </a:rPr>
               <a:t>To manage thermal expansion</a:t>
@@ -16315,13 +16878,6 @@
   <p:clrMapOvr>
     <a:masterClrMapping/>
   </p:clrMapOvr>
-  <p:timing>
-    <p:tnLst>
-      <p:par>
-        <p:cTn xmlns:p14="http://schemas.microsoft.com/office/powerpoint/2010/main" id="1" dur="indefinite" restart="never" nodeType="tmRoot"/>
-      </p:par>
-    </p:tnLst>
-  </p:timing>
 </p:sld>
 </file>
 
@@ -16358,10 +16914,9 @@
           <a:lstStyle/>
           <a:p>
             <a:r>
-              <a:rPr lang="en-US" dirty="0" smtClean="0"/>
+              <a:rPr lang="en-US" dirty="0"/>
               <a:t>Solder Mask	</a:t>
             </a:r>
-            <a:endParaRPr lang="en-US" dirty="0"/>
           </a:p>
         </p:txBody>
       </p:sp>
@@ -16377,35 +16932,32 @@
         </p:nvSpPr>
         <p:spPr>
           <a:xfrm>
-            <a:off x="449048" y="1600200"/>
-            <a:ext cx="4961025" cy="4525963"/>
+            <a:off x="449049" y="1600200"/>
+            <a:ext cx="4223892" cy="4525963"/>
           </a:xfrm>
         </p:spPr>
         <p:txBody>
           <a:bodyPr>
-            <a:normAutofit fontScale="92500"/>
+            <a:normAutofit fontScale="77500" lnSpcReduction="20000"/>
           </a:bodyPr>
           <a:lstStyle/>
           <a:p>
             <a:r>
-              <a:rPr lang="en-US" dirty="0" smtClean="0"/>
+              <a:rPr lang="en-US" dirty="0"/>
               <a:t>The solder masking is a polymer (plastic) coating on the top and bottom of the board</a:t>
             </a:r>
           </a:p>
           <a:p>
             <a:r>
-              <a:rPr lang="en-US" dirty="0" smtClean="0">
+              <a:rPr lang="en-US" dirty="0">
                 <a:sym typeface="Wingdings"/>
               </a:rPr>
               <a:t>Solder does not adhere to it.</a:t>
             </a:r>
-            <a:endParaRPr lang="en-US" dirty="0">
-              <a:sym typeface="Wingdings"/>
-            </a:endParaRPr>
-          </a:p>
-          <a:p>
-            <a:r>
-              <a:rPr lang="en-US" dirty="0" smtClean="0">
+          </a:p>
+          <a:p>
+            <a:r>
+              <a:rPr lang="en-US" dirty="0">
                 <a:sym typeface="Wingdings"/>
               </a:rPr>
               <a:t>It serves several needs</a:t>
@@ -16417,24 +16969,37 @@
               <a:rPr lang="en-US" dirty="0">
                 <a:sym typeface="Wingdings"/>
               </a:rPr>
-              <a:t>P</a:t>
-            </a:r>
-            <a:r>
-              <a:rPr lang="en-US" dirty="0" smtClean="0">
-                <a:sym typeface="Wingdings"/>
-              </a:rPr>
-              <a:t>rotects the top and bottom metal from oxidation.</a:t>
+              <a:t>Protects the top and bottom metal from oxidation.</a:t>
             </a:r>
           </a:p>
           <a:p>
             <a:pPr lvl="1"/>
             <a:r>
-              <a:rPr lang="en-US" dirty="0" smtClean="0">
+              <a:rPr lang="en-US" dirty="0">
                 <a:sym typeface="Wingdings"/>
               </a:rPr>
               <a:t>Helps prevent solder bridges</a:t>
             </a:r>
-            <a:endParaRPr lang="en-US" dirty="0" smtClean="0"/>
+          </a:p>
+          <a:p>
+            <a:r>
+              <a:rPr lang="en-US" dirty="0"/>
+              <a:t>Gives the board color</a:t>
+            </a:r>
+          </a:p>
+          <a:p>
+            <a:pPr lvl="1"/>
+            <a:r>
+              <a:rPr lang="en-US" dirty="0"/>
+              <a:t>FR4 is brown</a:t>
+            </a:r>
+          </a:p>
+          <a:p>
+            <a:pPr lvl="1"/>
+            <a:r>
+              <a:rPr lang="en-US" dirty="0"/>
+              <a:t>Solder mask comes in several colors. </a:t>
+            </a:r>
           </a:p>
         </p:txBody>
       </p:sp>
@@ -16472,13 +17037,6 @@
   <p:clrMapOvr>
     <a:masterClrMapping/>
   </p:clrMapOvr>
-  <p:timing>
-    <p:tnLst>
-      <p:par>
-        <p:cTn xmlns:p14="http://schemas.microsoft.com/office/powerpoint/2010/main" id="1" dur="indefinite" restart="never" nodeType="tmRoot"/>
-      </p:par>
-    </p:tnLst>
-  </p:timing>
 </p:sld>
 </file>
 
@@ -16515,10 +17073,9 @@
           <a:lstStyle/>
           <a:p>
             <a:r>
-              <a:rPr lang="en-US" dirty="0" smtClean="0"/>
+              <a:rPr lang="en-US" dirty="0"/>
               <a:t>Silkscreen</a:t>
             </a:r>
-            <a:endParaRPr lang="en-US" dirty="0"/>
           </a:p>
         </p:txBody>
       </p:sp>
@@ -16545,41 +17102,41 @@
           <a:lstStyle/>
           <a:p>
             <a:r>
-              <a:rPr lang="en-US" dirty="0" smtClean="0"/>
+              <a:rPr lang="en-US" dirty="0"/>
               <a:t>It’s an opaque (usually) white epoxy or polymer</a:t>
             </a:r>
           </a:p>
           <a:p>
             <a:r>
-              <a:rPr lang="en-US" dirty="0" smtClean="0"/>
+              <a:rPr lang="en-US" dirty="0"/>
               <a:t>It provides documentation and markings</a:t>
             </a:r>
           </a:p>
           <a:p>
             <a:pPr lvl="1"/>
             <a:r>
-              <a:rPr lang="en-US" dirty="0" smtClean="0"/>
+              <a:rPr lang="en-US" dirty="0"/>
               <a:t>References designators</a:t>
             </a:r>
           </a:p>
           <a:p>
             <a:pPr lvl="1"/>
             <a:r>
-              <a:rPr lang="en-US" dirty="0" smtClean="0"/>
+              <a:rPr lang="en-US" dirty="0"/>
               <a:t>Part outlines</a:t>
             </a:r>
           </a:p>
           <a:p>
             <a:pPr lvl="1"/>
             <a:r>
-              <a:rPr lang="en-US" dirty="0" smtClean="0"/>
+              <a:rPr lang="en-US" dirty="0"/>
               <a:t>Logos</a:t>
             </a:r>
           </a:p>
           <a:p>
             <a:pPr lvl="1"/>
             <a:r>
-              <a:rPr lang="en-US" dirty="0" smtClean="0"/>
+              <a:rPr lang="en-US" dirty="0"/>
               <a:t>Serial numbers etc.</a:t>
             </a:r>
           </a:p>
@@ -16587,7 +17144,7 @@
             <a:pPr marL="0" indent="0">
               <a:buNone/>
             </a:pPr>
-            <a:endParaRPr lang="en-US" dirty="0" smtClean="0"/>
+            <a:endParaRPr lang="en-US" dirty="0"/>
           </a:p>
         </p:txBody>
       </p:sp>
@@ -16625,13 +17182,6 @@
   <p:clrMapOvr>
     <a:masterClrMapping/>
   </p:clrMapOvr>
-  <p:timing>
-    <p:tnLst>
-      <p:par>
-        <p:cTn xmlns:p14="http://schemas.microsoft.com/office/powerpoint/2010/main" id="1" dur="indefinite" restart="never" nodeType="tmRoot"/>
-      </p:par>
-    </p:tnLst>
-  </p:timing>
 </p:sld>
 </file>
 
@@ -16670,10 +17220,9 @@
           <a:lstStyle/>
           <a:p>
             <a:r>
-              <a:rPr lang="en-US" dirty="0" smtClean="0"/>
+              <a:rPr lang="en-US" dirty="0"/>
               <a:t>Making Connections Between Layers</a:t>
             </a:r>
-            <a:endParaRPr lang="en-US" dirty="0"/>
           </a:p>
         </p:txBody>
       </p:sp>
@@ -16700,28 +17249,27 @@
           <a:lstStyle/>
           <a:p>
             <a:r>
-              <a:rPr lang="en-US" dirty="0" smtClean="0"/>
+              <a:rPr lang="en-US" dirty="0"/>
               <a:t>Plated holes connect metal layers.</a:t>
             </a:r>
-            <a:endParaRPr lang="en-US" dirty="0"/>
           </a:p>
           <a:p>
             <a:pPr lvl="1"/>
             <a:r>
-              <a:rPr lang="en-US" dirty="0" smtClean="0"/>
+              <a:rPr lang="en-US" dirty="0"/>
               <a:t>Drill a hole</a:t>
             </a:r>
           </a:p>
           <a:p>
             <a:pPr lvl="1"/>
             <a:r>
-              <a:rPr lang="en-US" dirty="0" smtClean="0"/>
+              <a:rPr lang="en-US" dirty="0"/>
               <a:t>Electroplate it with copper</a:t>
             </a:r>
           </a:p>
           <a:p>
             <a:r>
-              <a:rPr lang="en-US" dirty="0" smtClean="0"/>
+              <a:rPr lang="en-US" dirty="0"/>
               <a:t>The plating attaches to metal that the hole passes through</a:t>
             </a:r>
           </a:p>
@@ -16761,13 +17309,6 @@
   <p:clrMapOvr>
     <a:masterClrMapping/>
   </p:clrMapOvr>
-  <p:timing>
-    <p:tnLst>
-      <p:par>
-        <p:cTn xmlns:p14="http://schemas.microsoft.com/office/powerpoint/2010/main" id="1" dur="indefinite" restart="never" nodeType="tmRoot"/>
-      </p:par>
-    </p:tnLst>
-  </p:timing>
 </p:sld>
 </file>
 

--- a/Lecture Slides/Lab01-Eagle-Intro.pptx
+++ b/Lecture Slides/Lab01-Eagle-Intro.pptx
@@ -260,7 +260,7 @@
           <a:p>
             <a:fld id="{BC745CAF-6697-EB43-8D33-148B2A11868D}" type="datetimeFigureOut">
               <a:rPr lang="en-US" smtClean="0"/>
-              <a:t>4/3/18</a:t>
+              <a:t>4/5/18</a:t>
             </a:fld>
             <a:endParaRPr lang="en-US"/>
           </a:p>
@@ -793,7 +793,7 @@
           <a:p>
             <a:fld id="{0675A308-8787-9B42-956E-CA40C2F0F6AE}" type="datetimeFigureOut">
               <a:rPr lang="en-US" smtClean="0"/>
-              <a:t>4/3/18</a:t>
+              <a:t>4/5/18</a:t>
             </a:fld>
             <a:endParaRPr lang="en-US"/>
           </a:p>
@@ -963,7 +963,7 @@
           <a:p>
             <a:fld id="{0675A308-8787-9B42-956E-CA40C2F0F6AE}" type="datetimeFigureOut">
               <a:rPr lang="en-US" smtClean="0"/>
-              <a:t>4/3/18</a:t>
+              <a:t>4/5/18</a:t>
             </a:fld>
             <a:endParaRPr lang="en-US"/>
           </a:p>
@@ -1143,7 +1143,7 @@
           <a:p>
             <a:fld id="{0675A308-8787-9B42-956E-CA40C2F0F6AE}" type="datetimeFigureOut">
               <a:rPr lang="en-US" smtClean="0"/>
-              <a:t>4/3/18</a:t>
+              <a:t>4/5/18</a:t>
             </a:fld>
             <a:endParaRPr lang="en-US"/>
           </a:p>
@@ -1313,7 +1313,7 @@
           <a:p>
             <a:fld id="{0675A308-8787-9B42-956E-CA40C2F0F6AE}" type="datetimeFigureOut">
               <a:rPr lang="en-US" smtClean="0"/>
-              <a:t>4/3/18</a:t>
+              <a:t>4/5/18</a:t>
             </a:fld>
             <a:endParaRPr lang="en-US"/>
           </a:p>
@@ -1559,7 +1559,7 @@
           <a:p>
             <a:fld id="{0675A308-8787-9B42-956E-CA40C2F0F6AE}" type="datetimeFigureOut">
               <a:rPr lang="en-US" smtClean="0"/>
-              <a:t>4/3/18</a:t>
+              <a:t>4/5/18</a:t>
             </a:fld>
             <a:endParaRPr lang="en-US"/>
           </a:p>
@@ -1847,7 +1847,7 @@
           <a:p>
             <a:fld id="{0675A308-8787-9B42-956E-CA40C2F0F6AE}" type="datetimeFigureOut">
               <a:rPr lang="en-US" smtClean="0"/>
-              <a:t>4/3/18</a:t>
+              <a:t>4/5/18</a:t>
             </a:fld>
             <a:endParaRPr lang="en-US"/>
           </a:p>
@@ -2269,7 +2269,7 @@
           <a:p>
             <a:fld id="{0675A308-8787-9B42-956E-CA40C2F0F6AE}" type="datetimeFigureOut">
               <a:rPr lang="en-US" smtClean="0"/>
-              <a:t>4/3/18</a:t>
+              <a:t>4/5/18</a:t>
             </a:fld>
             <a:endParaRPr lang="en-US"/>
           </a:p>
@@ -2387,7 +2387,7 @@
           <a:p>
             <a:fld id="{0675A308-8787-9B42-956E-CA40C2F0F6AE}" type="datetimeFigureOut">
               <a:rPr lang="en-US" smtClean="0"/>
-              <a:t>4/3/18</a:t>
+              <a:t>4/5/18</a:t>
             </a:fld>
             <a:endParaRPr lang="en-US"/>
           </a:p>
@@ -2482,7 +2482,7 @@
           <a:p>
             <a:fld id="{0675A308-8787-9B42-956E-CA40C2F0F6AE}" type="datetimeFigureOut">
               <a:rPr lang="en-US" smtClean="0"/>
-              <a:t>4/3/18</a:t>
+              <a:t>4/5/18</a:t>
             </a:fld>
             <a:endParaRPr lang="en-US"/>
           </a:p>
@@ -2759,7 +2759,7 @@
           <a:p>
             <a:fld id="{0675A308-8787-9B42-956E-CA40C2F0F6AE}" type="datetimeFigureOut">
               <a:rPr lang="en-US" smtClean="0"/>
-              <a:t>4/3/18</a:t>
+              <a:t>4/5/18</a:t>
             </a:fld>
             <a:endParaRPr lang="en-US"/>
           </a:p>
@@ -3012,7 +3012,7 @@
           <a:p>
             <a:fld id="{0675A308-8787-9B42-956E-CA40C2F0F6AE}" type="datetimeFigureOut">
               <a:rPr lang="en-US" smtClean="0"/>
-              <a:t>4/3/18</a:t>
+              <a:t>4/5/18</a:t>
             </a:fld>
             <a:endParaRPr lang="en-US"/>
           </a:p>
@@ -3225,7 +3225,7 @@
           <a:p>
             <a:fld id="{0675A308-8787-9B42-956E-CA40C2F0F6AE}" type="datetimeFigureOut">
               <a:rPr lang="en-US" smtClean="0"/>
-              <a:t>4/3/18</a:t>
+              <a:t>4/5/18</a:t>
             </a:fld>
             <a:endParaRPr lang="en-US"/>
           </a:p>
@@ -14870,6 +14870,21 @@
           <a:p>
             <a:r>
               <a:rPr lang="en-US" dirty="0"/>
+              <a:t>Make sure you understand the reason for the errors.</a:t>
+            </a:r>
+          </a:p>
+          <a:p>
+            <a:r>
+              <a:rPr lang="en-US" dirty="0"/>
+              <a:t>Fix them if you can.</a:t>
+            </a:r>
+          </a:p>
+          <a:p>
+            <a:endParaRPr lang="en-US" dirty="0"/>
+          </a:p>
+          <a:p>
+            <a:r>
+              <a:rPr lang="en-US" dirty="0"/>
               <a:t>Run it! </a:t>
             </a:r>
           </a:p>
@@ -16069,15 +16084,9 @@
               <a:rPr lang="en-US" dirty="0">
                 <a:hlinkClick r:id="rId2"/>
               </a:rPr>
-              <a:t>https://sites.google.com/a/eng.ucsd.edu/quadcopterclass</a:t>
-            </a:r>
-            <a:r>
-              <a:rPr lang="en-US">
-                <a:hlinkClick r:id="rId2"/>
-              </a:rPr>
-              <a:t>/labs/lab-2-using-eagle</a:t>
-            </a:r>
-            <a:endParaRPr lang="en-US"/>
+              <a:t>https://sites.google.com/a/eng.ucsd.edu/quadcopterclass/labs/lab-2-using-eagle</a:t>
+            </a:r>
+            <a:endParaRPr lang="en-US" dirty="0"/>
           </a:p>
           <a:p>
             <a:endParaRPr lang="en-US" dirty="0"/>
@@ -16357,7 +16366,7 @@
             </a:pPr>
             <a:r>
               <a:rPr lang="en-US" dirty="0"/>
-              <a:t>Commit your changes to </a:t>
+              <a:t>Commit and push your changes to </a:t>
             </a:r>
             <a:r>
               <a:rPr lang="en-US" dirty="0" err="1"/>
@@ -16454,7 +16463,7 @@
             </a:r>
             <a:r>
               <a:rPr lang="en-US" dirty="0"/>
-              <a:t> 4</a:t>
+              <a:t> 5</a:t>
             </a:r>
           </a:p>
           <a:p>
@@ -16600,7 +16609,7 @@
         <p:spPr/>
         <p:txBody>
           <a:bodyPr>
-            <a:normAutofit fontScale="85000" lnSpcReduction="20000"/>
+            <a:normAutofit fontScale="70000" lnSpcReduction="20000"/>
           </a:bodyPr>
           <a:lstStyle/>
           <a:p>
@@ -16654,7 +16663,7 @@
             <a:pPr lvl="1"/>
             <a:r>
               <a:rPr lang="en-US" dirty="0"/>
-              <a:t>You start out with 13 points.</a:t>
+              <a:t>You start out with 15 points.</a:t>
             </a:r>
           </a:p>
           <a:p>
@@ -16686,6 +16695,21 @@
               <a:rPr lang="en-US" dirty="0"/>
               <a:t>, you lose a point.</a:t>
             </a:r>
+          </a:p>
+          <a:p>
+            <a:pPr lvl="1"/>
+            <a:r>
+              <a:rPr lang="en-US" dirty="0"/>
+              <a:t>For every day late, you lose a point.</a:t>
+            </a:r>
+          </a:p>
+          <a:p>
+            <a:pPr lvl="1"/>
+            <a:r>
+              <a:rPr lang="en-US"/>
+              <a:t>You must complete the labs.</a:t>
+            </a:r>
+            <a:endParaRPr lang="en-US" dirty="0"/>
           </a:p>
           <a:p>
             <a:r>

--- a/Lecture Slides/Lab01-Eagle-Intro.pptx
+++ b/Lecture Slides/Lab01-Eagle-Intro.pptx
@@ -5,7 +5,7 @@
     <p:sldMasterId id="2147483648" r:id="rId1"/>
   </p:sldMasterIdLst>
   <p:notesMasterIdLst>
-    <p:notesMasterId r:id="rId55"/>
+    <p:notesMasterId r:id="rId31"/>
   </p:notesMasterIdLst>
   <p:sldIdLst>
     <p:sldId id="292" r:id="rId2"/>
@@ -33,34 +33,10 @@
     <p:sldId id="286" r:id="rId24"/>
     <p:sldId id="287" r:id="rId25"/>
     <p:sldId id="259" r:id="rId26"/>
-    <p:sldId id="269" r:id="rId27"/>
-    <p:sldId id="308" r:id="rId28"/>
-    <p:sldId id="309" r:id="rId29"/>
-    <p:sldId id="310" r:id="rId30"/>
-    <p:sldId id="306" r:id="rId31"/>
-    <p:sldId id="270" r:id="rId32"/>
-    <p:sldId id="271" r:id="rId33"/>
-    <p:sldId id="272" r:id="rId34"/>
-    <p:sldId id="273" r:id="rId35"/>
-    <p:sldId id="274" r:id="rId36"/>
-    <p:sldId id="275" r:id="rId37"/>
-    <p:sldId id="277" r:id="rId38"/>
-    <p:sldId id="276" r:id="rId39"/>
-    <p:sldId id="281" r:id="rId40"/>
-    <p:sldId id="289" r:id="rId41"/>
-    <p:sldId id="290" r:id="rId42"/>
-    <p:sldId id="261" r:id="rId43"/>
-    <p:sldId id="262" r:id="rId44"/>
-    <p:sldId id="268" r:id="rId45"/>
-    <p:sldId id="263" r:id="rId46"/>
-    <p:sldId id="264" r:id="rId47"/>
-    <p:sldId id="265" r:id="rId48"/>
-    <p:sldId id="266" r:id="rId49"/>
-    <p:sldId id="267" r:id="rId50"/>
-    <p:sldId id="305" r:id="rId51"/>
-    <p:sldId id="311" r:id="rId52"/>
-    <p:sldId id="313" r:id="rId53"/>
-    <p:sldId id="312" r:id="rId54"/>
+    <p:sldId id="305" r:id="rId27"/>
+    <p:sldId id="311" r:id="rId28"/>
+    <p:sldId id="313" r:id="rId29"/>
+    <p:sldId id="312" r:id="rId30"/>
   </p:sldIdLst>
   <p:sldSz cx="9144000" cy="6858000" type="screen4x3"/>
   <p:notesSz cx="6858000" cy="9144000"/>
@@ -260,7 +236,7 @@
           <a:p>
             <a:fld id="{BC745CAF-6697-EB43-8D33-148B2A11868D}" type="datetimeFigureOut">
               <a:rPr lang="en-US" smtClean="0"/>
-              <a:t>4/5/18</a:t>
+              <a:t>1/22/19</a:t>
             </a:fld>
             <a:endParaRPr lang="en-US"/>
           </a:p>
@@ -793,7 +769,7 @@
           <a:p>
             <a:fld id="{0675A308-8787-9B42-956E-CA40C2F0F6AE}" type="datetimeFigureOut">
               <a:rPr lang="en-US" smtClean="0"/>
-              <a:t>4/5/18</a:t>
+              <a:t>1/22/19</a:t>
             </a:fld>
             <a:endParaRPr lang="en-US"/>
           </a:p>
@@ -963,7 +939,7 @@
           <a:p>
             <a:fld id="{0675A308-8787-9B42-956E-CA40C2F0F6AE}" type="datetimeFigureOut">
               <a:rPr lang="en-US" smtClean="0"/>
-              <a:t>4/5/18</a:t>
+              <a:t>1/22/19</a:t>
             </a:fld>
             <a:endParaRPr lang="en-US"/>
           </a:p>
@@ -1143,7 +1119,7 @@
           <a:p>
             <a:fld id="{0675A308-8787-9B42-956E-CA40C2F0F6AE}" type="datetimeFigureOut">
               <a:rPr lang="en-US" smtClean="0"/>
-              <a:t>4/5/18</a:t>
+              <a:t>1/22/19</a:t>
             </a:fld>
             <a:endParaRPr lang="en-US"/>
           </a:p>
@@ -1313,7 +1289,7 @@
           <a:p>
             <a:fld id="{0675A308-8787-9B42-956E-CA40C2F0F6AE}" type="datetimeFigureOut">
               <a:rPr lang="en-US" smtClean="0"/>
-              <a:t>4/5/18</a:t>
+              <a:t>1/22/19</a:t>
             </a:fld>
             <a:endParaRPr lang="en-US"/>
           </a:p>
@@ -1559,7 +1535,7 @@
           <a:p>
             <a:fld id="{0675A308-8787-9B42-956E-CA40C2F0F6AE}" type="datetimeFigureOut">
               <a:rPr lang="en-US" smtClean="0"/>
-              <a:t>4/5/18</a:t>
+              <a:t>1/22/19</a:t>
             </a:fld>
             <a:endParaRPr lang="en-US"/>
           </a:p>
@@ -1847,7 +1823,7 @@
           <a:p>
             <a:fld id="{0675A308-8787-9B42-956E-CA40C2F0F6AE}" type="datetimeFigureOut">
               <a:rPr lang="en-US" smtClean="0"/>
-              <a:t>4/5/18</a:t>
+              <a:t>1/22/19</a:t>
             </a:fld>
             <a:endParaRPr lang="en-US"/>
           </a:p>
@@ -2269,7 +2245,7 @@
           <a:p>
             <a:fld id="{0675A308-8787-9B42-956E-CA40C2F0F6AE}" type="datetimeFigureOut">
               <a:rPr lang="en-US" smtClean="0"/>
-              <a:t>4/5/18</a:t>
+              <a:t>1/22/19</a:t>
             </a:fld>
             <a:endParaRPr lang="en-US"/>
           </a:p>
@@ -2387,7 +2363,7 @@
           <a:p>
             <a:fld id="{0675A308-8787-9B42-956E-CA40C2F0F6AE}" type="datetimeFigureOut">
               <a:rPr lang="en-US" smtClean="0"/>
-              <a:t>4/5/18</a:t>
+              <a:t>1/22/19</a:t>
             </a:fld>
             <a:endParaRPr lang="en-US"/>
           </a:p>
@@ -2482,7 +2458,7 @@
           <a:p>
             <a:fld id="{0675A308-8787-9B42-956E-CA40C2F0F6AE}" type="datetimeFigureOut">
               <a:rPr lang="en-US" smtClean="0"/>
-              <a:t>4/5/18</a:t>
+              <a:t>1/22/19</a:t>
             </a:fld>
             <a:endParaRPr lang="en-US"/>
           </a:p>
@@ -2759,7 +2735,7 @@
           <a:p>
             <a:fld id="{0675A308-8787-9B42-956E-CA40C2F0F6AE}" type="datetimeFigureOut">
               <a:rPr lang="en-US" smtClean="0"/>
-              <a:t>4/5/18</a:t>
+              <a:t>1/22/19</a:t>
             </a:fld>
             <a:endParaRPr lang="en-US"/>
           </a:p>
@@ -3012,7 +2988,7 @@
           <a:p>
             <a:fld id="{0675A308-8787-9B42-956E-CA40C2F0F6AE}" type="datetimeFigureOut">
               <a:rPr lang="en-US" smtClean="0"/>
-              <a:t>4/5/18</a:t>
+              <a:t>1/22/19</a:t>
             </a:fld>
             <a:endParaRPr lang="en-US"/>
           </a:p>
@@ -3225,7 +3201,7 @@
           <a:p>
             <a:fld id="{0675A308-8787-9B42-956E-CA40C2F0F6AE}" type="datetimeFigureOut">
               <a:rPr lang="en-US" smtClean="0"/>
-              <a:t>4/5/18</a:t>
+              <a:t>1/22/19</a:t>
             </a:fld>
             <a:endParaRPr lang="en-US"/>
           </a:p>
@@ -13140,7 +13116,7 @@
             <a:spLocks noGrp="1"/>
           </p:cNvSpPr>
           <p:nvPr>
-            <p:ph type="ctrTitle"/>
+            <p:ph type="title"/>
           </p:nvPr>
         </p:nvSpPr>
         <p:spPr/>
@@ -13150,19 +13126,19 @@
           <a:p>
             <a:r>
               <a:rPr lang="en-US" dirty="0"/>
-              <a:t>Schematic Capture	</a:t>
+              <a:t>The Lab</a:t>
             </a:r>
           </a:p>
         </p:txBody>
       </p:sp>
       <p:sp>
         <p:nvSpPr>
-          <p:cNvPr id="3" name="Subtitle 2"/>
+          <p:cNvPr id="3" name="Content Placeholder 2"/>
           <p:cNvSpPr>
             <a:spLocks noGrp="1"/>
           </p:cNvSpPr>
           <p:nvPr>
-            <p:ph type="subTitle" idx="1"/>
+            <p:ph idx="1"/>
           </p:nvPr>
         </p:nvSpPr>
         <p:spPr/>
@@ -13170,6 +13146,27 @@
           <a:bodyPr/>
           <a:lstStyle/>
           <a:p>
+            <a:r>
+              <a:rPr lang="en-US" dirty="0"/>
+              <a:t>Use Eagle to design a simple schematic and board.</a:t>
+            </a:r>
+          </a:p>
+          <a:p>
+            <a:r>
+              <a:rPr lang="en-US" dirty="0"/>
+              <a:t>Run it through the tool flow.</a:t>
+            </a:r>
+          </a:p>
+          <a:p>
+            <a:r>
+              <a:rPr lang="en-US" dirty="0">
+                <a:hlinkClick r:id="rId2"/>
+              </a:rPr>
+              <a:t>https://sites.google.com/a/eng.ucsd.edu/quadcopterclass/labs/lab-2-using-eagle</a:t>
+            </a:r>
+            <a:endParaRPr lang="en-US" dirty="0"/>
+          </a:p>
+          <a:p>
             <a:endParaRPr lang="en-US" dirty="0"/>
           </a:p>
         </p:txBody>
@@ -13177,7 +13174,7 @@
     </p:spTree>
     <p:extLst>
       <p:ext uri="{BB962C8B-B14F-4D97-AF65-F5344CB8AC3E}">
-        <p14:creationId xmlns:p14="http://schemas.microsoft.com/office/powerpoint/2010/main" val="1812849256"/>
+        <p14:creationId xmlns:p14="http://schemas.microsoft.com/office/powerpoint/2010/main" val="2599178135"/>
       </p:ext>
     </p:extLst>
   </p:cSld>
@@ -13206,7 +13203,13 @@
       </p:grpSpPr>
       <p:sp>
         <p:nvSpPr>
-          <p:cNvPr id="2" name="Title 1"/>
+          <p:cNvPr id="2" name="Title 1">
+            <a:extLst>
+              <a:ext uri="{FF2B5EF4-FFF2-40B4-BE49-F238E27FC236}">
+                <a16:creationId xmlns:a16="http://schemas.microsoft.com/office/drawing/2014/main" id="{B37E69C4-6D54-194A-85C7-586A0D9A7293}"/>
+              </a:ext>
+            </a:extLst>
+          </p:cNvPr>
           <p:cNvSpPr>
             <a:spLocks noGrp="1"/>
           </p:cNvSpPr>
@@ -13221,14 +13224,20 @@
           <a:p>
             <a:r>
               <a:rPr lang="en-US" dirty="0"/>
-              <a:t>Schematics Goals</a:t>
+              <a:t>Eagle Lint</a:t>
             </a:r>
           </a:p>
         </p:txBody>
       </p:sp>
       <p:sp>
         <p:nvSpPr>
-          <p:cNvPr id="3" name="Content Placeholder 2"/>
+          <p:cNvPr id="3" name="Content Placeholder 2">
+            <a:extLst>
+              <a:ext uri="{FF2B5EF4-FFF2-40B4-BE49-F238E27FC236}">
+                <a16:creationId xmlns:a16="http://schemas.microsoft.com/office/drawing/2014/main" id="{BD1A45B9-43FC-BB46-BC02-8DE1D835F9BE}"/>
+              </a:ext>
+            </a:extLst>
+          </p:cNvPr>
           <p:cNvSpPr>
             <a:spLocks noGrp="1"/>
           </p:cNvSpPr>
@@ -13238,24 +13247,109 @@
         </p:nvSpPr>
         <p:spPr/>
         <p:txBody>
-          <a:bodyPr/>
+          <a:bodyPr>
+            <a:normAutofit fontScale="62500" lnSpcReduction="20000"/>
+          </a:bodyPr>
           <a:lstStyle/>
           <a:p>
             <a:r>
               <a:rPr lang="en-US" dirty="0"/>
-              <a:t>Determine what components your PCB will hold</a:t>
-            </a:r>
-          </a:p>
-          <a:p>
-            <a:r>
-              <a:rPr lang="en-US" dirty="0"/>
-              <a:t>Define the electrical connectivity between those components</a:t>
-            </a:r>
-          </a:p>
-          <a:p>
-            <a:r>
-              <a:rPr lang="en-US" dirty="0"/>
-              <a:t>Specify some metadata about the parts</a:t>
+              <a:t>lint:  </a:t>
+            </a:r>
+          </a:p>
+          <a:p>
+            <a:pPr lvl="1"/>
+            <a:r>
+              <a:rPr lang="en-US" i="1" dirty="0"/>
+              <a:t>Tool to check coding standards and other invariants about a computer system.</a:t>
+            </a:r>
+          </a:p>
+          <a:p>
+            <a:r>
+              <a:rPr lang="en-US" dirty="0" err="1"/>
+              <a:t>Eaglint</a:t>
+            </a:r>
+            <a:r>
+              <a:rPr lang="en-US" dirty="0"/>
+              <a:t> will check your libraries, schematics</a:t>
+            </a:r>
+          </a:p>
+          <a:p>
+            <a:pPr lvl="1"/>
+            <a:r>
+              <a:rPr lang="en-US" dirty="0"/>
+              <a:t>Check for common problems</a:t>
+            </a:r>
+          </a:p>
+          <a:p>
+            <a:pPr lvl="1"/>
+            <a:r>
+              <a:rPr lang="en-US" dirty="0"/>
+              <a:t>Check for correctness</a:t>
+            </a:r>
+          </a:p>
+          <a:p>
+            <a:pPr lvl="1"/>
+            <a:r>
+              <a:rPr lang="en-US" dirty="0"/>
+              <a:t>Check for style</a:t>
+            </a:r>
+          </a:p>
+          <a:p>
+            <a:r>
+              <a:rPr lang="en-US" dirty="0"/>
+              <a:t>Also checks for other files in your repo</a:t>
+            </a:r>
+          </a:p>
+          <a:p>
+            <a:pPr lvl="1"/>
+            <a:r>
+              <a:rPr lang="en-US" dirty="0" err="1"/>
+              <a:t>Eaglint</a:t>
+            </a:r>
+            <a:r>
+              <a:rPr lang="en-US" dirty="0"/>
+              <a:t> will tell you what it’s looking for.</a:t>
+            </a:r>
+          </a:p>
+          <a:p>
+            <a:pPr lvl="1"/>
+            <a:r>
+              <a:rPr lang="en-US" dirty="0"/>
+              <a:t>Pay attention.</a:t>
+            </a:r>
+          </a:p>
+          <a:p>
+            <a:r>
+              <a:rPr lang="en-US" dirty="0"/>
+              <a:t>Provides a workflow for me to review your designs and provide feedback.</a:t>
+            </a:r>
+          </a:p>
+          <a:p>
+            <a:r>
+              <a:rPr lang="en-US" dirty="0"/>
+              <a:t>To use</a:t>
+            </a:r>
+          </a:p>
+          <a:p>
+            <a:pPr lvl="1"/>
+            <a:r>
+              <a:rPr lang="en-US" dirty="0"/>
+              <a:t>Visit </a:t>
+            </a:r>
+            <a:r>
+              <a:rPr lang="en-US" dirty="0">
+                <a:hlinkClick r:id="rId2"/>
+              </a:rPr>
+              <a:t>http://eaglint.nvsl.io</a:t>
+            </a:r>
+            <a:endParaRPr lang="en-US" dirty="0"/>
+          </a:p>
+          <a:p>
+            <a:pPr lvl="1"/>
+            <a:r>
+              <a:rPr lang="en-US" dirty="0"/>
+              <a:t>You received a welcome email a couple of nights ago.</a:t>
             </a:r>
           </a:p>
           <a:p>
@@ -13266,7 +13360,7 @@
     </p:spTree>
     <p:extLst>
       <p:ext uri="{BB962C8B-B14F-4D97-AF65-F5344CB8AC3E}">
-        <p14:creationId xmlns:p14="http://schemas.microsoft.com/office/powerpoint/2010/main" val="18262680"/>
+        <p14:creationId xmlns:p14="http://schemas.microsoft.com/office/powerpoint/2010/main" val="2361343328"/>
       </p:ext>
     </p:extLst>
   </p:cSld>
@@ -13295,7 +13389,13 @@
       </p:grpSpPr>
       <p:sp>
         <p:nvSpPr>
-          <p:cNvPr id="2" name="Title 1"/>
+          <p:cNvPr id="2" name="Title 1">
+            <a:extLst>
+              <a:ext uri="{FF2B5EF4-FFF2-40B4-BE49-F238E27FC236}">
+                <a16:creationId xmlns:a16="http://schemas.microsoft.com/office/drawing/2014/main" id="{833E81A3-BF51-5545-AE4A-34E442EE3395}"/>
+              </a:ext>
+            </a:extLst>
+          </p:cNvPr>
           <p:cNvSpPr>
             <a:spLocks noGrp="1"/>
           </p:cNvSpPr>
@@ -13310,14 +13410,20 @@
           <a:p>
             <a:r>
               <a:rPr lang="en-US" dirty="0"/>
-              <a:t>Schematic Example</a:t>
+              <a:t>Eagle Lint Process</a:t>
             </a:r>
           </a:p>
         </p:txBody>
       </p:sp>
       <p:sp>
         <p:nvSpPr>
-          <p:cNvPr id="3" name="Content Placeholder 2"/>
+          <p:cNvPr id="3" name="Content Placeholder 2">
+            <a:extLst>
+              <a:ext uri="{FF2B5EF4-FFF2-40B4-BE49-F238E27FC236}">
+                <a16:creationId xmlns:a16="http://schemas.microsoft.com/office/drawing/2014/main" id="{97DDE2E0-2980-844E-B1DB-CACC04B172FE}"/>
+              </a:ext>
+            </a:extLst>
+          </p:cNvPr>
           <p:cNvSpPr>
             <a:spLocks noGrp="1"/>
           </p:cNvSpPr>
@@ -13327,28 +13433,179 @@
         </p:nvSpPr>
         <p:spPr/>
         <p:txBody>
-          <a:bodyPr/>
+          <a:bodyPr>
+            <a:normAutofit fontScale="85000" lnSpcReduction="20000"/>
+          </a:bodyPr>
           <a:lstStyle/>
           <a:p>
-            <a:r>
-              <a:rPr lang="en-US" dirty="0"/>
-              <a:t>open /Users/</a:t>
+            <a:pPr marL="514350" indent="-514350">
+              <a:buFont typeface="+mj-lt"/>
+              <a:buAutoNum type="arabicPeriod"/>
+            </a:pPr>
+            <a:r>
+              <a:rPr lang="en-US" dirty="0"/>
+              <a:t>Commit and push your changes to </a:t>
             </a:r>
             <a:r>
               <a:rPr lang="en-US" dirty="0" err="1"/>
-              <a:t>swanson</a:t>
-            </a:r>
-            <a:r>
-              <a:rPr lang="en-US" dirty="0"/>
-              <a:t>/UCSD/Teaching/18sp-190/</a:t>
+              <a:t>github</a:t>
+            </a:r>
+            <a:endParaRPr lang="en-US" dirty="0"/>
+          </a:p>
+          <a:p>
+            <a:pPr marL="514350" indent="-514350">
+              <a:buFont typeface="+mj-lt"/>
+              <a:buAutoNum type="arabicPeriod"/>
+            </a:pPr>
+            <a:r>
+              <a:rPr lang="en-US" dirty="0"/>
+              <a:t>Submit your repo to </a:t>
             </a:r>
             <a:r>
               <a:rPr lang="en-US" dirty="0" err="1"/>
-              <a:t>QuadClass</a:t>
-            </a:r>
-            <a:r>
-              <a:rPr lang="en-US" dirty="0"/>
-              <a:t>-Resources/Lecture\ Slides/Examples/ATmega128RFA1-DevBoard/ATmega128RFA1-DevBoard.sch</a:t>
+              <a:t>Eaglint</a:t>
+            </a:r>
+            <a:r>
+              <a:rPr lang="en-US" dirty="0"/>
+              <a:t> for a quick check</a:t>
+            </a:r>
+          </a:p>
+          <a:p>
+            <a:pPr marL="514350" indent="-514350">
+              <a:buFont typeface="+mj-lt"/>
+              <a:buAutoNum type="arabicPeriod"/>
+            </a:pPr>
+            <a:r>
+              <a:rPr lang="en-US" dirty="0">
+                <a:solidFill>
+                  <a:srgbClr val="FF0000"/>
+                </a:solidFill>
+              </a:rPr>
+              <a:t>Submit your repo to </a:t>
+            </a:r>
+            <a:r>
+              <a:rPr lang="en-US" dirty="0" err="1">
+                <a:solidFill>
+                  <a:srgbClr val="FF0000"/>
+                </a:solidFill>
+              </a:rPr>
+              <a:t>Eaglint</a:t>
+            </a:r>
+            <a:r>
+              <a:rPr lang="en-US" dirty="0">
+                <a:solidFill>
+                  <a:srgbClr val="FF0000"/>
+                </a:solidFill>
+              </a:rPr>
+              <a:t> for a full check</a:t>
+            </a:r>
+          </a:p>
+          <a:p>
+            <a:pPr marL="514350" indent="-514350">
+              <a:buFont typeface="+mj-lt"/>
+              <a:buAutoNum type="arabicPeriod"/>
+            </a:pPr>
+            <a:r>
+              <a:rPr lang="en-US" dirty="0"/>
+              <a:t>If warnings/errors</a:t>
+            </a:r>
+          </a:p>
+          <a:p>
+            <a:pPr marL="400050" lvl="1" indent="0">
+              <a:buNone/>
+            </a:pPr>
+            <a:r>
+              <a:rPr lang="en-US" dirty="0"/>
+              <a:t>Fix and </a:t>
+            </a:r>
+            <a:r>
+              <a:rPr lang="en-US" dirty="0" err="1"/>
+              <a:t>goto</a:t>
+            </a:r>
+            <a:r>
+              <a:rPr lang="en-US" dirty="0"/>
+              <a:t> 1.</a:t>
+            </a:r>
+          </a:p>
+          <a:p>
+            <a:pPr marL="400050" lvl="1" indent="0">
+              <a:buNone/>
+            </a:pPr>
+            <a:r>
+              <a:rPr lang="en-US" dirty="0"/>
+              <a:t>Or justify them and </a:t>
+            </a:r>
+            <a:r>
+              <a:rPr lang="en-US" dirty="0" err="1"/>
+              <a:t>goto</a:t>
+            </a:r>
+            <a:r>
+              <a:rPr lang="en-US" dirty="0"/>
+              <a:t> 5</a:t>
+            </a:r>
+          </a:p>
+          <a:p>
+            <a:pPr marL="514350" indent="-514350">
+              <a:buFont typeface="+mj-lt"/>
+              <a:buAutoNum type="arabicPeriod"/>
+            </a:pPr>
+            <a:r>
+              <a:rPr lang="en-US" dirty="0">
+                <a:solidFill>
+                  <a:srgbClr val="FF0000"/>
+                </a:solidFill>
+              </a:rPr>
+              <a:t>Submit for human review</a:t>
+            </a:r>
+          </a:p>
+          <a:p>
+            <a:pPr marL="514350" indent="-514350">
+              <a:buFont typeface="+mj-lt"/>
+              <a:buAutoNum type="arabicPeriod"/>
+            </a:pPr>
+            <a:r>
+              <a:rPr lang="en-US" dirty="0"/>
+              <a:t>If rejected</a:t>
+            </a:r>
+          </a:p>
+          <a:p>
+            <a:pPr marL="400050" lvl="1" indent="0">
+              <a:buNone/>
+            </a:pPr>
+            <a:r>
+              <a:rPr lang="en-US" dirty="0"/>
+              <a:t>Read comments; </a:t>
+            </a:r>
+            <a:r>
+              <a:rPr lang="en-US" dirty="0" err="1"/>
+              <a:t>goto</a:t>
+            </a:r>
+            <a:r>
+              <a:rPr lang="en-US" dirty="0"/>
+              <a:t> 1.</a:t>
+            </a:r>
+          </a:p>
+          <a:p>
+            <a:pPr marL="514350" indent="-514350">
+              <a:buFont typeface="+mj-lt"/>
+              <a:buAutoNum type="arabicPeriod"/>
+            </a:pPr>
+            <a:r>
+              <a:rPr lang="en-US" dirty="0"/>
+              <a:t>Else if accepted</a:t>
+            </a:r>
+          </a:p>
+          <a:p>
+            <a:pPr marL="400050" lvl="1" indent="0">
+              <a:buNone/>
+            </a:pPr>
+            <a:r>
+              <a:rPr lang="en-US" dirty="0" err="1"/>
+              <a:t>Goto</a:t>
+            </a:r>
+            <a:r>
+              <a:rPr lang="en-US" dirty="0"/>
+              <a:t> next lab</a:t>
             </a:r>
           </a:p>
         </p:txBody>
@@ -13356,7 +13613,7 @@
     </p:spTree>
     <p:extLst>
       <p:ext uri="{BB962C8B-B14F-4D97-AF65-F5344CB8AC3E}">
-        <p14:creationId xmlns:p14="http://schemas.microsoft.com/office/powerpoint/2010/main" val="651386354"/>
+        <p14:creationId xmlns:p14="http://schemas.microsoft.com/office/powerpoint/2010/main" val="1072275094"/>
       </p:ext>
     </p:extLst>
   </p:cSld>
@@ -13385,7 +13642,13 @@
       </p:grpSpPr>
       <p:sp>
         <p:nvSpPr>
-          <p:cNvPr id="2" name="Title 1"/>
+          <p:cNvPr id="2" name="Title 1">
+            <a:extLst>
+              <a:ext uri="{FF2B5EF4-FFF2-40B4-BE49-F238E27FC236}">
+                <a16:creationId xmlns:a16="http://schemas.microsoft.com/office/drawing/2014/main" id="{F65CE4FC-EF5F-C444-B1EC-1755D0ED84EF}"/>
+              </a:ext>
+            </a:extLst>
+          </p:cNvPr>
           <p:cNvSpPr>
             <a:spLocks noGrp="1"/>
           </p:cNvSpPr>
@@ -13400,14 +13663,20 @@
           <a:p>
             <a:r>
               <a:rPr lang="en-US" dirty="0"/>
-              <a:t>Eagle Pitfalls</a:t>
+              <a:t>Grading on PCB Labs</a:t>
             </a:r>
           </a:p>
         </p:txBody>
       </p:sp>
       <p:sp>
         <p:nvSpPr>
-          <p:cNvPr id="3" name="Content Placeholder 2"/>
+          <p:cNvPr id="3" name="Content Placeholder 2">
+            <a:extLst>
+              <a:ext uri="{FF2B5EF4-FFF2-40B4-BE49-F238E27FC236}">
+                <a16:creationId xmlns:a16="http://schemas.microsoft.com/office/drawing/2014/main" id="{6CAF32E4-A95A-5F44-8563-0B09761289E5}"/>
+              </a:ext>
+            </a:extLst>
+          </p:cNvPr>
           <p:cNvSpPr>
             <a:spLocks noGrp="1"/>
           </p:cNvSpPr>
@@ -13417,40 +13686,124 @@
         </p:nvSpPr>
         <p:spPr/>
         <p:txBody>
-          <a:bodyPr/>
+          <a:bodyPr>
+            <a:normAutofit fontScale="77500" lnSpcReduction="20000"/>
+          </a:bodyPr>
           <a:lstStyle/>
           <a:p>
             <a:r>
               <a:rPr lang="en-US" dirty="0"/>
-              <a:t>Always edit schematics with your grid set to 0.1” or 0.05” – ALWAYS!!!</a:t>
-            </a:r>
-          </a:p>
-          <a:p>
-            <a:r>
-              <a:rPr lang="en-US" dirty="0"/>
-              <a:t>Wires/pins can look connected but not be.</a:t>
+              <a:t>The key to PCB design is attention to detail.</a:t>
             </a:r>
           </a:p>
           <a:p>
             <a:pPr lvl="1"/>
             <a:r>
               <a:rPr lang="en-US" dirty="0"/>
-              <a:t>‘Wiggle’ parts to make sure wires move with them.</a:t>
+              <a:t>Building a real board can take 4 months.</a:t>
             </a:r>
           </a:p>
           <a:p>
             <a:pPr lvl="1"/>
             <a:r>
               <a:rPr lang="en-US" dirty="0"/>
-              <a:t>Check for the green dot.</a:t>
-            </a:r>
+              <a:t>If you make a mistake, it takes 4 months to fix.</a:t>
+            </a:r>
+          </a:p>
+          <a:p>
+            <a:pPr lvl="2"/>
+            <a:r>
+              <a:rPr lang="en-US" dirty="0"/>
+              <a:t>Contrast to software:  just recompile and rerun!</a:t>
+            </a:r>
+          </a:p>
+          <a:p>
+            <a:pPr lvl="1"/>
+            <a:r>
+              <a:rPr lang="en-US" dirty="0"/>
+              <a:t>Don’t make any mistakes!  Check your work!</a:t>
+            </a:r>
+          </a:p>
+          <a:p>
+            <a:r>
+              <a:rPr lang="en-US" dirty="0"/>
+              <a:t>Grading for PCB labs</a:t>
+            </a:r>
+          </a:p>
+          <a:p>
+            <a:pPr lvl="1"/>
+            <a:r>
+              <a:rPr lang="en-US" dirty="0"/>
+              <a:t>A “perfect” score is 10 points</a:t>
+            </a:r>
+          </a:p>
+          <a:p>
+            <a:pPr lvl="1"/>
+            <a:r>
+              <a:rPr lang="en-US" dirty="0"/>
+              <a:t>You start out with 15 points.</a:t>
+            </a:r>
+          </a:p>
+          <a:p>
+            <a:pPr lvl="1"/>
+            <a:r>
+              <a:rPr lang="en-US" dirty="0"/>
+              <a:t>Every time you submit a design to </a:t>
+            </a:r>
+            <a:r>
+              <a:rPr lang="en-US" dirty="0" err="1"/>
+              <a:t>Eaglint</a:t>
+            </a:r>
+            <a:r>
+              <a:rPr lang="en-US" dirty="0"/>
+              <a:t>, you lose a point.</a:t>
+            </a:r>
+          </a:p>
+          <a:p>
+            <a:pPr lvl="1"/>
+            <a:r>
+              <a:rPr lang="en-US" dirty="0"/>
+              <a:t>Every time you submit a design for human review </a:t>
+            </a:r>
+            <a:r>
+              <a:rPr lang="en-US" dirty="0" err="1"/>
+              <a:t>Eaglint</a:t>
+            </a:r>
+            <a:r>
+              <a:rPr lang="en-US" dirty="0"/>
+              <a:t>, you lose a point.</a:t>
+            </a:r>
+          </a:p>
+          <a:p>
+            <a:pPr lvl="1"/>
+            <a:r>
+              <a:rPr lang="en-US"/>
+              <a:t>You </a:t>
+            </a:r>
+            <a:r>
+              <a:rPr lang="en-US" dirty="0"/>
+              <a:t>must complete the labs.</a:t>
+            </a:r>
+          </a:p>
+          <a:p>
+            <a:r>
+              <a:rPr lang="en-US" dirty="0"/>
+              <a:t>”Quick checks” are free.</a:t>
+            </a:r>
+          </a:p>
+          <a:p>
+            <a:pPr lvl="1"/>
+            <a:endParaRPr lang="en-US" dirty="0"/>
+          </a:p>
+          <a:p>
+            <a:endParaRPr lang="en-US" dirty="0"/>
           </a:p>
         </p:txBody>
       </p:sp>
     </p:spTree>
     <p:extLst>
       <p:ext uri="{BB962C8B-B14F-4D97-AF65-F5344CB8AC3E}">
-        <p14:creationId xmlns:p14="http://schemas.microsoft.com/office/powerpoint/2010/main" val="473298508"/>
+        <p14:creationId xmlns:p14="http://schemas.microsoft.com/office/powerpoint/2010/main" val="252210692"/>
       </p:ext>
     </p:extLst>
   </p:cSld>
@@ -13587,1031 +13940,6 @@
 </p:sld>
 </file>
 
-<file path=ppt/slides/slide30.xml><?xml version="1.0" encoding="utf-8"?>
-<p:sld xmlns:a="http://schemas.openxmlformats.org/drawingml/2006/main" xmlns:r="http://schemas.openxmlformats.org/officeDocument/2006/relationships" xmlns:p="http://schemas.openxmlformats.org/presentationml/2006/main">
-  <p:cSld>
-    <p:spTree>
-      <p:nvGrpSpPr>
-        <p:cNvPr id="1" name=""/>
-        <p:cNvGrpSpPr/>
-        <p:nvPr/>
-      </p:nvGrpSpPr>
-      <p:grpSpPr>
-        <a:xfrm>
-          <a:off x="0" y="0"/>
-          <a:ext cx="0" cy="0"/>
-          <a:chOff x="0" y="0"/>
-          <a:chExt cx="0" cy="0"/>
-        </a:xfrm>
-      </p:grpSpPr>
-      <p:sp>
-        <p:nvSpPr>
-          <p:cNvPr id="2" name="Title 1"/>
-          <p:cNvSpPr>
-            <a:spLocks noGrp="1"/>
-          </p:cNvSpPr>
-          <p:nvPr>
-            <p:ph type="ctrTitle"/>
-          </p:nvPr>
-        </p:nvSpPr>
-        <p:spPr/>
-        <p:txBody>
-          <a:bodyPr/>
-          <a:lstStyle/>
-          <a:p>
-            <a:r>
-              <a:rPr lang="en-US" dirty="0"/>
-              <a:t>Board Layout</a:t>
-            </a:r>
-          </a:p>
-        </p:txBody>
-      </p:sp>
-      <p:sp>
-        <p:nvSpPr>
-          <p:cNvPr id="3" name="Subtitle 2"/>
-          <p:cNvSpPr>
-            <a:spLocks noGrp="1"/>
-          </p:cNvSpPr>
-          <p:nvPr>
-            <p:ph type="subTitle" idx="1"/>
-          </p:nvPr>
-        </p:nvSpPr>
-        <p:spPr/>
-        <p:txBody>
-          <a:bodyPr/>
-          <a:lstStyle/>
-          <a:p>
-            <a:endParaRPr lang="en-US" dirty="0"/>
-          </a:p>
-        </p:txBody>
-      </p:sp>
-    </p:spTree>
-    <p:extLst>
-      <p:ext uri="{BB962C8B-B14F-4D97-AF65-F5344CB8AC3E}">
-        <p14:creationId xmlns:p14="http://schemas.microsoft.com/office/powerpoint/2010/main" val="717478419"/>
-      </p:ext>
-    </p:extLst>
-  </p:cSld>
-  <p:clrMapOvr>
-    <a:masterClrMapping/>
-  </p:clrMapOvr>
-</p:sld>
-</file>
-
-<file path=ppt/slides/slide31.xml><?xml version="1.0" encoding="utf-8"?>
-<p:sld xmlns:a="http://schemas.openxmlformats.org/drawingml/2006/main" xmlns:r="http://schemas.openxmlformats.org/officeDocument/2006/relationships" xmlns:p="http://schemas.openxmlformats.org/presentationml/2006/main">
-  <p:cSld>
-    <p:spTree>
-      <p:nvGrpSpPr>
-        <p:cNvPr id="1" name=""/>
-        <p:cNvGrpSpPr/>
-        <p:nvPr/>
-      </p:nvGrpSpPr>
-      <p:grpSpPr>
-        <a:xfrm>
-          <a:off x="0" y="0"/>
-          <a:ext cx="0" cy="0"/>
-          <a:chOff x="0" y="0"/>
-          <a:chExt cx="0" cy="0"/>
-        </a:xfrm>
-      </p:grpSpPr>
-      <p:sp>
-        <p:nvSpPr>
-          <p:cNvPr id="2" name="Title 1"/>
-          <p:cNvSpPr>
-            <a:spLocks noGrp="1"/>
-          </p:cNvSpPr>
-          <p:nvPr>
-            <p:ph type="title"/>
-          </p:nvPr>
-        </p:nvSpPr>
-        <p:spPr/>
-        <p:txBody>
-          <a:bodyPr/>
-          <a:lstStyle/>
-          <a:p>
-            <a:r>
-              <a:rPr lang="en-US" dirty="0"/>
-              <a:t>Board Layout Goals</a:t>
-            </a:r>
-          </a:p>
-        </p:txBody>
-      </p:sp>
-      <p:sp>
-        <p:nvSpPr>
-          <p:cNvPr id="3" name="Content Placeholder 2"/>
-          <p:cNvSpPr>
-            <a:spLocks noGrp="1"/>
-          </p:cNvSpPr>
-          <p:nvPr>
-            <p:ph idx="1"/>
-          </p:nvPr>
-        </p:nvSpPr>
-        <p:spPr/>
-        <p:txBody>
-          <a:bodyPr>
-            <a:normAutofit fontScale="77500" lnSpcReduction="20000"/>
-          </a:bodyPr>
-          <a:lstStyle/>
-          <a:p>
-            <a:r>
-              <a:rPr lang="en-US" dirty="0"/>
-              <a:t>Mechanical constraints – Some things need to be in specific locations</a:t>
-            </a:r>
-          </a:p>
-          <a:p>
-            <a:r>
-              <a:rPr lang="en-US" dirty="0"/>
-              <a:t>Electrical constraints – Does the layout meet signal integrity/EM requirements</a:t>
-            </a:r>
-          </a:p>
-          <a:p>
-            <a:pPr lvl="1"/>
-            <a:r>
-              <a:rPr lang="en-US" dirty="0"/>
-              <a:t>Will digital interference mess up the antenna?</a:t>
-            </a:r>
-          </a:p>
-          <a:p>
-            <a:pPr lvl="1"/>
-            <a:r>
-              <a:rPr lang="en-US" dirty="0"/>
-              <a:t>Are decoupling caps near IC Supply pins?</a:t>
-            </a:r>
-          </a:p>
-          <a:p>
-            <a:pPr lvl="1"/>
-            <a:r>
-              <a:rPr lang="en-US" dirty="0"/>
-              <a:t>Keep the noisy power/ground for the motors away from the digital logic.</a:t>
-            </a:r>
-          </a:p>
-          <a:p>
-            <a:r>
-              <a:rPr lang="en-US" dirty="0"/>
-              <a:t>Correctness – things don’t overlap or hang off the board.</a:t>
-            </a:r>
-          </a:p>
-          <a:p>
-            <a:r>
-              <a:rPr lang="en-US" dirty="0"/>
-              <a:t>Ease of routing – Connected items should be physically close.</a:t>
-            </a:r>
-          </a:p>
-          <a:p>
-            <a:r>
-              <a:rPr lang="en-US" dirty="0"/>
-              <a:t>Make it pretty – you want a nice looking board</a:t>
-            </a:r>
-            <a:endParaRPr lang="en-US" dirty="0">
-              <a:sym typeface="Wingdings"/>
-            </a:endParaRPr>
-          </a:p>
-          <a:p>
-            <a:r>
-              <a:rPr lang="en-US" dirty="0">
-                <a:sym typeface="Wingdings"/>
-              </a:rPr>
-              <a:t>Potentially other, design-specific requirements</a:t>
-            </a:r>
-          </a:p>
-          <a:p>
-            <a:pPr marL="0" indent="0">
-              <a:buNone/>
-            </a:pPr>
-            <a:endParaRPr lang="en-US" dirty="0"/>
-          </a:p>
-        </p:txBody>
-      </p:sp>
-    </p:spTree>
-    <p:extLst>
-      <p:ext uri="{BB962C8B-B14F-4D97-AF65-F5344CB8AC3E}">
-        <p14:creationId xmlns:p14="http://schemas.microsoft.com/office/powerpoint/2010/main" val="250201672"/>
-      </p:ext>
-    </p:extLst>
-  </p:cSld>
-  <p:clrMapOvr>
-    <a:masterClrMapping/>
-  </p:clrMapOvr>
-</p:sld>
-</file>
-
-<file path=ppt/slides/slide32.xml><?xml version="1.0" encoding="utf-8"?>
-<p:sld xmlns:a="http://schemas.openxmlformats.org/drawingml/2006/main" xmlns:r="http://schemas.openxmlformats.org/officeDocument/2006/relationships" xmlns:p="http://schemas.openxmlformats.org/presentationml/2006/main">
-  <p:cSld>
-    <p:spTree>
-      <p:nvGrpSpPr>
-        <p:cNvPr id="1" name=""/>
-        <p:cNvGrpSpPr/>
-        <p:nvPr/>
-      </p:nvGrpSpPr>
-      <p:grpSpPr>
-        <a:xfrm>
-          <a:off x="0" y="0"/>
-          <a:ext cx="0" cy="0"/>
-          <a:chOff x="0" y="0"/>
-          <a:chExt cx="0" cy="0"/>
-        </a:xfrm>
-      </p:grpSpPr>
-      <p:sp>
-        <p:nvSpPr>
-          <p:cNvPr id="2" name="Title 1"/>
-          <p:cNvSpPr>
-            <a:spLocks noGrp="1"/>
-          </p:cNvSpPr>
-          <p:nvPr>
-            <p:ph type="title"/>
-          </p:nvPr>
-        </p:nvSpPr>
-        <p:spPr/>
-        <p:txBody>
-          <a:bodyPr/>
-          <a:lstStyle/>
-          <a:p>
-            <a:r>
-              <a:rPr lang="en-US" dirty="0"/>
-              <a:t>Layout In Eagle</a:t>
-            </a:r>
-          </a:p>
-        </p:txBody>
-      </p:sp>
-      <p:sp>
-        <p:nvSpPr>
-          <p:cNvPr id="3" name="Content Placeholder 2"/>
-          <p:cNvSpPr>
-            <a:spLocks noGrp="1"/>
-          </p:cNvSpPr>
-          <p:nvPr>
-            <p:ph idx="1"/>
-          </p:nvPr>
-        </p:nvSpPr>
-        <p:spPr/>
-        <p:txBody>
-          <a:bodyPr/>
-          <a:lstStyle/>
-          <a:p>
-            <a:r>
-              <a:rPr lang="en-US" dirty="0"/>
-              <a:t>You can put things on the back of the board</a:t>
-            </a:r>
-          </a:p>
-          <a:p>
-            <a:pPr lvl="1"/>
-            <a:r>
-              <a:rPr lang="en-US" dirty="0"/>
-              <a:t>Use the “Mirror” tool.</a:t>
-            </a:r>
-          </a:p>
-          <a:p>
-            <a:pPr lvl="1"/>
-            <a:r>
-              <a:rPr lang="en-US" dirty="0"/>
-              <a:t>This will make assembly harder.</a:t>
-            </a:r>
-          </a:p>
-          <a:p>
-            <a:r>
-              <a:rPr lang="en-US" dirty="0"/>
-              <a:t>You can also move around the reference designator</a:t>
-            </a:r>
-          </a:p>
-          <a:p>
-            <a:pPr lvl="1"/>
-            <a:r>
-              <a:rPr lang="en-US" dirty="0"/>
-              <a:t>Use the “squash” tool</a:t>
-            </a:r>
-          </a:p>
-          <a:p>
-            <a:r>
-              <a:rPr lang="en-US" dirty="0"/>
-              <a:t>You can rotate components with the rotate tool.</a:t>
-            </a:r>
-          </a:p>
-          <a:p>
-            <a:pPr marL="0" indent="0">
-              <a:buNone/>
-            </a:pPr>
-            <a:endParaRPr lang="en-US" dirty="0"/>
-          </a:p>
-        </p:txBody>
-      </p:sp>
-    </p:spTree>
-    <p:extLst>
-      <p:ext uri="{BB962C8B-B14F-4D97-AF65-F5344CB8AC3E}">
-        <p14:creationId xmlns:p14="http://schemas.microsoft.com/office/powerpoint/2010/main" val="847403710"/>
-      </p:ext>
-    </p:extLst>
-  </p:cSld>
-  <p:clrMapOvr>
-    <a:masterClrMapping/>
-  </p:clrMapOvr>
-</p:sld>
-</file>
-
-<file path=ppt/slides/slide33.xml><?xml version="1.0" encoding="utf-8"?>
-<p:sld xmlns:a="http://schemas.openxmlformats.org/drawingml/2006/main" xmlns:r="http://schemas.openxmlformats.org/officeDocument/2006/relationships" xmlns:p="http://schemas.openxmlformats.org/presentationml/2006/main">
-  <p:cSld>
-    <p:spTree>
-      <p:nvGrpSpPr>
-        <p:cNvPr id="1" name=""/>
-        <p:cNvGrpSpPr/>
-        <p:nvPr/>
-      </p:nvGrpSpPr>
-      <p:grpSpPr>
-        <a:xfrm>
-          <a:off x="0" y="0"/>
-          <a:ext cx="0" cy="0"/>
-          <a:chOff x="0" y="0"/>
-          <a:chExt cx="0" cy="0"/>
-        </a:xfrm>
-      </p:grpSpPr>
-      <p:sp>
-        <p:nvSpPr>
-          <p:cNvPr id="2" name="Title 1"/>
-          <p:cNvSpPr>
-            <a:spLocks noGrp="1"/>
-          </p:cNvSpPr>
-          <p:nvPr>
-            <p:ph type="title"/>
-          </p:nvPr>
-        </p:nvSpPr>
-        <p:spPr/>
-        <p:txBody>
-          <a:bodyPr/>
-          <a:lstStyle/>
-          <a:p>
-            <a:r>
-              <a:rPr lang="en-US" dirty="0"/>
-              <a:t>Layout Demo</a:t>
-            </a:r>
-          </a:p>
-        </p:txBody>
-      </p:sp>
-      <p:sp>
-        <p:nvSpPr>
-          <p:cNvPr id="3" name="Content Placeholder 2"/>
-          <p:cNvSpPr>
-            <a:spLocks noGrp="1"/>
-          </p:cNvSpPr>
-          <p:nvPr>
-            <p:ph idx="1"/>
-          </p:nvPr>
-        </p:nvSpPr>
-        <p:spPr/>
-        <p:txBody>
-          <a:bodyPr/>
-          <a:lstStyle/>
-          <a:p>
-            <a:r>
-              <a:rPr lang="en-US" dirty="0"/>
-              <a:t>open /Users/</a:t>
-            </a:r>
-            <a:r>
-              <a:rPr lang="en-US" dirty="0" err="1"/>
-              <a:t>swanson</a:t>
-            </a:r>
-            <a:r>
-              <a:rPr lang="en-US" dirty="0"/>
-              <a:t>/UCSD/Teaching/18sp-190/</a:t>
-            </a:r>
-            <a:r>
-              <a:rPr lang="en-US" dirty="0" err="1"/>
-              <a:t>QuadClass</a:t>
-            </a:r>
-            <a:r>
-              <a:rPr lang="en-US" dirty="0"/>
-              <a:t>-Resources/Lecture\ Slides/Examples/ATmega128RFA1-DevBoard/ATmega128RFA1-DevBoard-unplaced.brd</a:t>
-            </a:r>
-          </a:p>
-        </p:txBody>
-      </p:sp>
-    </p:spTree>
-    <p:extLst>
-      <p:ext uri="{BB962C8B-B14F-4D97-AF65-F5344CB8AC3E}">
-        <p14:creationId xmlns:p14="http://schemas.microsoft.com/office/powerpoint/2010/main" val="2644763162"/>
-      </p:ext>
-    </p:extLst>
-  </p:cSld>
-  <p:clrMapOvr>
-    <a:masterClrMapping/>
-  </p:clrMapOvr>
-</p:sld>
-</file>
-
-<file path=ppt/slides/slide34.xml><?xml version="1.0" encoding="utf-8"?>
-<p:sld xmlns:a="http://schemas.openxmlformats.org/drawingml/2006/main" xmlns:r="http://schemas.openxmlformats.org/officeDocument/2006/relationships" xmlns:p="http://schemas.openxmlformats.org/presentationml/2006/main">
-  <p:cSld>
-    <p:spTree>
-      <p:nvGrpSpPr>
-        <p:cNvPr id="1" name=""/>
-        <p:cNvGrpSpPr/>
-        <p:nvPr/>
-      </p:nvGrpSpPr>
-      <p:grpSpPr>
-        <a:xfrm>
-          <a:off x="0" y="0"/>
-          <a:ext cx="0" cy="0"/>
-          <a:chOff x="0" y="0"/>
-          <a:chExt cx="0" cy="0"/>
-        </a:xfrm>
-      </p:grpSpPr>
-      <p:sp>
-        <p:nvSpPr>
-          <p:cNvPr id="2" name="Title 1"/>
-          <p:cNvSpPr>
-            <a:spLocks noGrp="1"/>
-          </p:cNvSpPr>
-          <p:nvPr>
-            <p:ph type="title"/>
-          </p:nvPr>
-        </p:nvSpPr>
-        <p:spPr/>
-        <p:txBody>
-          <a:bodyPr/>
-          <a:lstStyle/>
-          <a:p>
-            <a:r>
-              <a:rPr lang="en-US" dirty="0"/>
-              <a:t>The Three Ways to Route</a:t>
-            </a:r>
-          </a:p>
-        </p:txBody>
-      </p:sp>
-      <p:sp>
-        <p:nvSpPr>
-          <p:cNvPr id="3" name="Content Placeholder 2"/>
-          <p:cNvSpPr>
-            <a:spLocks noGrp="1"/>
-          </p:cNvSpPr>
-          <p:nvPr>
-            <p:ph idx="1"/>
-          </p:nvPr>
-        </p:nvSpPr>
-        <p:spPr/>
-        <p:txBody>
-          <a:bodyPr>
-            <a:normAutofit fontScale="92500" lnSpcReduction="20000"/>
-          </a:bodyPr>
-          <a:lstStyle/>
-          <a:p>
-            <a:r>
-              <a:rPr lang="en-US" dirty="0"/>
-              <a:t>Manual</a:t>
-            </a:r>
-          </a:p>
-          <a:p>
-            <a:pPr lvl="1"/>
-            <a:r>
-              <a:rPr lang="en-US" dirty="0"/>
-              <a:t>You can do anything you want (including things you shouldn’t)</a:t>
-            </a:r>
-          </a:p>
-          <a:p>
-            <a:r>
-              <a:rPr lang="en-US" dirty="0"/>
-              <a:t>Auto router</a:t>
-            </a:r>
-          </a:p>
-          <a:p>
-            <a:pPr lvl="1"/>
-            <a:r>
-              <a:rPr lang="en-US" dirty="0"/>
-              <a:t>Fully-automatic routing, subject to constraints that you can set.</a:t>
-            </a:r>
-          </a:p>
-          <a:p>
-            <a:r>
-              <a:rPr lang="en-US" dirty="0"/>
-              <a:t>“Follow me”</a:t>
-            </a:r>
-          </a:p>
-          <a:p>
-            <a:pPr lvl="1"/>
-            <a:r>
-              <a:rPr lang="en-US" dirty="0"/>
-              <a:t>Assisted manual routing.  The router will enforce the constraints you set.</a:t>
-            </a:r>
-          </a:p>
-          <a:p>
-            <a:pPr lvl="1"/>
-            <a:r>
-              <a:rPr lang="en-US" dirty="0"/>
-              <a:t>Subject configurable cost functions.</a:t>
-            </a:r>
-          </a:p>
-          <a:p>
-            <a:pPr lvl="1"/>
-            <a:r>
-              <a:rPr lang="en-US" dirty="0"/>
-              <a:t>More control.</a:t>
-            </a:r>
-          </a:p>
-        </p:txBody>
-      </p:sp>
-    </p:spTree>
-    <p:extLst>
-      <p:ext uri="{BB962C8B-B14F-4D97-AF65-F5344CB8AC3E}">
-        <p14:creationId xmlns:p14="http://schemas.microsoft.com/office/powerpoint/2010/main" val="1871447490"/>
-      </p:ext>
-    </p:extLst>
-  </p:cSld>
-  <p:clrMapOvr>
-    <a:masterClrMapping/>
-  </p:clrMapOvr>
-</p:sld>
-</file>
-
-<file path=ppt/slides/slide35.xml><?xml version="1.0" encoding="utf-8"?>
-<p:sld xmlns:a="http://schemas.openxmlformats.org/drawingml/2006/main" xmlns:r="http://schemas.openxmlformats.org/officeDocument/2006/relationships" xmlns:p="http://schemas.openxmlformats.org/presentationml/2006/main">
-  <p:cSld>
-    <p:spTree>
-      <p:nvGrpSpPr>
-        <p:cNvPr id="1" name=""/>
-        <p:cNvGrpSpPr/>
-        <p:nvPr/>
-      </p:nvGrpSpPr>
-      <p:grpSpPr>
-        <a:xfrm>
-          <a:off x="0" y="0"/>
-          <a:ext cx="0" cy="0"/>
-          <a:chOff x="0" y="0"/>
-          <a:chExt cx="0" cy="0"/>
-        </a:xfrm>
-      </p:grpSpPr>
-      <p:sp>
-        <p:nvSpPr>
-          <p:cNvPr id="2" name="Title 1"/>
-          <p:cNvSpPr>
-            <a:spLocks noGrp="1"/>
-          </p:cNvSpPr>
-          <p:nvPr>
-            <p:ph type="title"/>
-          </p:nvPr>
-        </p:nvSpPr>
-        <p:spPr/>
-        <p:txBody>
-          <a:bodyPr/>
-          <a:lstStyle/>
-          <a:p>
-            <a:r>
-              <a:rPr lang="en-US" dirty="0"/>
-              <a:t>Manual Routing Demo</a:t>
-            </a:r>
-          </a:p>
-        </p:txBody>
-      </p:sp>
-      <p:sp>
-        <p:nvSpPr>
-          <p:cNvPr id="3" name="Content Placeholder 2"/>
-          <p:cNvSpPr>
-            <a:spLocks noGrp="1"/>
-          </p:cNvSpPr>
-          <p:nvPr>
-            <p:ph idx="1"/>
-          </p:nvPr>
-        </p:nvSpPr>
-        <p:spPr/>
-        <p:txBody>
-          <a:bodyPr/>
-          <a:lstStyle/>
-          <a:p>
-            <a:endParaRPr lang="en-US"/>
-          </a:p>
-        </p:txBody>
-      </p:sp>
-    </p:spTree>
-    <p:extLst>
-      <p:ext uri="{BB962C8B-B14F-4D97-AF65-F5344CB8AC3E}">
-        <p14:creationId xmlns:p14="http://schemas.microsoft.com/office/powerpoint/2010/main" val="1101629336"/>
-      </p:ext>
-    </p:extLst>
-  </p:cSld>
-  <p:clrMapOvr>
-    <a:masterClrMapping/>
-  </p:clrMapOvr>
-</p:sld>
-</file>
-
-<file path=ppt/slides/slide36.xml><?xml version="1.0" encoding="utf-8"?>
-<p:sld xmlns:a="http://schemas.openxmlformats.org/drawingml/2006/main" xmlns:r="http://schemas.openxmlformats.org/officeDocument/2006/relationships" xmlns:p="http://schemas.openxmlformats.org/presentationml/2006/main">
-  <p:cSld>
-    <p:spTree>
-      <p:nvGrpSpPr>
-        <p:cNvPr id="1" name=""/>
-        <p:cNvGrpSpPr/>
-        <p:nvPr/>
-      </p:nvGrpSpPr>
-      <p:grpSpPr>
-        <a:xfrm>
-          <a:off x="0" y="0"/>
-          <a:ext cx="0" cy="0"/>
-          <a:chOff x="0" y="0"/>
-          <a:chExt cx="0" cy="0"/>
-        </a:xfrm>
-      </p:grpSpPr>
-      <p:sp>
-        <p:nvSpPr>
-          <p:cNvPr id="2" name="Title 1"/>
-          <p:cNvSpPr>
-            <a:spLocks noGrp="1"/>
-          </p:cNvSpPr>
-          <p:nvPr>
-            <p:ph type="title"/>
-          </p:nvPr>
-        </p:nvSpPr>
-        <p:spPr/>
-        <p:txBody>
-          <a:bodyPr/>
-          <a:lstStyle/>
-          <a:p>
-            <a:r>
-              <a:rPr lang="en-US" dirty="0"/>
-              <a:t>Auto Router</a:t>
-            </a:r>
-          </a:p>
-        </p:txBody>
-      </p:sp>
-      <p:sp>
-        <p:nvSpPr>
-          <p:cNvPr id="3" name="Content Placeholder 2"/>
-          <p:cNvSpPr>
-            <a:spLocks noGrp="1"/>
-          </p:cNvSpPr>
-          <p:nvPr>
-            <p:ph idx="1"/>
-          </p:nvPr>
-        </p:nvSpPr>
-        <p:spPr/>
-        <p:txBody>
-          <a:bodyPr>
-            <a:normAutofit fontScale="62500" lnSpcReduction="20000"/>
-          </a:bodyPr>
-          <a:lstStyle/>
-          <a:p>
-            <a:r>
-              <a:rPr lang="en-US" dirty="0"/>
-              <a:t>Mixed reputation</a:t>
-            </a:r>
-          </a:p>
-          <a:p>
-            <a:pPr lvl="1"/>
-            <a:r>
-              <a:rPr lang="en-US" dirty="0"/>
-              <a:t>It can’t do everything</a:t>
-            </a:r>
-          </a:p>
-          <a:p>
-            <a:pPr lvl="1"/>
-            <a:r>
-              <a:rPr lang="en-US" dirty="0"/>
-              <a:t>Sometimes it does a bad job</a:t>
-            </a:r>
-          </a:p>
-          <a:p>
-            <a:pPr lvl="1"/>
-            <a:r>
-              <a:rPr lang="en-US" dirty="0"/>
-              <a:t>When it works, it’s great.</a:t>
-            </a:r>
-          </a:p>
-          <a:p>
-            <a:pPr lvl="1"/>
-            <a:r>
-              <a:rPr lang="en-US" dirty="0"/>
-              <a:t>Usually it needs some touch up.</a:t>
-            </a:r>
-          </a:p>
-          <a:p>
-            <a:r>
-              <a:rPr lang="en-US" dirty="0"/>
-              <a:t>Net classes (“Edit-&gt;Net Classes…”)</a:t>
-            </a:r>
-          </a:p>
-          <a:p>
-            <a:pPr lvl="1"/>
-            <a:r>
-              <a:rPr lang="en-US" dirty="0"/>
-              <a:t>Lets you set parameters for different kinds of nets (mostly width and clearances)</a:t>
-            </a:r>
-          </a:p>
-          <a:p>
-            <a:r>
-              <a:rPr lang="en-US" dirty="0"/>
-              <a:t>Lots of parameters to mess around with </a:t>
-            </a:r>
-          </a:p>
-          <a:p>
-            <a:pPr lvl="1"/>
-            <a:r>
-              <a:rPr lang="en-US" dirty="0"/>
-              <a:t>Optimization phases</a:t>
-            </a:r>
-          </a:p>
-          <a:p>
-            <a:pPr lvl="1"/>
-            <a:r>
-              <a:rPr lang="en-US" dirty="0"/>
-              <a:t>Routing grids </a:t>
-            </a:r>
-          </a:p>
-          <a:p>
-            <a:pPr lvl="1"/>
-            <a:r>
-              <a:rPr lang="en-US" dirty="0"/>
-              <a:t>Effort levels</a:t>
-            </a:r>
-          </a:p>
-          <a:p>
-            <a:pPr lvl="1"/>
-            <a:r>
-              <a:rPr lang="en-US" dirty="0"/>
-              <a:t>Concurrency</a:t>
-            </a:r>
-          </a:p>
-          <a:p>
-            <a:pPr lvl="1"/>
-            <a:r>
-              <a:rPr lang="en-US" dirty="0"/>
-              <a:t>Staged routing</a:t>
-            </a:r>
-          </a:p>
-          <a:p>
-            <a:pPr lvl="1"/>
-            <a:r>
-              <a:rPr lang="en-US" dirty="0"/>
-              <a:t>Checkout the Eagle Manual</a:t>
-            </a:r>
-          </a:p>
-          <a:p>
-            <a:pPr lvl="1"/>
-            <a:endParaRPr lang="en-US" dirty="0"/>
-          </a:p>
-        </p:txBody>
-      </p:sp>
-    </p:spTree>
-    <p:extLst>
-      <p:ext uri="{BB962C8B-B14F-4D97-AF65-F5344CB8AC3E}">
-        <p14:creationId xmlns:p14="http://schemas.microsoft.com/office/powerpoint/2010/main" val="1098705568"/>
-      </p:ext>
-    </p:extLst>
-  </p:cSld>
-  <p:clrMapOvr>
-    <a:masterClrMapping/>
-  </p:clrMapOvr>
-</p:sld>
-</file>
-
-<file path=ppt/slides/slide37.xml><?xml version="1.0" encoding="utf-8"?>
-<p:sld xmlns:a="http://schemas.openxmlformats.org/drawingml/2006/main" xmlns:r="http://schemas.openxmlformats.org/officeDocument/2006/relationships" xmlns:p="http://schemas.openxmlformats.org/presentationml/2006/main">
-  <p:cSld>
-    <p:spTree>
-      <p:nvGrpSpPr>
-        <p:cNvPr id="1" name=""/>
-        <p:cNvGrpSpPr/>
-        <p:nvPr/>
-      </p:nvGrpSpPr>
-      <p:grpSpPr>
-        <a:xfrm>
-          <a:off x="0" y="0"/>
-          <a:ext cx="0" cy="0"/>
-          <a:chOff x="0" y="0"/>
-          <a:chExt cx="0" cy="0"/>
-        </a:xfrm>
-      </p:grpSpPr>
-      <p:sp>
-        <p:nvSpPr>
-          <p:cNvPr id="2" name="Title 1"/>
-          <p:cNvSpPr>
-            <a:spLocks noGrp="1"/>
-          </p:cNvSpPr>
-          <p:nvPr>
-            <p:ph type="title"/>
-          </p:nvPr>
-        </p:nvSpPr>
-        <p:spPr/>
-        <p:txBody>
-          <a:bodyPr/>
-          <a:lstStyle/>
-          <a:p>
-            <a:r>
-              <a:rPr lang="en-US" dirty="0"/>
-              <a:t>Follow Me Router Demo</a:t>
-            </a:r>
-          </a:p>
-        </p:txBody>
-      </p:sp>
-      <p:sp>
-        <p:nvSpPr>
-          <p:cNvPr id="3" name="Content Placeholder 2"/>
-          <p:cNvSpPr>
-            <a:spLocks noGrp="1"/>
-          </p:cNvSpPr>
-          <p:nvPr>
-            <p:ph idx="1"/>
-          </p:nvPr>
-        </p:nvSpPr>
-        <p:spPr/>
-        <p:txBody>
-          <a:bodyPr/>
-          <a:lstStyle/>
-          <a:p>
-            <a:endParaRPr lang="en-US" dirty="0"/>
-          </a:p>
-        </p:txBody>
-      </p:sp>
-    </p:spTree>
-    <p:extLst>
-      <p:ext uri="{BB962C8B-B14F-4D97-AF65-F5344CB8AC3E}">
-        <p14:creationId xmlns:p14="http://schemas.microsoft.com/office/powerpoint/2010/main" val="4292009301"/>
-      </p:ext>
-    </p:extLst>
-  </p:cSld>
-  <p:clrMapOvr>
-    <a:masterClrMapping/>
-  </p:clrMapOvr>
-</p:sld>
-</file>
-
-<file path=ppt/slides/slide38.xml><?xml version="1.0" encoding="utf-8"?>
-<p:sld xmlns:a="http://schemas.openxmlformats.org/drawingml/2006/main" xmlns:r="http://schemas.openxmlformats.org/officeDocument/2006/relationships" xmlns:p="http://schemas.openxmlformats.org/presentationml/2006/main">
-  <p:cSld>
-    <p:spTree>
-      <p:nvGrpSpPr>
-        <p:cNvPr id="1" name=""/>
-        <p:cNvGrpSpPr/>
-        <p:nvPr/>
-      </p:nvGrpSpPr>
-      <p:grpSpPr>
-        <a:xfrm>
-          <a:off x="0" y="0"/>
-          <a:ext cx="0" cy="0"/>
-          <a:chOff x="0" y="0"/>
-          <a:chExt cx="0" cy="0"/>
-        </a:xfrm>
-      </p:grpSpPr>
-      <p:sp>
-        <p:nvSpPr>
-          <p:cNvPr id="2" name="Title 1"/>
-          <p:cNvSpPr>
-            <a:spLocks noGrp="1"/>
-          </p:cNvSpPr>
-          <p:nvPr>
-            <p:ph type="title"/>
-          </p:nvPr>
-        </p:nvSpPr>
-        <p:spPr/>
-        <p:txBody>
-          <a:bodyPr/>
-          <a:lstStyle/>
-          <a:p>
-            <a:r>
-              <a:rPr lang="en-US" dirty="0"/>
-              <a:t>Auto Routing Demo</a:t>
-            </a:r>
-          </a:p>
-        </p:txBody>
-      </p:sp>
-      <p:sp>
-        <p:nvSpPr>
-          <p:cNvPr id="3" name="Content Placeholder 2"/>
-          <p:cNvSpPr>
-            <a:spLocks noGrp="1"/>
-          </p:cNvSpPr>
-          <p:nvPr>
-            <p:ph idx="1"/>
-          </p:nvPr>
-        </p:nvSpPr>
-        <p:spPr/>
-        <p:txBody>
-          <a:bodyPr/>
-          <a:lstStyle/>
-          <a:p>
-            <a:endParaRPr lang="en-US"/>
-          </a:p>
-        </p:txBody>
-      </p:sp>
-    </p:spTree>
-    <p:extLst>
-      <p:ext uri="{BB962C8B-B14F-4D97-AF65-F5344CB8AC3E}">
-        <p14:creationId xmlns:p14="http://schemas.microsoft.com/office/powerpoint/2010/main" val="561162856"/>
-      </p:ext>
-    </p:extLst>
-  </p:cSld>
-  <p:clrMapOvr>
-    <a:masterClrMapping/>
-  </p:clrMapOvr>
-</p:sld>
-</file>
-
-<file path=ppt/slides/slide39.xml><?xml version="1.0" encoding="utf-8"?>
-<p:sld xmlns:a="http://schemas.openxmlformats.org/drawingml/2006/main" xmlns:r="http://schemas.openxmlformats.org/officeDocument/2006/relationships" xmlns:p="http://schemas.openxmlformats.org/presentationml/2006/main">
-  <p:cSld>
-    <p:spTree>
-      <p:nvGrpSpPr>
-        <p:cNvPr id="1" name=""/>
-        <p:cNvGrpSpPr/>
-        <p:nvPr/>
-      </p:nvGrpSpPr>
-      <p:grpSpPr>
-        <a:xfrm>
-          <a:off x="0" y="0"/>
-          <a:ext cx="0" cy="0"/>
-          <a:chOff x="0" y="0"/>
-          <a:chExt cx="0" cy="0"/>
-        </a:xfrm>
-      </p:grpSpPr>
-      <p:sp>
-        <p:nvSpPr>
-          <p:cNvPr id="2" name="Title 1"/>
-          <p:cNvSpPr>
-            <a:spLocks noGrp="1"/>
-          </p:cNvSpPr>
-          <p:nvPr>
-            <p:ph type="title"/>
-          </p:nvPr>
-        </p:nvSpPr>
-        <p:spPr/>
-        <p:txBody>
-          <a:bodyPr/>
-          <a:lstStyle/>
-          <a:p>
-            <a:r>
-              <a:rPr lang="en-US" dirty="0"/>
-              <a:t>Commands for Routing</a:t>
-            </a:r>
-          </a:p>
-        </p:txBody>
-      </p:sp>
-      <p:sp>
-        <p:nvSpPr>
-          <p:cNvPr id="3" name="Content Placeholder 2"/>
-          <p:cNvSpPr>
-            <a:spLocks noGrp="1"/>
-          </p:cNvSpPr>
-          <p:nvPr>
-            <p:ph idx="1"/>
-          </p:nvPr>
-        </p:nvSpPr>
-        <p:spPr/>
-        <p:txBody>
-          <a:bodyPr>
-            <a:normAutofit/>
-          </a:bodyPr>
-          <a:lstStyle/>
-          <a:p>
-            <a:r>
-              <a:rPr lang="en-US" dirty="0"/>
-              <a:t>“Auto;” – run the auto router (leave off the “;” to configure the router.</a:t>
-            </a:r>
-          </a:p>
-          <a:p>
-            <a:r>
-              <a:rPr lang="en-US" dirty="0"/>
-              <a:t>“</a:t>
-            </a:r>
-            <a:r>
-              <a:rPr lang="en-US" dirty="0" err="1"/>
-              <a:t>Ripup</a:t>
-            </a:r>
-            <a:r>
-              <a:rPr lang="en-US" dirty="0"/>
-              <a:t>;” – </a:t>
-            </a:r>
-            <a:r>
-              <a:rPr lang="en-US" dirty="0" err="1"/>
-              <a:t>unroute</a:t>
-            </a:r>
-            <a:r>
-              <a:rPr lang="en-US" dirty="0"/>
-              <a:t> signals</a:t>
-            </a:r>
-          </a:p>
-          <a:p>
-            <a:r>
-              <a:rPr lang="en-US" dirty="0"/>
-              <a:t>“Show &lt;thing&gt;” – Highlight a net or part</a:t>
-            </a:r>
-          </a:p>
-          <a:p>
-            <a:pPr lvl="1"/>
-            <a:endParaRPr lang="en-US" dirty="0"/>
-          </a:p>
-        </p:txBody>
-      </p:sp>
-    </p:spTree>
-    <p:extLst>
-      <p:ext uri="{BB962C8B-B14F-4D97-AF65-F5344CB8AC3E}">
-        <p14:creationId xmlns:p14="http://schemas.microsoft.com/office/powerpoint/2010/main" val="199760183"/>
-      </p:ext>
-    </p:extLst>
-  </p:cSld>
-  <p:clrMapOvr>
-    <a:masterClrMapping/>
-  </p:clrMapOvr>
-</p:sld>
-</file>
-
 <file path=ppt/slides/slide4.xml><?xml version="1.0" encoding="utf-8"?>
 <p:sld xmlns:a="http://schemas.openxmlformats.org/drawingml/2006/main" xmlns:r="http://schemas.openxmlformats.org/officeDocument/2006/relationships" xmlns:p="http://schemas.openxmlformats.org/presentationml/2006/main">
   <p:cSld>
@@ -14799,1070 +14127,6 @@
     <p:extLst>
       <p:ext uri="{BB962C8B-B14F-4D97-AF65-F5344CB8AC3E}">
         <p14:creationId xmlns:p14="http://schemas.microsoft.com/office/powerpoint/2010/main" val="2840438103"/>
-      </p:ext>
-    </p:extLst>
-  </p:cSld>
-  <p:clrMapOvr>
-    <a:masterClrMapping/>
-  </p:clrMapOvr>
-</p:sld>
-</file>
-
-<file path=ppt/slides/slide40.xml><?xml version="1.0" encoding="utf-8"?>
-<p:sld xmlns:a="http://schemas.openxmlformats.org/drawingml/2006/main" xmlns:r="http://schemas.openxmlformats.org/officeDocument/2006/relationships" xmlns:p="http://schemas.openxmlformats.org/presentationml/2006/main">
-  <p:cSld>
-    <p:spTree>
-      <p:nvGrpSpPr>
-        <p:cNvPr id="1" name=""/>
-        <p:cNvGrpSpPr/>
-        <p:nvPr/>
-      </p:nvGrpSpPr>
-      <p:grpSpPr>
-        <a:xfrm>
-          <a:off x="0" y="0"/>
-          <a:ext cx="0" cy="0"/>
-          <a:chOff x="0" y="0"/>
-          <a:chExt cx="0" cy="0"/>
-        </a:xfrm>
-      </p:grpSpPr>
-      <p:sp>
-        <p:nvSpPr>
-          <p:cNvPr id="2" name="Title 1"/>
-          <p:cNvSpPr>
-            <a:spLocks noGrp="1"/>
-          </p:cNvSpPr>
-          <p:nvPr>
-            <p:ph type="title"/>
-          </p:nvPr>
-        </p:nvSpPr>
-        <p:spPr/>
-        <p:txBody>
-          <a:bodyPr/>
-          <a:lstStyle/>
-          <a:p>
-            <a:r>
-              <a:rPr lang="en-US" dirty="0"/>
-              <a:t>Electrical Rules Check</a:t>
-            </a:r>
-          </a:p>
-        </p:txBody>
-      </p:sp>
-      <p:sp>
-        <p:nvSpPr>
-          <p:cNvPr id="3" name="Content Placeholder 2"/>
-          <p:cNvSpPr>
-            <a:spLocks noGrp="1"/>
-          </p:cNvSpPr>
-          <p:nvPr>
-            <p:ph idx="1"/>
-          </p:nvPr>
-        </p:nvSpPr>
-        <p:spPr/>
-        <p:txBody>
-          <a:bodyPr/>
-          <a:lstStyle/>
-          <a:p>
-            <a:r>
-              <a:rPr lang="en-US" dirty="0"/>
-              <a:t>This checks for common problems in schematics.</a:t>
-            </a:r>
-          </a:p>
-          <a:p>
-            <a:r>
-              <a:rPr lang="en-US" dirty="0"/>
-              <a:t>Make sure you understand the reason for the errors.</a:t>
-            </a:r>
-          </a:p>
-          <a:p>
-            <a:r>
-              <a:rPr lang="en-US" dirty="0"/>
-              <a:t>Fix them if you can.</a:t>
-            </a:r>
-          </a:p>
-          <a:p>
-            <a:endParaRPr lang="en-US" dirty="0"/>
-          </a:p>
-          <a:p>
-            <a:r>
-              <a:rPr lang="en-US" dirty="0"/>
-              <a:t>Run it! </a:t>
-            </a:r>
-          </a:p>
-        </p:txBody>
-      </p:sp>
-    </p:spTree>
-    <p:extLst>
-      <p:ext uri="{BB962C8B-B14F-4D97-AF65-F5344CB8AC3E}">
-        <p14:creationId xmlns:p14="http://schemas.microsoft.com/office/powerpoint/2010/main" val="1342602792"/>
-      </p:ext>
-    </p:extLst>
-  </p:cSld>
-  <p:clrMapOvr>
-    <a:masterClrMapping/>
-  </p:clrMapOvr>
-</p:sld>
-</file>
-
-<file path=ppt/slides/slide41.xml><?xml version="1.0" encoding="utf-8"?>
-<p:sld xmlns:a="http://schemas.openxmlformats.org/drawingml/2006/main" xmlns:r="http://schemas.openxmlformats.org/officeDocument/2006/relationships" xmlns:p="http://schemas.openxmlformats.org/presentationml/2006/main">
-  <p:cSld>
-    <p:spTree>
-      <p:nvGrpSpPr>
-        <p:cNvPr id="1" name=""/>
-        <p:cNvGrpSpPr/>
-        <p:nvPr/>
-      </p:nvGrpSpPr>
-      <p:grpSpPr>
-        <a:xfrm>
-          <a:off x="0" y="0"/>
-          <a:ext cx="0" cy="0"/>
-          <a:chOff x="0" y="0"/>
-          <a:chExt cx="0" cy="0"/>
-        </a:xfrm>
-      </p:grpSpPr>
-      <p:sp>
-        <p:nvSpPr>
-          <p:cNvPr id="2" name="Title 1"/>
-          <p:cNvSpPr>
-            <a:spLocks noGrp="1"/>
-          </p:cNvSpPr>
-          <p:nvPr>
-            <p:ph type="title"/>
-          </p:nvPr>
-        </p:nvSpPr>
-        <p:spPr/>
-        <p:txBody>
-          <a:bodyPr/>
-          <a:lstStyle/>
-          <a:p>
-            <a:r>
-              <a:rPr lang="en-US" dirty="0"/>
-              <a:t>Design Rules Check</a:t>
-            </a:r>
-          </a:p>
-        </p:txBody>
-      </p:sp>
-      <p:sp>
-        <p:nvSpPr>
-          <p:cNvPr id="3" name="Content Placeholder 2"/>
-          <p:cNvSpPr>
-            <a:spLocks noGrp="1"/>
-          </p:cNvSpPr>
-          <p:nvPr>
-            <p:ph idx="1"/>
-          </p:nvPr>
-        </p:nvSpPr>
-        <p:spPr/>
-        <p:txBody>
-          <a:bodyPr/>
-          <a:lstStyle/>
-          <a:p>
-            <a:r>
-              <a:rPr lang="en-US" dirty="0"/>
-              <a:t>Checks that your board layout meets design requirements for manufacturing.</a:t>
-            </a:r>
-          </a:p>
-          <a:p>
-            <a:pPr lvl="1"/>
-            <a:r>
-              <a:rPr lang="en-US" dirty="0"/>
-              <a:t>Distance between traces and traces, traces and </a:t>
-            </a:r>
-            <a:r>
-              <a:rPr lang="en-US" dirty="0" err="1"/>
-              <a:t>vias</a:t>
-            </a:r>
-            <a:r>
-              <a:rPr lang="en-US" dirty="0"/>
-              <a:t>, etc.</a:t>
-            </a:r>
-          </a:p>
-          <a:p>
-            <a:pPr lvl="1"/>
-            <a:r>
-              <a:rPr lang="en-US" dirty="0"/>
-              <a:t>Trace width</a:t>
-            </a:r>
-          </a:p>
-          <a:p>
-            <a:pPr lvl="1"/>
-            <a:r>
-              <a:rPr lang="en-US" dirty="0"/>
-              <a:t>Etc.</a:t>
-            </a:r>
-          </a:p>
-          <a:p>
-            <a:pPr lvl="1"/>
-            <a:endParaRPr lang="en-US" dirty="0"/>
-          </a:p>
-        </p:txBody>
-      </p:sp>
-    </p:spTree>
-    <p:extLst>
-      <p:ext uri="{BB962C8B-B14F-4D97-AF65-F5344CB8AC3E}">
-        <p14:creationId xmlns:p14="http://schemas.microsoft.com/office/powerpoint/2010/main" val="638521074"/>
-      </p:ext>
-    </p:extLst>
-  </p:cSld>
-  <p:clrMapOvr>
-    <a:masterClrMapping/>
-  </p:clrMapOvr>
-</p:sld>
-</file>
-
-<file path=ppt/slides/slide42.xml><?xml version="1.0" encoding="utf-8"?>
-<p:sld xmlns:a="http://schemas.openxmlformats.org/drawingml/2006/main" xmlns:r="http://schemas.openxmlformats.org/officeDocument/2006/relationships" xmlns:p="http://schemas.openxmlformats.org/presentationml/2006/main">
-  <p:cSld>
-    <p:spTree>
-      <p:nvGrpSpPr>
-        <p:cNvPr id="1" name=""/>
-        <p:cNvGrpSpPr/>
-        <p:nvPr/>
-      </p:nvGrpSpPr>
-      <p:grpSpPr>
-        <a:xfrm>
-          <a:off x="0" y="0"/>
-          <a:ext cx="0" cy="0"/>
-          <a:chOff x="0" y="0"/>
-          <a:chExt cx="0" cy="0"/>
-        </a:xfrm>
-      </p:grpSpPr>
-      <p:sp>
-        <p:nvSpPr>
-          <p:cNvPr id="2" name="Title 1"/>
-          <p:cNvSpPr>
-            <a:spLocks noGrp="1"/>
-          </p:cNvSpPr>
-          <p:nvPr>
-            <p:ph type="title"/>
-          </p:nvPr>
-        </p:nvSpPr>
-        <p:spPr/>
-        <p:txBody>
-          <a:bodyPr/>
-          <a:lstStyle/>
-          <a:p>
-            <a:r>
-              <a:rPr lang="en-US" dirty="0"/>
-              <a:t>CAM Layers (Gerber files)</a:t>
-            </a:r>
-          </a:p>
-        </p:txBody>
-      </p:sp>
-      <p:sp>
-        <p:nvSpPr>
-          <p:cNvPr id="3" name="Content Placeholder 2"/>
-          <p:cNvSpPr>
-            <a:spLocks noGrp="1"/>
-          </p:cNvSpPr>
-          <p:nvPr>
-            <p:ph idx="1"/>
-          </p:nvPr>
-        </p:nvSpPr>
-        <p:spPr>
-          <a:xfrm>
-            <a:off x="457200" y="1195294"/>
-            <a:ext cx="8229600" cy="5468471"/>
-          </a:xfrm>
-        </p:spPr>
-        <p:txBody>
-          <a:bodyPr>
-            <a:normAutofit fontScale="62500" lnSpcReduction="20000"/>
-          </a:bodyPr>
-          <a:lstStyle/>
-          <a:p>
-            <a:r>
-              <a:rPr lang="en-US" dirty="0"/>
-              <a:t>Eagle layers are for design.</a:t>
-            </a:r>
-          </a:p>
-          <a:p>
-            <a:r>
-              <a:rPr lang="en-US" dirty="0"/>
-              <a:t>CAM layers are for manufacturing</a:t>
-            </a:r>
-          </a:p>
-          <a:p>
-            <a:pPr lvl="1"/>
-            <a:r>
-              <a:rPr lang="en-US" dirty="0"/>
-              <a:t>“Gerber” files are for lithographic steps</a:t>
-            </a:r>
-          </a:p>
-          <a:p>
-            <a:pPr lvl="1"/>
-            <a:r>
-              <a:rPr lang="en-US" dirty="0"/>
-              <a:t>Drill files are for drilling holes.</a:t>
-            </a:r>
-          </a:p>
-          <a:p>
-            <a:r>
-              <a:rPr lang="en-US" dirty="0"/>
-              <a:t>Each CAM layers corresponds to one layer of the resulting board</a:t>
-            </a:r>
-          </a:p>
-          <a:p>
-            <a:pPr lvl="1"/>
-            <a:r>
-              <a:rPr lang="en-US" dirty="0"/>
-              <a:t>Top silk screen (.PLC)</a:t>
-            </a:r>
-          </a:p>
-          <a:p>
-            <a:pPr lvl="1"/>
-            <a:r>
-              <a:rPr lang="en-US" dirty="0"/>
-              <a:t>Top solder mask (.STC)</a:t>
-            </a:r>
-          </a:p>
-          <a:p>
-            <a:pPr lvl="1"/>
-            <a:r>
-              <a:rPr lang="en-US" dirty="0"/>
-              <a:t>Top metal (.TOP)</a:t>
-            </a:r>
-          </a:p>
-          <a:p>
-            <a:pPr lvl="1"/>
-            <a:r>
-              <a:rPr lang="en-US" dirty="0"/>
-              <a:t>Inner metal layers</a:t>
-            </a:r>
-          </a:p>
-          <a:p>
-            <a:pPr lvl="1"/>
-            <a:r>
-              <a:rPr lang="en-US" dirty="0"/>
-              <a:t>Bottom metal (.BOT)</a:t>
-            </a:r>
-          </a:p>
-          <a:p>
-            <a:pPr lvl="1"/>
-            <a:r>
-              <a:rPr lang="en-US" dirty="0"/>
-              <a:t>Bottom solder mask (.STS)</a:t>
-            </a:r>
-          </a:p>
-          <a:p>
-            <a:pPr lvl="1"/>
-            <a:r>
-              <a:rPr lang="en-US" dirty="0"/>
-              <a:t>Bottom silk screen (.PLS)</a:t>
-            </a:r>
-          </a:p>
-          <a:p>
-            <a:pPr lvl="1"/>
-            <a:r>
-              <a:rPr lang="en-US" dirty="0"/>
-              <a:t>Different board houses have different suffixes.</a:t>
-            </a:r>
-          </a:p>
-          <a:p>
-            <a:r>
-              <a:rPr lang="en-US" dirty="0"/>
-              <a:t>One drill file specifying where all the pads, </a:t>
-            </a:r>
-            <a:r>
-              <a:rPr lang="en-US" dirty="0" err="1"/>
-              <a:t>vias</a:t>
-            </a:r>
-            <a:r>
-              <a:rPr lang="en-US" dirty="0"/>
-              <a:t>, and mounting holes are located and their diameters (.DRD)</a:t>
-            </a:r>
-          </a:p>
-          <a:p>
-            <a:r>
-              <a:rPr lang="en-US" dirty="0"/>
-              <a:t>Other files too, depending on the manufacturing process</a:t>
-            </a:r>
-          </a:p>
-          <a:p>
-            <a:pPr lvl="1"/>
-            <a:r>
-              <a:rPr lang="en-US" dirty="0"/>
-              <a:t>Solder paste stencil</a:t>
-            </a:r>
-          </a:p>
-          <a:p>
-            <a:pPr lvl="1"/>
-            <a:r>
-              <a:rPr lang="en-US" dirty="0"/>
-              <a:t>Assembly drawings</a:t>
-            </a:r>
-          </a:p>
-        </p:txBody>
-      </p:sp>
-    </p:spTree>
-    <p:extLst>
-      <p:ext uri="{BB962C8B-B14F-4D97-AF65-F5344CB8AC3E}">
-        <p14:creationId xmlns:p14="http://schemas.microsoft.com/office/powerpoint/2010/main" val="1454318617"/>
-      </p:ext>
-    </p:extLst>
-  </p:cSld>
-  <p:clrMapOvr>
-    <a:masterClrMapping/>
-  </p:clrMapOvr>
-</p:sld>
-</file>
-
-<file path=ppt/slides/slide43.xml><?xml version="1.0" encoding="utf-8"?>
-<p:sld xmlns:a="http://schemas.openxmlformats.org/drawingml/2006/main" xmlns:r="http://schemas.openxmlformats.org/officeDocument/2006/relationships" xmlns:p="http://schemas.openxmlformats.org/presentationml/2006/main">
-  <p:cSld>
-    <p:spTree>
-      <p:nvGrpSpPr>
-        <p:cNvPr id="1" name=""/>
-        <p:cNvGrpSpPr/>
-        <p:nvPr/>
-      </p:nvGrpSpPr>
-      <p:grpSpPr>
-        <a:xfrm>
-          <a:off x="0" y="0"/>
-          <a:ext cx="0" cy="0"/>
-          <a:chOff x="0" y="0"/>
-          <a:chExt cx="0" cy="0"/>
-        </a:xfrm>
-      </p:grpSpPr>
-      <p:sp>
-        <p:nvSpPr>
-          <p:cNvPr id="2" name="Title 1"/>
-          <p:cNvSpPr>
-            <a:spLocks noGrp="1"/>
-          </p:cNvSpPr>
-          <p:nvPr>
-            <p:ph type="title"/>
-          </p:nvPr>
-        </p:nvSpPr>
-        <p:spPr/>
-        <p:txBody>
-          <a:bodyPr/>
-          <a:lstStyle/>
-          <a:p>
-            <a:r>
-              <a:rPr lang="en-US" dirty="0"/>
-              <a:t>The CAM Processor</a:t>
-            </a:r>
-          </a:p>
-        </p:txBody>
-      </p:sp>
-      <p:sp>
-        <p:nvSpPr>
-          <p:cNvPr id="3" name="Content Placeholder 2"/>
-          <p:cNvSpPr>
-            <a:spLocks noGrp="1"/>
-          </p:cNvSpPr>
-          <p:nvPr>
-            <p:ph idx="1"/>
-          </p:nvPr>
-        </p:nvSpPr>
-        <p:spPr/>
-        <p:txBody>
-          <a:bodyPr/>
-          <a:lstStyle/>
-          <a:p>
-            <a:r>
-              <a:rPr lang="en-US" dirty="0"/>
-              <a:t>The CAM Processor generates CAM files</a:t>
-            </a:r>
-          </a:p>
-          <a:p>
-            <a:r>
-              <a:rPr lang="en-US" dirty="0"/>
-              <a:t>The exact configuration for the </a:t>
-            </a:r>
-            <a:r>
-              <a:rPr lang="en-US" dirty="0" err="1"/>
-              <a:t>gerber</a:t>
-            </a:r>
-            <a:r>
-              <a:rPr lang="en-US" dirty="0"/>
-              <a:t> files varies by board house</a:t>
-            </a:r>
-          </a:p>
-          <a:p>
-            <a:pPr lvl="1"/>
-            <a:r>
-              <a:rPr lang="en-US" dirty="0"/>
-              <a:t>Should the board outline be in every layer?</a:t>
-            </a:r>
-          </a:p>
-          <a:p>
-            <a:pPr lvl="1"/>
-            <a:r>
-              <a:rPr lang="en-US" dirty="0"/>
-              <a:t>Which format should the files be in (there are many)</a:t>
-            </a:r>
-          </a:p>
-          <a:p>
-            <a:pPr lvl="1"/>
-            <a:r>
-              <a:rPr lang="en-US" dirty="0"/>
-              <a:t>Should the back side layers be mirrored?</a:t>
-            </a:r>
-          </a:p>
-          <a:p>
-            <a:pPr lvl="1"/>
-            <a:endParaRPr lang="en-US" dirty="0"/>
-          </a:p>
-        </p:txBody>
-      </p:sp>
-    </p:spTree>
-    <p:extLst>
-      <p:ext uri="{BB962C8B-B14F-4D97-AF65-F5344CB8AC3E}">
-        <p14:creationId xmlns:p14="http://schemas.microsoft.com/office/powerpoint/2010/main" val="3909963707"/>
-      </p:ext>
-    </p:extLst>
-  </p:cSld>
-  <p:clrMapOvr>
-    <a:masterClrMapping/>
-  </p:clrMapOvr>
-</p:sld>
-</file>
-
-<file path=ppt/slides/slide44.xml><?xml version="1.0" encoding="utf-8"?>
-<p:sld xmlns:a="http://schemas.openxmlformats.org/drawingml/2006/main" xmlns:r="http://schemas.openxmlformats.org/officeDocument/2006/relationships" xmlns:p="http://schemas.openxmlformats.org/presentationml/2006/main">
-  <p:cSld>
-    <p:spTree>
-      <p:nvGrpSpPr>
-        <p:cNvPr id="1" name=""/>
-        <p:cNvGrpSpPr/>
-        <p:nvPr/>
-      </p:nvGrpSpPr>
-      <p:grpSpPr>
-        <a:xfrm>
-          <a:off x="0" y="0"/>
-          <a:ext cx="0" cy="0"/>
-          <a:chOff x="0" y="0"/>
-          <a:chExt cx="0" cy="0"/>
-        </a:xfrm>
-      </p:grpSpPr>
-      <p:sp>
-        <p:nvSpPr>
-          <p:cNvPr id="2" name="Title 1"/>
-          <p:cNvSpPr>
-            <a:spLocks noGrp="1"/>
-          </p:cNvSpPr>
-          <p:nvPr>
-            <p:ph type="title"/>
-          </p:nvPr>
-        </p:nvSpPr>
-        <p:spPr/>
-        <p:txBody>
-          <a:bodyPr/>
-          <a:lstStyle/>
-          <a:p>
-            <a:r>
-              <a:rPr lang="en-US" dirty="0"/>
-              <a:t>CAM Setup</a:t>
-            </a:r>
-          </a:p>
-        </p:txBody>
-      </p:sp>
-      <p:sp>
-        <p:nvSpPr>
-          <p:cNvPr id="3" name="Content Placeholder 2"/>
-          <p:cNvSpPr>
-            <a:spLocks noGrp="1"/>
-          </p:cNvSpPr>
-          <p:nvPr>
-            <p:ph idx="1"/>
-          </p:nvPr>
-        </p:nvSpPr>
-        <p:spPr/>
-        <p:txBody>
-          <a:bodyPr/>
-          <a:lstStyle/>
-          <a:p>
-            <a:r>
-              <a:rPr lang="en-US" dirty="0"/>
-              <a:t>To prepare </a:t>
-            </a:r>
-            <a:r>
-              <a:rPr lang="en-US" dirty="0" err="1"/>
-              <a:t>Gerbers</a:t>
-            </a:r>
-            <a:r>
-              <a:rPr lang="en-US" dirty="0"/>
-              <a:t> for a particular board house, you need CAM setup files (*.cam for Eagle)</a:t>
-            </a:r>
-          </a:p>
-          <a:p>
-            <a:r>
-              <a:rPr lang="en-US" dirty="0"/>
-              <a:t>This specifies how to generate each layer the board house needs.</a:t>
-            </a:r>
-          </a:p>
-          <a:p>
-            <a:r>
-              <a:rPr lang="en-US" dirty="0"/>
-              <a:t>See example in Button and </a:t>
-            </a:r>
-            <a:r>
-              <a:rPr lang="en-US"/>
-              <a:t>Light Tutorial.</a:t>
-            </a:r>
-          </a:p>
-        </p:txBody>
-      </p:sp>
-    </p:spTree>
-    <p:extLst>
-      <p:ext uri="{BB962C8B-B14F-4D97-AF65-F5344CB8AC3E}">
-        <p14:creationId xmlns:p14="http://schemas.microsoft.com/office/powerpoint/2010/main" val="2385978848"/>
-      </p:ext>
-    </p:extLst>
-  </p:cSld>
-  <p:clrMapOvr>
-    <a:masterClrMapping/>
-  </p:clrMapOvr>
-</p:sld>
-</file>
-
-<file path=ppt/slides/slide45.xml><?xml version="1.0" encoding="utf-8"?>
-<p:sld xmlns:a="http://schemas.openxmlformats.org/drawingml/2006/main" xmlns:r="http://schemas.openxmlformats.org/officeDocument/2006/relationships" xmlns:p="http://schemas.openxmlformats.org/presentationml/2006/main">
-  <p:cSld>
-    <p:spTree>
-      <p:nvGrpSpPr>
-        <p:cNvPr id="1" name=""/>
-        <p:cNvGrpSpPr/>
-        <p:nvPr/>
-      </p:nvGrpSpPr>
-      <p:grpSpPr>
-        <a:xfrm>
-          <a:off x="0" y="0"/>
-          <a:ext cx="0" cy="0"/>
-          <a:chOff x="0" y="0"/>
-          <a:chExt cx="0" cy="0"/>
-        </a:xfrm>
-      </p:grpSpPr>
-      <p:sp>
-        <p:nvSpPr>
-          <p:cNvPr id="2" name="Title 1"/>
-          <p:cNvSpPr>
-            <a:spLocks noGrp="1"/>
-          </p:cNvSpPr>
-          <p:nvPr>
-            <p:ph type="title"/>
-          </p:nvPr>
-        </p:nvSpPr>
-        <p:spPr/>
-        <p:txBody>
-          <a:bodyPr/>
-          <a:lstStyle/>
-          <a:p>
-            <a:r>
-              <a:rPr lang="en-US" dirty="0"/>
-              <a:t>CAM Demo</a:t>
-            </a:r>
-          </a:p>
-        </p:txBody>
-      </p:sp>
-      <p:sp>
-        <p:nvSpPr>
-          <p:cNvPr id="3" name="Content Placeholder 2"/>
-          <p:cNvSpPr>
-            <a:spLocks noGrp="1"/>
-          </p:cNvSpPr>
-          <p:nvPr>
-            <p:ph idx="1"/>
-          </p:nvPr>
-        </p:nvSpPr>
-        <p:spPr/>
-        <p:txBody>
-          <a:bodyPr/>
-          <a:lstStyle/>
-          <a:p>
-            <a:endParaRPr lang="en-US"/>
-          </a:p>
-        </p:txBody>
-      </p:sp>
-    </p:spTree>
-    <p:extLst>
-      <p:ext uri="{BB962C8B-B14F-4D97-AF65-F5344CB8AC3E}">
-        <p14:creationId xmlns:p14="http://schemas.microsoft.com/office/powerpoint/2010/main" val="4080650690"/>
-      </p:ext>
-    </p:extLst>
-  </p:cSld>
-  <p:clrMapOvr>
-    <a:masterClrMapping/>
-  </p:clrMapOvr>
-</p:sld>
-</file>
-
-<file path=ppt/slides/slide46.xml><?xml version="1.0" encoding="utf-8"?>
-<p:sld xmlns:a="http://schemas.openxmlformats.org/drawingml/2006/main" xmlns:r="http://schemas.openxmlformats.org/officeDocument/2006/relationships" xmlns:p="http://schemas.openxmlformats.org/presentationml/2006/main">
-  <p:cSld>
-    <p:spTree>
-      <p:nvGrpSpPr>
-        <p:cNvPr id="1" name=""/>
-        <p:cNvGrpSpPr/>
-        <p:nvPr/>
-      </p:nvGrpSpPr>
-      <p:grpSpPr>
-        <a:xfrm>
-          <a:off x="0" y="0"/>
-          <a:ext cx="0" cy="0"/>
-          <a:chOff x="0" y="0"/>
-          <a:chExt cx="0" cy="0"/>
-        </a:xfrm>
-      </p:grpSpPr>
-      <p:sp>
-        <p:nvSpPr>
-          <p:cNvPr id="2" name="Title 1"/>
-          <p:cNvSpPr>
-            <a:spLocks noGrp="1"/>
-          </p:cNvSpPr>
-          <p:nvPr>
-            <p:ph type="title"/>
-          </p:nvPr>
-        </p:nvSpPr>
-        <p:spPr/>
-        <p:txBody>
-          <a:bodyPr/>
-          <a:lstStyle/>
-          <a:p>
-            <a:r>
-              <a:rPr lang="en-US" dirty="0"/>
-              <a:t>Checking Your </a:t>
-            </a:r>
-            <a:r>
-              <a:rPr lang="en-US" dirty="0" err="1"/>
-              <a:t>Gerbers</a:t>
-            </a:r>
-            <a:r>
-              <a:rPr lang="en-US" dirty="0"/>
-              <a:t>!</a:t>
-            </a:r>
-          </a:p>
-        </p:txBody>
-      </p:sp>
-      <p:sp>
-        <p:nvSpPr>
-          <p:cNvPr id="3" name="Content Placeholder 2"/>
-          <p:cNvSpPr>
-            <a:spLocks noGrp="1"/>
-          </p:cNvSpPr>
-          <p:nvPr>
-            <p:ph idx="1"/>
-          </p:nvPr>
-        </p:nvSpPr>
-        <p:spPr/>
-        <p:txBody>
-          <a:bodyPr/>
-          <a:lstStyle/>
-          <a:p>
-            <a:r>
-              <a:rPr lang="en-US" dirty="0"/>
-              <a:t>Eagle can’t display Gerber files itself</a:t>
-            </a:r>
-          </a:p>
-          <a:p>
-            <a:r>
-              <a:rPr lang="en-US" dirty="0"/>
-              <a:t>You need a 3</a:t>
-            </a:r>
-            <a:r>
-              <a:rPr lang="en-US" baseline="30000" dirty="0"/>
-              <a:t>rd</a:t>
-            </a:r>
-            <a:r>
-              <a:rPr lang="en-US" dirty="0"/>
-              <a:t> party tool</a:t>
-            </a:r>
-          </a:p>
-          <a:p>
-            <a:pPr lvl="1"/>
-            <a:r>
-              <a:rPr lang="en-US" dirty="0"/>
-              <a:t>See the Button and Light tutorial for recommendations</a:t>
-            </a:r>
-          </a:p>
-          <a:p>
-            <a:r>
-              <a:rPr lang="en-US" dirty="0"/>
-              <a:t>You should always check your </a:t>
-            </a:r>
-            <a:r>
-              <a:rPr lang="en-US" dirty="0" err="1"/>
-              <a:t>Gerbers</a:t>
-            </a:r>
-            <a:r>
-              <a:rPr lang="en-US" dirty="0"/>
-              <a:t>!</a:t>
-            </a:r>
-          </a:p>
-          <a:p>
-            <a:pPr lvl="1"/>
-            <a:r>
-              <a:rPr lang="en-US" dirty="0"/>
-              <a:t>Eagle has bugs (I assume)</a:t>
-            </a:r>
-          </a:p>
-          <a:p>
-            <a:pPr lvl="1"/>
-            <a:r>
-              <a:rPr lang="en-US" dirty="0"/>
-              <a:t>You may have misconfigured something</a:t>
-            </a:r>
-          </a:p>
-          <a:p>
-            <a:pPr lvl="1"/>
-            <a:r>
-              <a:rPr lang="en-US" dirty="0"/>
-              <a:t>You may have put something in the wrong layer.</a:t>
-            </a:r>
-          </a:p>
-          <a:p>
-            <a:pPr lvl="1"/>
-            <a:endParaRPr lang="en-US" dirty="0"/>
-          </a:p>
-          <a:p>
-            <a:endParaRPr lang="en-US" dirty="0"/>
-          </a:p>
-        </p:txBody>
-      </p:sp>
-    </p:spTree>
-    <p:extLst>
-      <p:ext uri="{BB962C8B-B14F-4D97-AF65-F5344CB8AC3E}">
-        <p14:creationId xmlns:p14="http://schemas.microsoft.com/office/powerpoint/2010/main" val="2466621111"/>
-      </p:ext>
-    </p:extLst>
-  </p:cSld>
-  <p:clrMapOvr>
-    <a:masterClrMapping/>
-  </p:clrMapOvr>
-</p:sld>
-</file>
-
-<file path=ppt/slides/slide47.xml><?xml version="1.0" encoding="utf-8"?>
-<p:sld xmlns:a="http://schemas.openxmlformats.org/drawingml/2006/main" xmlns:r="http://schemas.openxmlformats.org/officeDocument/2006/relationships" xmlns:p="http://schemas.openxmlformats.org/presentationml/2006/main">
-  <p:cSld>
-    <p:spTree>
-      <p:nvGrpSpPr>
-        <p:cNvPr id="1" name=""/>
-        <p:cNvGrpSpPr/>
-        <p:nvPr/>
-      </p:nvGrpSpPr>
-      <p:grpSpPr>
-        <a:xfrm>
-          <a:off x="0" y="0"/>
-          <a:ext cx="0" cy="0"/>
-          <a:chOff x="0" y="0"/>
-          <a:chExt cx="0" cy="0"/>
-        </a:xfrm>
-      </p:grpSpPr>
-      <p:sp>
-        <p:nvSpPr>
-          <p:cNvPr id="2" name="Title 1"/>
-          <p:cNvSpPr>
-            <a:spLocks noGrp="1"/>
-          </p:cNvSpPr>
-          <p:nvPr>
-            <p:ph type="title"/>
-          </p:nvPr>
-        </p:nvSpPr>
-        <p:spPr/>
-        <p:txBody>
-          <a:bodyPr/>
-          <a:lstStyle/>
-          <a:p>
-            <a:r>
-              <a:rPr lang="en-US" dirty="0"/>
-              <a:t>Gerber Viewer Demo</a:t>
-            </a:r>
-          </a:p>
-        </p:txBody>
-      </p:sp>
-      <p:sp>
-        <p:nvSpPr>
-          <p:cNvPr id="3" name="Content Placeholder 2"/>
-          <p:cNvSpPr>
-            <a:spLocks noGrp="1"/>
-          </p:cNvSpPr>
-          <p:nvPr>
-            <p:ph idx="1"/>
-          </p:nvPr>
-        </p:nvSpPr>
-        <p:spPr/>
-        <p:txBody>
-          <a:bodyPr/>
-          <a:lstStyle/>
-          <a:p>
-            <a:endParaRPr lang="en-US" dirty="0"/>
-          </a:p>
-        </p:txBody>
-      </p:sp>
-    </p:spTree>
-    <p:extLst>
-      <p:ext uri="{BB962C8B-B14F-4D97-AF65-F5344CB8AC3E}">
-        <p14:creationId xmlns:p14="http://schemas.microsoft.com/office/powerpoint/2010/main" val="86481886"/>
-      </p:ext>
-    </p:extLst>
-  </p:cSld>
-  <p:clrMapOvr>
-    <a:masterClrMapping/>
-  </p:clrMapOvr>
-</p:sld>
-</file>
-
-<file path=ppt/slides/slide48.xml><?xml version="1.0" encoding="utf-8"?>
-<p:sld xmlns:a="http://schemas.openxmlformats.org/drawingml/2006/main" xmlns:r="http://schemas.openxmlformats.org/officeDocument/2006/relationships" xmlns:p="http://schemas.openxmlformats.org/presentationml/2006/main">
-  <p:cSld>
-    <p:spTree>
-      <p:nvGrpSpPr>
-        <p:cNvPr id="1" name=""/>
-        <p:cNvGrpSpPr/>
-        <p:nvPr/>
-      </p:nvGrpSpPr>
-      <p:grpSpPr>
-        <a:xfrm>
-          <a:off x="0" y="0"/>
-          <a:ext cx="0" cy="0"/>
-          <a:chOff x="0" y="0"/>
-          <a:chExt cx="0" cy="0"/>
-        </a:xfrm>
-      </p:grpSpPr>
-      <p:sp>
-        <p:nvSpPr>
-          <p:cNvPr id="2" name="Title 1"/>
-          <p:cNvSpPr>
-            <a:spLocks noGrp="1"/>
-          </p:cNvSpPr>
-          <p:nvPr>
-            <p:ph type="title"/>
-          </p:nvPr>
-        </p:nvSpPr>
-        <p:spPr/>
-        <p:txBody>
-          <a:bodyPr/>
-          <a:lstStyle/>
-          <a:p>
-            <a:r>
-              <a:rPr lang="en-US" dirty="0"/>
-              <a:t>DFM Checks</a:t>
-            </a:r>
-          </a:p>
-        </p:txBody>
-      </p:sp>
-      <p:sp>
-        <p:nvSpPr>
-          <p:cNvPr id="3" name="Content Placeholder 2"/>
-          <p:cNvSpPr>
-            <a:spLocks noGrp="1"/>
-          </p:cNvSpPr>
-          <p:nvPr>
-            <p:ph idx="1"/>
-          </p:nvPr>
-        </p:nvSpPr>
-        <p:spPr/>
-        <p:txBody>
-          <a:bodyPr/>
-          <a:lstStyle/>
-          <a:p>
-            <a:r>
-              <a:rPr lang="en-US" dirty="0"/>
-              <a:t>You should also run a “design for manufacturing” (DFM) check on your </a:t>
-            </a:r>
-            <a:r>
-              <a:rPr lang="en-US" dirty="0" err="1"/>
-              <a:t>Gerbers</a:t>
-            </a:r>
-            <a:r>
-              <a:rPr lang="en-US" dirty="0"/>
-              <a:t>, if possible</a:t>
-            </a:r>
-          </a:p>
-          <a:p>
-            <a:r>
-              <a:rPr lang="en-US" dirty="0" err="1"/>
-              <a:t>Freedfm.com</a:t>
-            </a:r>
-            <a:r>
-              <a:rPr lang="en-US" dirty="0"/>
-              <a:t> will do this for you.</a:t>
-            </a:r>
-          </a:p>
-        </p:txBody>
-      </p:sp>
-    </p:spTree>
-    <p:extLst>
-      <p:ext uri="{BB962C8B-B14F-4D97-AF65-F5344CB8AC3E}">
-        <p14:creationId xmlns:p14="http://schemas.microsoft.com/office/powerpoint/2010/main" val="3331413408"/>
-      </p:ext>
-    </p:extLst>
-  </p:cSld>
-  <p:clrMapOvr>
-    <a:masterClrMapping/>
-  </p:clrMapOvr>
-</p:sld>
-</file>
-
-<file path=ppt/slides/slide49.xml><?xml version="1.0" encoding="utf-8"?>
-<p:sld xmlns:a="http://schemas.openxmlformats.org/drawingml/2006/main" xmlns:r="http://schemas.openxmlformats.org/officeDocument/2006/relationships" xmlns:p="http://schemas.openxmlformats.org/presentationml/2006/main">
-  <p:cSld>
-    <p:spTree>
-      <p:nvGrpSpPr>
-        <p:cNvPr id="1" name=""/>
-        <p:cNvGrpSpPr/>
-        <p:nvPr/>
-      </p:nvGrpSpPr>
-      <p:grpSpPr>
-        <a:xfrm>
-          <a:off x="0" y="0"/>
-          <a:ext cx="0" cy="0"/>
-          <a:chOff x="0" y="0"/>
-          <a:chExt cx="0" cy="0"/>
-        </a:xfrm>
-      </p:grpSpPr>
-      <p:sp>
-        <p:nvSpPr>
-          <p:cNvPr id="2" name="Title 1"/>
-          <p:cNvSpPr>
-            <a:spLocks noGrp="1"/>
-          </p:cNvSpPr>
-          <p:nvPr>
-            <p:ph type="title"/>
-          </p:nvPr>
-        </p:nvSpPr>
-        <p:spPr/>
-        <p:txBody>
-          <a:bodyPr/>
-          <a:lstStyle/>
-          <a:p>
-            <a:r>
-              <a:rPr lang="en-US" dirty="0" err="1"/>
-              <a:t>FreeDFM</a:t>
-            </a:r>
-            <a:r>
-              <a:rPr lang="en-US" dirty="0"/>
-              <a:t> Demo</a:t>
-            </a:r>
-          </a:p>
-        </p:txBody>
-      </p:sp>
-      <p:sp>
-        <p:nvSpPr>
-          <p:cNvPr id="3" name="Content Placeholder 2"/>
-          <p:cNvSpPr>
-            <a:spLocks noGrp="1"/>
-          </p:cNvSpPr>
-          <p:nvPr>
-            <p:ph idx="1"/>
-          </p:nvPr>
-        </p:nvSpPr>
-        <p:spPr/>
-        <p:txBody>
-          <a:bodyPr/>
-          <a:lstStyle/>
-          <a:p>
-            <a:endParaRPr lang="en-US" dirty="0"/>
-          </a:p>
-        </p:txBody>
-      </p:sp>
-    </p:spTree>
-    <p:extLst>
-      <p:ext uri="{BB962C8B-B14F-4D97-AF65-F5344CB8AC3E}">
-        <p14:creationId xmlns:p14="http://schemas.microsoft.com/office/powerpoint/2010/main" val="2869961975"/>
       </p:ext>
     </p:extLst>
   </p:cSld>
@@ -16005,731 +14269,6 @@
     <p:extLst>
       <p:ext uri="{BB962C8B-B14F-4D97-AF65-F5344CB8AC3E}">
         <p14:creationId xmlns:p14="http://schemas.microsoft.com/office/powerpoint/2010/main" val="2242305222"/>
-      </p:ext>
-    </p:extLst>
-  </p:cSld>
-  <p:clrMapOvr>
-    <a:masterClrMapping/>
-  </p:clrMapOvr>
-</p:sld>
-</file>
-
-<file path=ppt/slides/slide50.xml><?xml version="1.0" encoding="utf-8"?>
-<p:sld xmlns:a="http://schemas.openxmlformats.org/drawingml/2006/main" xmlns:r="http://schemas.openxmlformats.org/officeDocument/2006/relationships" xmlns:p="http://schemas.openxmlformats.org/presentationml/2006/main">
-  <p:cSld>
-    <p:spTree>
-      <p:nvGrpSpPr>
-        <p:cNvPr id="1" name=""/>
-        <p:cNvGrpSpPr/>
-        <p:nvPr/>
-      </p:nvGrpSpPr>
-      <p:grpSpPr>
-        <a:xfrm>
-          <a:off x="0" y="0"/>
-          <a:ext cx="0" cy="0"/>
-          <a:chOff x="0" y="0"/>
-          <a:chExt cx="0" cy="0"/>
-        </a:xfrm>
-      </p:grpSpPr>
-      <p:sp>
-        <p:nvSpPr>
-          <p:cNvPr id="2" name="Title 1"/>
-          <p:cNvSpPr>
-            <a:spLocks noGrp="1"/>
-          </p:cNvSpPr>
-          <p:nvPr>
-            <p:ph type="title"/>
-          </p:nvPr>
-        </p:nvSpPr>
-        <p:spPr/>
-        <p:txBody>
-          <a:bodyPr/>
-          <a:lstStyle/>
-          <a:p>
-            <a:r>
-              <a:rPr lang="en-US" dirty="0"/>
-              <a:t>The Lab</a:t>
-            </a:r>
-          </a:p>
-        </p:txBody>
-      </p:sp>
-      <p:sp>
-        <p:nvSpPr>
-          <p:cNvPr id="3" name="Content Placeholder 2"/>
-          <p:cNvSpPr>
-            <a:spLocks noGrp="1"/>
-          </p:cNvSpPr>
-          <p:nvPr>
-            <p:ph idx="1"/>
-          </p:nvPr>
-        </p:nvSpPr>
-        <p:spPr/>
-        <p:txBody>
-          <a:bodyPr/>
-          <a:lstStyle/>
-          <a:p>
-            <a:r>
-              <a:rPr lang="en-US" dirty="0"/>
-              <a:t>Use Eagle to design a simple schematic and board.</a:t>
-            </a:r>
-          </a:p>
-          <a:p>
-            <a:r>
-              <a:rPr lang="en-US" dirty="0"/>
-              <a:t>Run it through the tool flow.</a:t>
-            </a:r>
-          </a:p>
-          <a:p>
-            <a:r>
-              <a:rPr lang="en-US" dirty="0">
-                <a:hlinkClick r:id="rId2"/>
-              </a:rPr>
-              <a:t>https://sites.google.com/a/eng.ucsd.edu/quadcopterclass/labs/lab-2-using-eagle</a:t>
-            </a:r>
-            <a:endParaRPr lang="en-US" dirty="0"/>
-          </a:p>
-          <a:p>
-            <a:endParaRPr lang="en-US" dirty="0"/>
-          </a:p>
-        </p:txBody>
-      </p:sp>
-    </p:spTree>
-    <p:extLst>
-      <p:ext uri="{BB962C8B-B14F-4D97-AF65-F5344CB8AC3E}">
-        <p14:creationId xmlns:p14="http://schemas.microsoft.com/office/powerpoint/2010/main" val="2599178135"/>
-      </p:ext>
-    </p:extLst>
-  </p:cSld>
-  <p:clrMapOvr>
-    <a:masterClrMapping/>
-  </p:clrMapOvr>
-</p:sld>
-</file>
-
-<file path=ppt/slides/slide51.xml><?xml version="1.0" encoding="utf-8"?>
-<p:sld xmlns:a="http://schemas.openxmlformats.org/drawingml/2006/main" xmlns:r="http://schemas.openxmlformats.org/officeDocument/2006/relationships" xmlns:p="http://schemas.openxmlformats.org/presentationml/2006/main">
-  <p:cSld>
-    <p:spTree>
-      <p:nvGrpSpPr>
-        <p:cNvPr id="1" name=""/>
-        <p:cNvGrpSpPr/>
-        <p:nvPr/>
-      </p:nvGrpSpPr>
-      <p:grpSpPr>
-        <a:xfrm>
-          <a:off x="0" y="0"/>
-          <a:ext cx="0" cy="0"/>
-          <a:chOff x="0" y="0"/>
-          <a:chExt cx="0" cy="0"/>
-        </a:xfrm>
-      </p:grpSpPr>
-      <p:sp>
-        <p:nvSpPr>
-          <p:cNvPr id="2" name="Title 1">
-            <a:extLst>
-              <a:ext uri="{FF2B5EF4-FFF2-40B4-BE49-F238E27FC236}">
-                <a16:creationId xmlns:a16="http://schemas.microsoft.com/office/drawing/2014/main" id="{B37E69C4-6D54-194A-85C7-586A0D9A7293}"/>
-              </a:ext>
-            </a:extLst>
-          </p:cNvPr>
-          <p:cNvSpPr>
-            <a:spLocks noGrp="1"/>
-          </p:cNvSpPr>
-          <p:nvPr>
-            <p:ph type="title"/>
-          </p:nvPr>
-        </p:nvSpPr>
-        <p:spPr/>
-        <p:txBody>
-          <a:bodyPr/>
-          <a:lstStyle/>
-          <a:p>
-            <a:r>
-              <a:rPr lang="en-US" dirty="0"/>
-              <a:t>Eagle Lint</a:t>
-            </a:r>
-          </a:p>
-        </p:txBody>
-      </p:sp>
-      <p:sp>
-        <p:nvSpPr>
-          <p:cNvPr id="3" name="Content Placeholder 2">
-            <a:extLst>
-              <a:ext uri="{FF2B5EF4-FFF2-40B4-BE49-F238E27FC236}">
-                <a16:creationId xmlns:a16="http://schemas.microsoft.com/office/drawing/2014/main" id="{BD1A45B9-43FC-BB46-BC02-8DE1D835F9BE}"/>
-              </a:ext>
-            </a:extLst>
-          </p:cNvPr>
-          <p:cNvSpPr>
-            <a:spLocks noGrp="1"/>
-          </p:cNvSpPr>
-          <p:nvPr>
-            <p:ph idx="1"/>
-          </p:nvPr>
-        </p:nvSpPr>
-        <p:spPr/>
-        <p:txBody>
-          <a:bodyPr>
-            <a:normAutofit fontScale="62500" lnSpcReduction="20000"/>
-          </a:bodyPr>
-          <a:lstStyle/>
-          <a:p>
-            <a:r>
-              <a:rPr lang="en-US" dirty="0"/>
-              <a:t>lint:  </a:t>
-            </a:r>
-          </a:p>
-          <a:p>
-            <a:pPr lvl="1"/>
-            <a:r>
-              <a:rPr lang="en-US" i="1" dirty="0"/>
-              <a:t>Tool to check coding standards and other invariants about a computer system.</a:t>
-            </a:r>
-          </a:p>
-          <a:p>
-            <a:r>
-              <a:rPr lang="en-US" dirty="0" err="1"/>
-              <a:t>Eaglint</a:t>
-            </a:r>
-            <a:r>
-              <a:rPr lang="en-US" dirty="0"/>
-              <a:t> will check your libraries, schematics</a:t>
-            </a:r>
-          </a:p>
-          <a:p>
-            <a:pPr lvl="1"/>
-            <a:r>
-              <a:rPr lang="en-US" dirty="0"/>
-              <a:t>Check for common problems</a:t>
-            </a:r>
-          </a:p>
-          <a:p>
-            <a:pPr lvl="1"/>
-            <a:r>
-              <a:rPr lang="en-US" dirty="0"/>
-              <a:t>Check for correctness</a:t>
-            </a:r>
-          </a:p>
-          <a:p>
-            <a:pPr lvl="1"/>
-            <a:r>
-              <a:rPr lang="en-US" dirty="0"/>
-              <a:t>Check for style</a:t>
-            </a:r>
-          </a:p>
-          <a:p>
-            <a:r>
-              <a:rPr lang="en-US" dirty="0"/>
-              <a:t>Also checks for other files in your repo</a:t>
-            </a:r>
-          </a:p>
-          <a:p>
-            <a:pPr lvl="1"/>
-            <a:r>
-              <a:rPr lang="en-US" dirty="0" err="1"/>
-              <a:t>Eaglint</a:t>
-            </a:r>
-            <a:r>
-              <a:rPr lang="en-US" dirty="0"/>
-              <a:t> will tell you what it’s looking for.</a:t>
-            </a:r>
-          </a:p>
-          <a:p>
-            <a:pPr lvl="1"/>
-            <a:r>
-              <a:rPr lang="en-US" dirty="0"/>
-              <a:t>Pay attention.</a:t>
-            </a:r>
-          </a:p>
-          <a:p>
-            <a:r>
-              <a:rPr lang="en-US" dirty="0"/>
-              <a:t>Provides a workflow for me to review your designs and provide feedback.</a:t>
-            </a:r>
-          </a:p>
-          <a:p>
-            <a:r>
-              <a:rPr lang="en-US" dirty="0"/>
-              <a:t>To use</a:t>
-            </a:r>
-          </a:p>
-          <a:p>
-            <a:pPr lvl="1"/>
-            <a:r>
-              <a:rPr lang="en-US" dirty="0"/>
-              <a:t>Visit </a:t>
-            </a:r>
-            <a:r>
-              <a:rPr lang="en-US" dirty="0">
-                <a:hlinkClick r:id="rId2"/>
-              </a:rPr>
-              <a:t>http://eaglint.nvsl.io</a:t>
-            </a:r>
-            <a:endParaRPr lang="en-US" dirty="0"/>
-          </a:p>
-          <a:p>
-            <a:pPr lvl="1"/>
-            <a:r>
-              <a:rPr lang="en-US" dirty="0"/>
-              <a:t>You received a welcome email a couple of nights ago.</a:t>
-            </a:r>
-          </a:p>
-          <a:p>
-            <a:endParaRPr lang="en-US" dirty="0"/>
-          </a:p>
-        </p:txBody>
-      </p:sp>
-    </p:spTree>
-    <p:extLst>
-      <p:ext uri="{BB962C8B-B14F-4D97-AF65-F5344CB8AC3E}">
-        <p14:creationId xmlns:p14="http://schemas.microsoft.com/office/powerpoint/2010/main" val="2361343328"/>
-      </p:ext>
-    </p:extLst>
-  </p:cSld>
-  <p:clrMapOvr>
-    <a:masterClrMapping/>
-  </p:clrMapOvr>
-</p:sld>
-</file>
-
-<file path=ppt/slides/slide52.xml><?xml version="1.0" encoding="utf-8"?>
-<p:sld xmlns:a="http://schemas.openxmlformats.org/drawingml/2006/main" xmlns:r="http://schemas.openxmlformats.org/officeDocument/2006/relationships" xmlns:p="http://schemas.openxmlformats.org/presentationml/2006/main">
-  <p:cSld>
-    <p:spTree>
-      <p:nvGrpSpPr>
-        <p:cNvPr id="1" name=""/>
-        <p:cNvGrpSpPr/>
-        <p:nvPr/>
-      </p:nvGrpSpPr>
-      <p:grpSpPr>
-        <a:xfrm>
-          <a:off x="0" y="0"/>
-          <a:ext cx="0" cy="0"/>
-          <a:chOff x="0" y="0"/>
-          <a:chExt cx="0" cy="0"/>
-        </a:xfrm>
-      </p:grpSpPr>
-      <p:sp>
-        <p:nvSpPr>
-          <p:cNvPr id="2" name="Title 1">
-            <a:extLst>
-              <a:ext uri="{FF2B5EF4-FFF2-40B4-BE49-F238E27FC236}">
-                <a16:creationId xmlns:a16="http://schemas.microsoft.com/office/drawing/2014/main" id="{833E81A3-BF51-5545-AE4A-34E442EE3395}"/>
-              </a:ext>
-            </a:extLst>
-          </p:cNvPr>
-          <p:cNvSpPr>
-            <a:spLocks noGrp="1"/>
-          </p:cNvSpPr>
-          <p:nvPr>
-            <p:ph type="title"/>
-          </p:nvPr>
-        </p:nvSpPr>
-        <p:spPr/>
-        <p:txBody>
-          <a:bodyPr/>
-          <a:lstStyle/>
-          <a:p>
-            <a:r>
-              <a:rPr lang="en-US" dirty="0"/>
-              <a:t>Eagle Lint Process</a:t>
-            </a:r>
-          </a:p>
-        </p:txBody>
-      </p:sp>
-      <p:sp>
-        <p:nvSpPr>
-          <p:cNvPr id="3" name="Content Placeholder 2">
-            <a:extLst>
-              <a:ext uri="{FF2B5EF4-FFF2-40B4-BE49-F238E27FC236}">
-                <a16:creationId xmlns:a16="http://schemas.microsoft.com/office/drawing/2014/main" id="{97DDE2E0-2980-844E-B1DB-CACC04B172FE}"/>
-              </a:ext>
-            </a:extLst>
-          </p:cNvPr>
-          <p:cNvSpPr>
-            <a:spLocks noGrp="1"/>
-          </p:cNvSpPr>
-          <p:nvPr>
-            <p:ph idx="1"/>
-          </p:nvPr>
-        </p:nvSpPr>
-        <p:spPr/>
-        <p:txBody>
-          <a:bodyPr>
-            <a:normAutofit fontScale="85000" lnSpcReduction="20000"/>
-          </a:bodyPr>
-          <a:lstStyle/>
-          <a:p>
-            <a:pPr marL="514350" indent="-514350">
-              <a:buFont typeface="+mj-lt"/>
-              <a:buAutoNum type="arabicPeriod"/>
-            </a:pPr>
-            <a:r>
-              <a:rPr lang="en-US" dirty="0"/>
-              <a:t>Commit and push your changes to </a:t>
-            </a:r>
-            <a:r>
-              <a:rPr lang="en-US" dirty="0" err="1"/>
-              <a:t>github</a:t>
-            </a:r>
-            <a:endParaRPr lang="en-US" dirty="0"/>
-          </a:p>
-          <a:p>
-            <a:pPr marL="514350" indent="-514350">
-              <a:buFont typeface="+mj-lt"/>
-              <a:buAutoNum type="arabicPeriod"/>
-            </a:pPr>
-            <a:r>
-              <a:rPr lang="en-US" dirty="0"/>
-              <a:t>Submit your repo to </a:t>
-            </a:r>
-            <a:r>
-              <a:rPr lang="en-US" dirty="0" err="1"/>
-              <a:t>Eaglint</a:t>
-            </a:r>
-            <a:r>
-              <a:rPr lang="en-US" dirty="0"/>
-              <a:t> for a quick check</a:t>
-            </a:r>
-          </a:p>
-          <a:p>
-            <a:pPr marL="514350" indent="-514350">
-              <a:buFont typeface="+mj-lt"/>
-              <a:buAutoNum type="arabicPeriod"/>
-            </a:pPr>
-            <a:r>
-              <a:rPr lang="en-US" dirty="0">
-                <a:solidFill>
-                  <a:srgbClr val="FF0000"/>
-                </a:solidFill>
-              </a:rPr>
-              <a:t>Submit your repo to </a:t>
-            </a:r>
-            <a:r>
-              <a:rPr lang="en-US" dirty="0" err="1">
-                <a:solidFill>
-                  <a:srgbClr val="FF0000"/>
-                </a:solidFill>
-              </a:rPr>
-              <a:t>Eaglint</a:t>
-            </a:r>
-            <a:r>
-              <a:rPr lang="en-US" dirty="0">
-                <a:solidFill>
-                  <a:srgbClr val="FF0000"/>
-                </a:solidFill>
-              </a:rPr>
-              <a:t> for a full check</a:t>
-            </a:r>
-          </a:p>
-          <a:p>
-            <a:pPr marL="514350" indent="-514350">
-              <a:buFont typeface="+mj-lt"/>
-              <a:buAutoNum type="arabicPeriod"/>
-            </a:pPr>
-            <a:r>
-              <a:rPr lang="en-US" dirty="0"/>
-              <a:t>If warnings/errors</a:t>
-            </a:r>
-          </a:p>
-          <a:p>
-            <a:pPr marL="400050" lvl="1" indent="0">
-              <a:buNone/>
-            </a:pPr>
-            <a:r>
-              <a:rPr lang="en-US" dirty="0"/>
-              <a:t>Fix and </a:t>
-            </a:r>
-            <a:r>
-              <a:rPr lang="en-US" dirty="0" err="1"/>
-              <a:t>goto</a:t>
-            </a:r>
-            <a:r>
-              <a:rPr lang="en-US" dirty="0"/>
-              <a:t> 1.</a:t>
-            </a:r>
-          </a:p>
-          <a:p>
-            <a:pPr marL="400050" lvl="1" indent="0">
-              <a:buNone/>
-            </a:pPr>
-            <a:r>
-              <a:rPr lang="en-US" dirty="0"/>
-              <a:t>Or justify them and </a:t>
-            </a:r>
-            <a:r>
-              <a:rPr lang="en-US" dirty="0" err="1"/>
-              <a:t>goto</a:t>
-            </a:r>
-            <a:r>
-              <a:rPr lang="en-US" dirty="0"/>
-              <a:t> 5</a:t>
-            </a:r>
-          </a:p>
-          <a:p>
-            <a:pPr marL="514350" indent="-514350">
-              <a:buFont typeface="+mj-lt"/>
-              <a:buAutoNum type="arabicPeriod"/>
-            </a:pPr>
-            <a:r>
-              <a:rPr lang="en-US" dirty="0">
-                <a:solidFill>
-                  <a:srgbClr val="FF0000"/>
-                </a:solidFill>
-              </a:rPr>
-              <a:t>Submit for human review</a:t>
-            </a:r>
-          </a:p>
-          <a:p>
-            <a:pPr marL="514350" indent="-514350">
-              <a:buFont typeface="+mj-lt"/>
-              <a:buAutoNum type="arabicPeriod"/>
-            </a:pPr>
-            <a:r>
-              <a:rPr lang="en-US" dirty="0"/>
-              <a:t>If rejected</a:t>
-            </a:r>
-          </a:p>
-          <a:p>
-            <a:pPr marL="400050" lvl="1" indent="0">
-              <a:buNone/>
-            </a:pPr>
-            <a:r>
-              <a:rPr lang="en-US" dirty="0"/>
-              <a:t>Read comments; </a:t>
-            </a:r>
-            <a:r>
-              <a:rPr lang="en-US" dirty="0" err="1"/>
-              <a:t>goto</a:t>
-            </a:r>
-            <a:r>
-              <a:rPr lang="en-US" dirty="0"/>
-              <a:t> 1.</a:t>
-            </a:r>
-          </a:p>
-          <a:p>
-            <a:pPr marL="514350" indent="-514350">
-              <a:buFont typeface="+mj-lt"/>
-              <a:buAutoNum type="arabicPeriod"/>
-            </a:pPr>
-            <a:r>
-              <a:rPr lang="en-US" dirty="0"/>
-              <a:t>Else if accepted</a:t>
-            </a:r>
-          </a:p>
-          <a:p>
-            <a:pPr marL="400050" lvl="1" indent="0">
-              <a:buNone/>
-            </a:pPr>
-            <a:r>
-              <a:rPr lang="en-US" dirty="0" err="1"/>
-              <a:t>Goto</a:t>
-            </a:r>
-            <a:r>
-              <a:rPr lang="en-US" dirty="0"/>
-              <a:t> next lab</a:t>
-            </a:r>
-          </a:p>
-        </p:txBody>
-      </p:sp>
-    </p:spTree>
-    <p:extLst>
-      <p:ext uri="{BB962C8B-B14F-4D97-AF65-F5344CB8AC3E}">
-        <p14:creationId xmlns:p14="http://schemas.microsoft.com/office/powerpoint/2010/main" val="1072275094"/>
-      </p:ext>
-    </p:extLst>
-  </p:cSld>
-  <p:clrMapOvr>
-    <a:masterClrMapping/>
-  </p:clrMapOvr>
-</p:sld>
-</file>
-
-<file path=ppt/slides/slide53.xml><?xml version="1.0" encoding="utf-8"?>
-<p:sld xmlns:a="http://schemas.openxmlformats.org/drawingml/2006/main" xmlns:r="http://schemas.openxmlformats.org/officeDocument/2006/relationships" xmlns:p="http://schemas.openxmlformats.org/presentationml/2006/main">
-  <p:cSld>
-    <p:spTree>
-      <p:nvGrpSpPr>
-        <p:cNvPr id="1" name=""/>
-        <p:cNvGrpSpPr/>
-        <p:nvPr/>
-      </p:nvGrpSpPr>
-      <p:grpSpPr>
-        <a:xfrm>
-          <a:off x="0" y="0"/>
-          <a:ext cx="0" cy="0"/>
-          <a:chOff x="0" y="0"/>
-          <a:chExt cx="0" cy="0"/>
-        </a:xfrm>
-      </p:grpSpPr>
-      <p:sp>
-        <p:nvSpPr>
-          <p:cNvPr id="2" name="Title 1">
-            <a:extLst>
-              <a:ext uri="{FF2B5EF4-FFF2-40B4-BE49-F238E27FC236}">
-                <a16:creationId xmlns:a16="http://schemas.microsoft.com/office/drawing/2014/main" id="{F65CE4FC-EF5F-C444-B1EC-1755D0ED84EF}"/>
-              </a:ext>
-            </a:extLst>
-          </p:cNvPr>
-          <p:cNvSpPr>
-            <a:spLocks noGrp="1"/>
-          </p:cNvSpPr>
-          <p:nvPr>
-            <p:ph type="title"/>
-          </p:nvPr>
-        </p:nvSpPr>
-        <p:spPr/>
-        <p:txBody>
-          <a:bodyPr/>
-          <a:lstStyle/>
-          <a:p>
-            <a:r>
-              <a:rPr lang="en-US" dirty="0"/>
-              <a:t>Grading on PCB Labs</a:t>
-            </a:r>
-          </a:p>
-        </p:txBody>
-      </p:sp>
-      <p:sp>
-        <p:nvSpPr>
-          <p:cNvPr id="3" name="Content Placeholder 2">
-            <a:extLst>
-              <a:ext uri="{FF2B5EF4-FFF2-40B4-BE49-F238E27FC236}">
-                <a16:creationId xmlns:a16="http://schemas.microsoft.com/office/drawing/2014/main" id="{6CAF32E4-A95A-5F44-8563-0B09761289E5}"/>
-              </a:ext>
-            </a:extLst>
-          </p:cNvPr>
-          <p:cNvSpPr>
-            <a:spLocks noGrp="1"/>
-          </p:cNvSpPr>
-          <p:nvPr>
-            <p:ph idx="1"/>
-          </p:nvPr>
-        </p:nvSpPr>
-        <p:spPr/>
-        <p:txBody>
-          <a:bodyPr>
-            <a:normAutofit fontScale="70000" lnSpcReduction="20000"/>
-          </a:bodyPr>
-          <a:lstStyle/>
-          <a:p>
-            <a:r>
-              <a:rPr lang="en-US" dirty="0"/>
-              <a:t>The key to PCB design is attention to detail.</a:t>
-            </a:r>
-          </a:p>
-          <a:p>
-            <a:pPr lvl="1"/>
-            <a:r>
-              <a:rPr lang="en-US" dirty="0"/>
-              <a:t>Building a real board can take 4 months.</a:t>
-            </a:r>
-          </a:p>
-          <a:p>
-            <a:pPr lvl="1"/>
-            <a:r>
-              <a:rPr lang="en-US" dirty="0"/>
-              <a:t>If you make a mistake, it takes 4 months to fix.</a:t>
-            </a:r>
-          </a:p>
-          <a:p>
-            <a:pPr lvl="2"/>
-            <a:r>
-              <a:rPr lang="en-US" dirty="0"/>
-              <a:t>Contrast to software:  just recompile and rerun!</a:t>
-            </a:r>
-          </a:p>
-          <a:p>
-            <a:pPr lvl="1"/>
-            <a:r>
-              <a:rPr lang="en-US" dirty="0"/>
-              <a:t>Don’t make any mistakes!  Check your work!</a:t>
-            </a:r>
-          </a:p>
-          <a:p>
-            <a:r>
-              <a:rPr lang="en-US" dirty="0"/>
-              <a:t>Grading for PCB labs</a:t>
-            </a:r>
-          </a:p>
-          <a:p>
-            <a:pPr lvl="1"/>
-            <a:r>
-              <a:rPr lang="en-US" dirty="0"/>
-              <a:t>A “perfect” score is 10 points</a:t>
-            </a:r>
-          </a:p>
-          <a:p>
-            <a:pPr lvl="1"/>
-            <a:r>
-              <a:rPr lang="en-US" dirty="0"/>
-              <a:t>You start out with 15 points.</a:t>
-            </a:r>
-          </a:p>
-          <a:p>
-            <a:pPr lvl="1"/>
-            <a:r>
-              <a:rPr lang="en-US" dirty="0"/>
-              <a:t>Every time you submit a design to </a:t>
-            </a:r>
-            <a:r>
-              <a:rPr lang="en-US" dirty="0" err="1"/>
-              <a:t>Eaglint</a:t>
-            </a:r>
-            <a:r>
-              <a:rPr lang="en-US" dirty="0"/>
-              <a:t>, you lose a point.</a:t>
-            </a:r>
-          </a:p>
-          <a:p>
-            <a:pPr lvl="1"/>
-            <a:r>
-              <a:rPr lang="en-US" dirty="0"/>
-              <a:t>Every time you submit a design for human review </a:t>
-            </a:r>
-            <a:r>
-              <a:rPr lang="en-US" dirty="0" err="1"/>
-              <a:t>Eaglint</a:t>
-            </a:r>
-            <a:r>
-              <a:rPr lang="en-US" dirty="0"/>
-              <a:t>, you lose a point.</a:t>
-            </a:r>
-          </a:p>
-          <a:p>
-            <a:pPr lvl="1"/>
-            <a:r>
-              <a:rPr lang="en-US" dirty="0"/>
-              <a:t>For every day late, you lose a point.</a:t>
-            </a:r>
-          </a:p>
-          <a:p>
-            <a:pPr lvl="1"/>
-            <a:r>
-              <a:rPr lang="en-US"/>
-              <a:t>You must complete the labs.</a:t>
-            </a:r>
-            <a:endParaRPr lang="en-US" dirty="0"/>
-          </a:p>
-          <a:p>
-            <a:r>
-              <a:rPr lang="en-US" dirty="0"/>
-              <a:t>”Quick checks” are free.</a:t>
-            </a:r>
-          </a:p>
-          <a:p>
-            <a:pPr lvl="1"/>
-            <a:endParaRPr lang="en-US" dirty="0"/>
-          </a:p>
-          <a:p>
-            <a:endParaRPr lang="en-US" dirty="0"/>
-          </a:p>
-        </p:txBody>
-      </p:sp>
-    </p:spTree>
-    <p:extLst>
-      <p:ext uri="{BB962C8B-B14F-4D97-AF65-F5344CB8AC3E}">
-        <p14:creationId xmlns:p14="http://schemas.microsoft.com/office/powerpoint/2010/main" val="252210692"/>
       </p:ext>
     </p:extLst>
   </p:cSld>

--- a/Lecture Slides/Lab01-Eagle-Intro.pptx
+++ b/Lecture Slides/Lab01-Eagle-Intro.pptx
@@ -236,7 +236,7 @@
           <a:p>
             <a:fld id="{BC745CAF-6697-EB43-8D33-148B2A11868D}" type="datetimeFigureOut">
               <a:rPr lang="en-US" smtClean="0"/>
-              <a:t>1/22/19</a:t>
+              <a:t>2/21/19</a:t>
             </a:fld>
             <a:endParaRPr lang="en-US"/>
           </a:p>
@@ -769,7 +769,7 @@
           <a:p>
             <a:fld id="{0675A308-8787-9B42-956E-CA40C2F0F6AE}" type="datetimeFigureOut">
               <a:rPr lang="en-US" smtClean="0"/>
-              <a:t>1/22/19</a:t>
+              <a:t>2/21/19</a:t>
             </a:fld>
             <a:endParaRPr lang="en-US"/>
           </a:p>
@@ -939,7 +939,7 @@
           <a:p>
             <a:fld id="{0675A308-8787-9B42-956E-CA40C2F0F6AE}" type="datetimeFigureOut">
               <a:rPr lang="en-US" smtClean="0"/>
-              <a:t>1/22/19</a:t>
+              <a:t>2/21/19</a:t>
             </a:fld>
             <a:endParaRPr lang="en-US"/>
           </a:p>
@@ -1119,7 +1119,7 @@
           <a:p>
             <a:fld id="{0675A308-8787-9B42-956E-CA40C2F0F6AE}" type="datetimeFigureOut">
               <a:rPr lang="en-US" smtClean="0"/>
-              <a:t>1/22/19</a:t>
+              <a:t>2/21/19</a:t>
             </a:fld>
             <a:endParaRPr lang="en-US"/>
           </a:p>
@@ -1289,7 +1289,7 @@
           <a:p>
             <a:fld id="{0675A308-8787-9B42-956E-CA40C2F0F6AE}" type="datetimeFigureOut">
               <a:rPr lang="en-US" smtClean="0"/>
-              <a:t>1/22/19</a:t>
+              <a:t>2/21/19</a:t>
             </a:fld>
             <a:endParaRPr lang="en-US"/>
           </a:p>
@@ -1535,7 +1535,7 @@
           <a:p>
             <a:fld id="{0675A308-8787-9B42-956E-CA40C2F0F6AE}" type="datetimeFigureOut">
               <a:rPr lang="en-US" smtClean="0"/>
-              <a:t>1/22/19</a:t>
+              <a:t>2/21/19</a:t>
             </a:fld>
             <a:endParaRPr lang="en-US"/>
           </a:p>
@@ -1823,7 +1823,7 @@
           <a:p>
             <a:fld id="{0675A308-8787-9B42-956E-CA40C2F0F6AE}" type="datetimeFigureOut">
               <a:rPr lang="en-US" smtClean="0"/>
-              <a:t>1/22/19</a:t>
+              <a:t>2/21/19</a:t>
             </a:fld>
             <a:endParaRPr lang="en-US"/>
           </a:p>
@@ -2245,7 +2245,7 @@
           <a:p>
             <a:fld id="{0675A308-8787-9B42-956E-CA40C2F0F6AE}" type="datetimeFigureOut">
               <a:rPr lang="en-US" smtClean="0"/>
-              <a:t>1/22/19</a:t>
+              <a:t>2/21/19</a:t>
             </a:fld>
             <a:endParaRPr lang="en-US"/>
           </a:p>
@@ -2363,7 +2363,7 @@
           <a:p>
             <a:fld id="{0675A308-8787-9B42-956E-CA40C2F0F6AE}" type="datetimeFigureOut">
               <a:rPr lang="en-US" smtClean="0"/>
-              <a:t>1/22/19</a:t>
+              <a:t>2/21/19</a:t>
             </a:fld>
             <a:endParaRPr lang="en-US"/>
           </a:p>
@@ -2458,7 +2458,7 @@
           <a:p>
             <a:fld id="{0675A308-8787-9B42-956E-CA40C2F0F6AE}" type="datetimeFigureOut">
               <a:rPr lang="en-US" smtClean="0"/>
-              <a:t>1/22/19</a:t>
+              <a:t>2/21/19</a:t>
             </a:fld>
             <a:endParaRPr lang="en-US"/>
           </a:p>
@@ -2735,7 +2735,7 @@
           <a:p>
             <a:fld id="{0675A308-8787-9B42-956E-CA40C2F0F6AE}" type="datetimeFigureOut">
               <a:rPr lang="en-US" smtClean="0"/>
-              <a:t>1/22/19</a:t>
+              <a:t>2/21/19</a:t>
             </a:fld>
             <a:endParaRPr lang="en-US"/>
           </a:p>
@@ -2988,7 +2988,7 @@
           <a:p>
             <a:fld id="{0675A308-8787-9B42-956E-CA40C2F0F6AE}" type="datetimeFigureOut">
               <a:rPr lang="en-US" smtClean="0"/>
-              <a:t>1/22/19</a:t>
+              <a:t>2/21/19</a:t>
             </a:fld>
             <a:endParaRPr lang="en-US"/>
           </a:p>
@@ -3201,7 +3201,7 @@
           <a:p>
             <a:fld id="{0675A308-8787-9B42-956E-CA40C2F0F6AE}" type="datetimeFigureOut">
               <a:rPr lang="en-US" smtClean="0"/>
-              <a:t>1/22/19</a:t>
+              <a:t>2/21/19</a:t>
             </a:fld>
             <a:endParaRPr lang="en-US"/>
           </a:p>
@@ -4000,7 +4000,7 @@
 </file>
 
 <file path=ppt/slides/slide13.xml><?xml version="1.0" encoding="utf-8"?>
-<p:sld xmlns:a="http://schemas.openxmlformats.org/drawingml/2006/main" xmlns:r="http://schemas.openxmlformats.org/officeDocument/2006/relationships" xmlns:p="http://schemas.openxmlformats.org/presentationml/2006/main">
+<p:sld xmlns:a="http://schemas.openxmlformats.org/drawingml/2006/main" xmlns:r="http://schemas.openxmlformats.org/officeDocument/2006/relationships" xmlns:p="http://schemas.openxmlformats.org/presentationml/2006/main" show="0">
   <p:cSld>
     <p:spTree>
       <p:nvGrpSpPr>
@@ -11960,7 +11960,7 @@
 </file>
 
 <file path=ppt/slides/slide18.xml><?xml version="1.0" encoding="utf-8"?>
-<p:sld xmlns:a="http://schemas.openxmlformats.org/drawingml/2006/main" xmlns:r="http://schemas.openxmlformats.org/officeDocument/2006/relationships" xmlns:p="http://schemas.openxmlformats.org/presentationml/2006/main">
+<p:sld xmlns:a="http://schemas.openxmlformats.org/drawingml/2006/main" xmlns:r="http://schemas.openxmlformats.org/officeDocument/2006/relationships" xmlns:p="http://schemas.openxmlformats.org/presentationml/2006/main" show="0">
   <p:cSld>
     <p:spTree>
       <p:nvGrpSpPr>
@@ -12121,29 +12121,7 @@
           <a:p>
             <a:r>
               <a:rPr lang="en-US" dirty="0"/>
-              <a:t>The “Red board”</a:t>
-            </a:r>
-          </a:p>
-          <a:p>
-            <a:r>
-              <a:rPr lang="en-US" dirty="0"/>
-              <a:t>open /Users/</a:t>
-            </a:r>
-            <a:r>
-              <a:rPr lang="en-US" dirty="0" err="1"/>
-              <a:t>swanson</a:t>
-            </a:r>
-            <a:r>
-              <a:rPr lang="en-US" dirty="0"/>
-              <a:t>/UCSD/Teaching/18sp-190/</a:t>
-            </a:r>
-            <a:r>
-              <a:rPr lang="en-US" dirty="0" err="1"/>
-              <a:t>QuadClass</a:t>
-            </a:r>
-            <a:r>
-              <a:rPr lang="en-US" dirty="0"/>
-              <a:t>-Resources/Lecture\ Slides/Examples/ATmega128RFA1-DevBoard/ATmega128RFA1-DevBoard.brd</a:t>
+              <a:t>Quadcopter remote</a:t>
             </a:r>
           </a:p>
         </p:txBody>
@@ -13007,7 +12985,7 @@
 </file>
 
 <file path=ppt/slides/slide25.xml><?xml version="1.0" encoding="utf-8"?>
-<p:sld xmlns:a="http://schemas.openxmlformats.org/drawingml/2006/main" xmlns:r="http://schemas.openxmlformats.org/officeDocument/2006/relationships" xmlns:p="http://schemas.openxmlformats.org/presentationml/2006/main">
+<p:sld xmlns:a="http://schemas.openxmlformats.org/drawingml/2006/main" xmlns:r="http://schemas.openxmlformats.org/officeDocument/2006/relationships" xmlns:p="http://schemas.openxmlformats.org/presentationml/2006/main" show="0">
   <p:cSld>
     <p:spTree>
       <p:nvGrpSpPr>
